--- a/presentations/bayesian.pptx
+++ b/presentations/bayesian.pptx
@@ -4,6 +4,9 @@
   <p:sldMasterIdLst>
     <p:sldMasterId id="2147483648" r:id="rId1"/>
   </p:sldMasterIdLst>
+  <p:notesMasterIdLst>
+    <p:notesMasterId r:id="rId13"/>
+  </p:notesMasterIdLst>
   <p:sldIdLst>
     <p:sldId id="256" r:id="rId2"/>
     <p:sldId id="257" r:id="rId3"/>
@@ -12,9 +15,10 @@
     <p:sldId id="260" r:id="rId6"/>
     <p:sldId id="261" r:id="rId7"/>
     <p:sldId id="262" r:id="rId8"/>
-    <p:sldId id="263" r:id="rId9"/>
-    <p:sldId id="265" r:id="rId10"/>
-    <p:sldId id="264" r:id="rId11"/>
+    <p:sldId id="266" r:id="rId9"/>
+    <p:sldId id="263" r:id="rId10"/>
+    <p:sldId id="265" r:id="rId11"/>
+    <p:sldId id="264" r:id="rId12"/>
   </p:sldIdLst>
   <p:sldSz cx="12192000" cy="6858000"/>
   <p:notesSz cx="6858000" cy="9144000"/>
@@ -113,7 +117,2770 @@
       </a:defRPr>
     </a:lvl9pPr>
   </p:defaultTextStyle>
+  <p:extLst>
+    <p:ext uri="{EFAFB233-063F-42B5-8137-9DF3F51BA10A}">
+      <p15:sldGuideLst xmlns:p15="http://schemas.microsoft.com/office/powerpoint/2012/main"/>
+    </p:ext>
+  </p:extLst>
 </p:presentation>
+</file>
+
+<file path=ppt/diagrams/colors1.xml><?xml version="1.0" encoding="utf-8"?>
+<dgm:colorsDef xmlns:dgm="http://schemas.openxmlformats.org/drawingml/2006/diagram" xmlns:a="http://schemas.openxmlformats.org/drawingml/2006/main" uniqueId="urn:microsoft.com/office/officeart/2005/8/colors/colorful3">
+  <dgm:title val=""/>
+  <dgm:desc val=""/>
+  <dgm:catLst>
+    <dgm:cat type="colorful" pri="10300"/>
+  </dgm:catLst>
+  <dgm:styleLbl name="node0">
+    <dgm:fillClrLst meth="repeat">
+      <a:schemeClr val="accent2"/>
+    </dgm:fillClrLst>
+    <dgm:linClrLst meth="repeat">
+      <a:schemeClr val="lt1"/>
+    </dgm:linClrLst>
+    <dgm:effectClrLst/>
+    <dgm:txLinClrLst/>
+    <dgm:txFillClrLst/>
+    <dgm:txEffectClrLst/>
+  </dgm:styleLbl>
+  <dgm:styleLbl name="node1">
+    <dgm:fillClrLst>
+      <a:schemeClr val="accent3"/>
+      <a:schemeClr val="accent4"/>
+    </dgm:fillClrLst>
+    <dgm:linClrLst meth="repeat">
+      <a:schemeClr val="lt1"/>
+    </dgm:linClrLst>
+    <dgm:effectClrLst/>
+    <dgm:txLinClrLst/>
+    <dgm:txFillClrLst/>
+    <dgm:txEffectClrLst/>
+  </dgm:styleLbl>
+  <dgm:styleLbl name="alignNode1">
+    <dgm:fillClrLst>
+      <a:schemeClr val="accent3"/>
+      <a:schemeClr val="accent4"/>
+    </dgm:fillClrLst>
+    <dgm:linClrLst>
+      <a:schemeClr val="accent3"/>
+      <a:schemeClr val="accent4"/>
+    </dgm:linClrLst>
+    <dgm:effectClrLst/>
+    <dgm:txLinClrLst/>
+    <dgm:txFillClrLst/>
+    <dgm:txEffectClrLst/>
+  </dgm:styleLbl>
+  <dgm:styleLbl name="lnNode1">
+    <dgm:fillClrLst>
+      <a:schemeClr val="accent3"/>
+      <a:schemeClr val="accent4"/>
+    </dgm:fillClrLst>
+    <dgm:linClrLst meth="repeat">
+      <a:schemeClr val="lt1"/>
+    </dgm:linClrLst>
+    <dgm:effectClrLst/>
+    <dgm:txLinClrLst/>
+    <dgm:txFillClrLst/>
+    <dgm:txEffectClrLst/>
+  </dgm:styleLbl>
+  <dgm:styleLbl name="vennNode1">
+    <dgm:fillClrLst>
+      <a:schemeClr val="accent3">
+        <a:alpha val="50000"/>
+      </a:schemeClr>
+      <a:schemeClr val="accent4">
+        <a:alpha val="50000"/>
+      </a:schemeClr>
+    </dgm:fillClrLst>
+    <dgm:linClrLst meth="repeat">
+      <a:schemeClr val="lt1"/>
+    </dgm:linClrLst>
+    <dgm:effectClrLst/>
+    <dgm:txLinClrLst/>
+    <dgm:txFillClrLst/>
+    <dgm:txEffectClrLst/>
+  </dgm:styleLbl>
+  <dgm:styleLbl name="node2">
+    <dgm:fillClrLst>
+      <a:schemeClr val="accent4"/>
+    </dgm:fillClrLst>
+    <dgm:linClrLst meth="repeat">
+      <a:schemeClr val="lt1"/>
+    </dgm:linClrLst>
+    <dgm:effectClrLst/>
+    <dgm:txLinClrLst/>
+    <dgm:txFillClrLst/>
+    <dgm:txEffectClrLst/>
+  </dgm:styleLbl>
+  <dgm:styleLbl name="node3">
+    <dgm:fillClrLst>
+      <a:schemeClr val="accent5"/>
+    </dgm:fillClrLst>
+    <dgm:linClrLst meth="repeat">
+      <a:schemeClr val="lt1"/>
+    </dgm:linClrLst>
+    <dgm:effectClrLst/>
+    <dgm:txLinClrLst/>
+    <dgm:txFillClrLst/>
+    <dgm:txEffectClrLst/>
+  </dgm:styleLbl>
+  <dgm:styleLbl name="node4">
+    <dgm:fillClrLst>
+      <a:schemeClr val="accent6"/>
+    </dgm:fillClrLst>
+    <dgm:linClrLst meth="repeat">
+      <a:schemeClr val="lt1"/>
+    </dgm:linClrLst>
+    <dgm:effectClrLst/>
+    <dgm:txLinClrLst/>
+    <dgm:txFillClrLst/>
+    <dgm:txEffectClrLst/>
+  </dgm:styleLbl>
+  <dgm:styleLbl name="fgImgPlace1">
+    <dgm:fillClrLst>
+      <a:schemeClr val="accent3">
+        <a:tint val="50000"/>
+      </a:schemeClr>
+      <a:schemeClr val="accent4">
+        <a:tint val="50000"/>
+      </a:schemeClr>
+    </dgm:fillClrLst>
+    <dgm:linClrLst meth="repeat">
+      <a:schemeClr val="lt1"/>
+    </dgm:linClrLst>
+    <dgm:effectClrLst/>
+    <dgm:txLinClrLst/>
+    <dgm:txFillClrLst meth="repeat">
+      <a:schemeClr val="lt1"/>
+    </dgm:txFillClrLst>
+    <dgm:txEffectClrLst/>
+  </dgm:styleLbl>
+  <dgm:styleLbl name="alignImgPlace1">
+    <dgm:fillClrLst>
+      <a:schemeClr val="accent3">
+        <a:tint val="50000"/>
+      </a:schemeClr>
+      <a:schemeClr val="accent4">
+        <a:tint val="20000"/>
+      </a:schemeClr>
+    </dgm:fillClrLst>
+    <dgm:linClrLst meth="repeat">
+      <a:schemeClr val="lt1"/>
+    </dgm:linClrLst>
+    <dgm:effectClrLst/>
+    <dgm:txLinClrLst/>
+    <dgm:txFillClrLst meth="repeat">
+      <a:schemeClr val="lt1"/>
+    </dgm:txFillClrLst>
+    <dgm:txEffectClrLst/>
+  </dgm:styleLbl>
+  <dgm:styleLbl name="bgImgPlace1">
+    <dgm:fillClrLst>
+      <a:schemeClr val="accent3">
+        <a:tint val="50000"/>
+      </a:schemeClr>
+      <a:schemeClr val="accent4">
+        <a:tint val="20000"/>
+      </a:schemeClr>
+    </dgm:fillClrLst>
+    <dgm:linClrLst meth="repeat">
+      <a:schemeClr val="lt1"/>
+    </dgm:linClrLst>
+    <dgm:effectClrLst/>
+    <dgm:txLinClrLst/>
+    <dgm:txFillClrLst meth="repeat">
+      <a:schemeClr val="lt1"/>
+    </dgm:txFillClrLst>
+    <dgm:txEffectClrLst/>
+  </dgm:styleLbl>
+  <dgm:styleLbl name="sibTrans2D1">
+    <dgm:fillClrLst>
+      <a:schemeClr val="accent3"/>
+      <a:schemeClr val="accent4"/>
+    </dgm:fillClrLst>
+    <dgm:linClrLst meth="repeat">
+      <a:schemeClr val="lt1"/>
+    </dgm:linClrLst>
+    <dgm:effectClrLst/>
+    <dgm:txLinClrLst/>
+    <dgm:txFillClrLst/>
+    <dgm:txEffectClrLst/>
+  </dgm:styleLbl>
+  <dgm:styleLbl name="fgSibTrans2D1">
+    <dgm:fillClrLst>
+      <a:schemeClr val="accent3"/>
+      <a:schemeClr val="accent4"/>
+    </dgm:fillClrLst>
+    <dgm:linClrLst meth="repeat">
+      <a:schemeClr val="lt1"/>
+    </dgm:linClrLst>
+    <dgm:effectClrLst/>
+    <dgm:txLinClrLst/>
+    <dgm:txFillClrLst meth="repeat">
+      <a:schemeClr val="lt1"/>
+    </dgm:txFillClrLst>
+    <dgm:txEffectClrLst/>
+  </dgm:styleLbl>
+  <dgm:styleLbl name="bgSibTrans2D1">
+    <dgm:fillClrLst>
+      <a:schemeClr val="accent3"/>
+      <a:schemeClr val="accent4"/>
+    </dgm:fillClrLst>
+    <dgm:linClrLst meth="repeat">
+      <a:schemeClr val="lt1"/>
+    </dgm:linClrLst>
+    <dgm:effectClrLst/>
+    <dgm:txLinClrLst/>
+    <dgm:txFillClrLst meth="repeat">
+      <a:schemeClr val="lt1"/>
+    </dgm:txFillClrLst>
+    <dgm:txEffectClrLst/>
+  </dgm:styleLbl>
+  <dgm:styleLbl name="sibTrans1D1">
+    <dgm:fillClrLst/>
+    <dgm:linClrLst>
+      <a:schemeClr val="accent3"/>
+      <a:schemeClr val="accent4"/>
+    </dgm:linClrLst>
+    <dgm:effectClrLst/>
+    <dgm:txLinClrLst/>
+    <dgm:txFillClrLst meth="repeat">
+      <a:schemeClr val="tx1"/>
+    </dgm:txFillClrLst>
+    <dgm:txEffectClrLst/>
+  </dgm:styleLbl>
+  <dgm:styleLbl name="callout">
+    <dgm:fillClrLst meth="repeat">
+      <a:schemeClr val="accent3"/>
+    </dgm:fillClrLst>
+    <dgm:linClrLst meth="repeat">
+      <a:schemeClr val="accent3">
+        <a:tint val="50000"/>
+      </a:schemeClr>
+    </dgm:linClrLst>
+    <dgm:effectClrLst/>
+    <dgm:txLinClrLst/>
+    <dgm:txFillClrLst meth="repeat">
+      <a:schemeClr val="tx1"/>
+    </dgm:txFillClrLst>
+    <dgm:txEffectClrLst/>
+  </dgm:styleLbl>
+  <dgm:styleLbl name="asst0">
+    <dgm:fillClrLst meth="repeat">
+      <a:schemeClr val="accent3"/>
+    </dgm:fillClrLst>
+    <dgm:linClrLst meth="repeat">
+      <a:schemeClr val="lt1">
+        <a:shade val="80000"/>
+      </a:schemeClr>
+    </dgm:linClrLst>
+    <dgm:effectClrLst/>
+    <dgm:txLinClrLst/>
+    <dgm:txFillClrLst/>
+    <dgm:txEffectClrLst/>
+  </dgm:styleLbl>
+  <dgm:styleLbl name="asst1">
+    <dgm:fillClrLst meth="repeat">
+      <a:schemeClr val="accent4"/>
+    </dgm:fillClrLst>
+    <dgm:linClrLst meth="repeat">
+      <a:schemeClr val="lt1">
+        <a:shade val="80000"/>
+      </a:schemeClr>
+    </dgm:linClrLst>
+    <dgm:effectClrLst/>
+    <dgm:txLinClrLst/>
+    <dgm:txFillClrLst/>
+    <dgm:txEffectClrLst/>
+  </dgm:styleLbl>
+  <dgm:styleLbl name="asst2">
+    <dgm:fillClrLst>
+      <a:schemeClr val="accent5"/>
+    </dgm:fillClrLst>
+    <dgm:linClrLst meth="repeat">
+      <a:schemeClr val="lt1"/>
+    </dgm:linClrLst>
+    <dgm:effectClrLst/>
+    <dgm:txLinClrLst/>
+    <dgm:txFillClrLst/>
+    <dgm:txEffectClrLst/>
+  </dgm:styleLbl>
+  <dgm:styleLbl name="asst3">
+    <dgm:fillClrLst>
+      <a:schemeClr val="accent6"/>
+    </dgm:fillClrLst>
+    <dgm:linClrLst meth="repeat">
+      <a:schemeClr val="lt1"/>
+    </dgm:linClrLst>
+    <dgm:effectClrLst/>
+    <dgm:txLinClrLst/>
+    <dgm:txFillClrLst/>
+    <dgm:txEffectClrLst/>
+  </dgm:styleLbl>
+  <dgm:styleLbl name="asst4">
+    <dgm:fillClrLst>
+      <a:schemeClr val="accent1"/>
+    </dgm:fillClrLst>
+    <dgm:linClrLst meth="repeat">
+      <a:schemeClr val="lt1"/>
+    </dgm:linClrLst>
+    <dgm:effectClrLst/>
+    <dgm:txLinClrLst/>
+    <dgm:txFillClrLst/>
+    <dgm:txEffectClrLst/>
+  </dgm:styleLbl>
+  <dgm:styleLbl name="parChTrans2D1">
+    <dgm:fillClrLst meth="repeat">
+      <a:schemeClr val="accent2"/>
+    </dgm:fillClrLst>
+    <dgm:linClrLst meth="repeat">
+      <a:schemeClr val="lt1"/>
+    </dgm:linClrLst>
+    <dgm:effectClrLst/>
+    <dgm:txLinClrLst/>
+    <dgm:txFillClrLst meth="repeat">
+      <a:schemeClr val="lt1"/>
+    </dgm:txFillClrLst>
+    <dgm:txEffectClrLst/>
+  </dgm:styleLbl>
+  <dgm:styleLbl name="parChTrans2D2">
+    <dgm:fillClrLst meth="repeat">
+      <a:schemeClr val="accent3"/>
+    </dgm:fillClrLst>
+    <dgm:linClrLst meth="repeat">
+      <a:schemeClr val="lt1"/>
+    </dgm:linClrLst>
+    <dgm:effectClrLst/>
+    <dgm:txLinClrLst/>
+    <dgm:txFillClrLst/>
+    <dgm:txEffectClrLst/>
+  </dgm:styleLbl>
+  <dgm:styleLbl name="parChTrans2D3">
+    <dgm:fillClrLst meth="repeat">
+      <a:schemeClr val="accent4"/>
+    </dgm:fillClrLst>
+    <dgm:linClrLst meth="repeat">
+      <a:schemeClr val="lt1"/>
+    </dgm:linClrLst>
+    <dgm:effectClrLst/>
+    <dgm:txLinClrLst/>
+    <dgm:txFillClrLst/>
+    <dgm:txEffectClrLst/>
+  </dgm:styleLbl>
+  <dgm:styleLbl name="parChTrans2D4">
+    <dgm:fillClrLst meth="repeat">
+      <a:schemeClr val="accent5"/>
+    </dgm:fillClrLst>
+    <dgm:linClrLst meth="repeat">
+      <a:schemeClr val="lt1"/>
+    </dgm:linClrLst>
+    <dgm:effectClrLst/>
+    <dgm:txLinClrLst/>
+    <dgm:txFillClrLst meth="repeat">
+      <a:schemeClr val="lt1"/>
+    </dgm:txFillClrLst>
+    <dgm:txEffectClrLst/>
+  </dgm:styleLbl>
+  <dgm:styleLbl name="parChTrans1D1">
+    <dgm:fillClrLst meth="repeat">
+      <a:schemeClr val="accent3"/>
+    </dgm:fillClrLst>
+    <dgm:linClrLst meth="repeat">
+      <a:schemeClr val="accent3"/>
+    </dgm:linClrLst>
+    <dgm:effectClrLst/>
+    <dgm:txLinClrLst/>
+    <dgm:txFillClrLst meth="repeat">
+      <a:schemeClr val="tx1"/>
+    </dgm:txFillClrLst>
+    <dgm:txEffectClrLst/>
+  </dgm:styleLbl>
+  <dgm:styleLbl name="parChTrans1D2">
+    <dgm:fillClrLst meth="repeat">
+      <a:schemeClr val="accent2">
+        <a:tint val="90000"/>
+      </a:schemeClr>
+    </dgm:fillClrLst>
+    <dgm:linClrLst meth="repeat">
+      <a:schemeClr val="accent4"/>
+    </dgm:linClrLst>
+    <dgm:effectClrLst/>
+    <dgm:txLinClrLst/>
+    <dgm:txFillClrLst meth="repeat">
+      <a:schemeClr val="tx1"/>
+    </dgm:txFillClrLst>
+    <dgm:txEffectClrLst/>
+  </dgm:styleLbl>
+  <dgm:styleLbl name="parChTrans1D3">
+    <dgm:fillClrLst meth="repeat">
+      <a:schemeClr val="accent2">
+        <a:tint val="70000"/>
+      </a:schemeClr>
+    </dgm:fillClrLst>
+    <dgm:linClrLst meth="repeat">
+      <a:schemeClr val="accent5"/>
+    </dgm:linClrLst>
+    <dgm:effectClrLst/>
+    <dgm:txLinClrLst/>
+    <dgm:txFillClrLst meth="repeat">
+      <a:schemeClr val="tx1"/>
+    </dgm:txFillClrLst>
+    <dgm:txEffectClrLst/>
+  </dgm:styleLbl>
+  <dgm:styleLbl name="parChTrans1D4">
+    <dgm:fillClrLst meth="repeat">
+      <a:schemeClr val="accent6">
+        <a:tint val="50000"/>
+      </a:schemeClr>
+    </dgm:fillClrLst>
+    <dgm:linClrLst meth="repeat">
+      <a:schemeClr val="accent6"/>
+    </dgm:linClrLst>
+    <dgm:effectClrLst/>
+    <dgm:txLinClrLst/>
+    <dgm:txFillClrLst meth="repeat">
+      <a:schemeClr val="tx1"/>
+    </dgm:txFillClrLst>
+    <dgm:txEffectClrLst/>
+  </dgm:styleLbl>
+  <dgm:styleLbl name="fgAcc1">
+    <dgm:fillClrLst meth="repeat">
+      <a:schemeClr val="lt1">
+        <a:alpha val="90000"/>
+      </a:schemeClr>
+    </dgm:fillClrLst>
+    <dgm:linClrLst>
+      <a:schemeClr val="accent3"/>
+      <a:schemeClr val="accent4"/>
+    </dgm:linClrLst>
+    <dgm:effectClrLst/>
+    <dgm:txLinClrLst/>
+    <dgm:txFillClrLst meth="repeat">
+      <a:schemeClr val="dk1"/>
+    </dgm:txFillClrLst>
+    <dgm:txEffectClrLst/>
+  </dgm:styleLbl>
+  <dgm:styleLbl name="conFgAcc1">
+    <dgm:fillClrLst meth="repeat">
+      <a:schemeClr val="lt1">
+        <a:alpha val="90000"/>
+      </a:schemeClr>
+    </dgm:fillClrLst>
+    <dgm:linClrLst>
+      <a:schemeClr val="accent3"/>
+      <a:schemeClr val="accent4"/>
+    </dgm:linClrLst>
+    <dgm:effectClrLst/>
+    <dgm:txLinClrLst/>
+    <dgm:txFillClrLst meth="repeat">
+      <a:schemeClr val="dk1"/>
+    </dgm:txFillClrLst>
+    <dgm:txEffectClrLst/>
+  </dgm:styleLbl>
+  <dgm:styleLbl name="alignAcc1">
+    <dgm:fillClrLst meth="repeat">
+      <a:schemeClr val="lt1">
+        <a:alpha val="90000"/>
+      </a:schemeClr>
+    </dgm:fillClrLst>
+    <dgm:linClrLst>
+      <a:schemeClr val="accent3"/>
+      <a:schemeClr val="accent4"/>
+    </dgm:linClrLst>
+    <dgm:effectClrLst/>
+    <dgm:txLinClrLst/>
+    <dgm:txFillClrLst meth="repeat">
+      <a:schemeClr val="dk1"/>
+    </dgm:txFillClrLst>
+    <dgm:txEffectClrLst/>
+  </dgm:styleLbl>
+  <dgm:styleLbl name="trAlignAcc1">
+    <dgm:fillClrLst meth="repeat">
+      <a:schemeClr val="lt1">
+        <a:alpha val="40000"/>
+      </a:schemeClr>
+    </dgm:fillClrLst>
+    <dgm:linClrLst meth="repeat">
+      <a:schemeClr val="accent2"/>
+    </dgm:linClrLst>
+    <dgm:effectClrLst/>
+    <dgm:txLinClrLst/>
+    <dgm:txFillClrLst meth="repeat">
+      <a:schemeClr val="dk1"/>
+    </dgm:txFillClrLst>
+    <dgm:txEffectClrLst/>
+  </dgm:styleLbl>
+  <dgm:styleLbl name="bgAcc1">
+    <dgm:fillClrLst meth="repeat">
+      <a:schemeClr val="lt1">
+        <a:alpha val="90000"/>
+      </a:schemeClr>
+    </dgm:fillClrLst>
+    <dgm:linClrLst>
+      <a:schemeClr val="accent3"/>
+      <a:schemeClr val="accent4"/>
+    </dgm:linClrLst>
+    <dgm:effectClrLst/>
+    <dgm:txLinClrLst/>
+    <dgm:txFillClrLst meth="repeat">
+      <a:schemeClr val="dk1"/>
+    </dgm:txFillClrLst>
+    <dgm:txEffectClrLst/>
+  </dgm:styleLbl>
+  <dgm:styleLbl name="solidFgAcc1">
+    <dgm:fillClrLst meth="repeat">
+      <a:schemeClr val="lt1"/>
+    </dgm:fillClrLst>
+    <dgm:linClrLst>
+      <a:schemeClr val="accent3"/>
+      <a:schemeClr val="accent4"/>
+    </dgm:linClrLst>
+    <dgm:effectClrLst/>
+    <dgm:txLinClrLst/>
+    <dgm:txFillClrLst meth="repeat">
+      <a:schemeClr val="dk1"/>
+    </dgm:txFillClrLst>
+    <dgm:txEffectClrLst/>
+  </dgm:styleLbl>
+  <dgm:styleLbl name="solidAlignAcc1">
+    <dgm:fillClrLst meth="repeat">
+      <a:schemeClr val="lt1"/>
+    </dgm:fillClrLst>
+    <dgm:linClrLst>
+      <a:schemeClr val="accent3"/>
+      <a:schemeClr val="accent4"/>
+    </dgm:linClrLst>
+    <dgm:effectClrLst/>
+    <dgm:txLinClrLst/>
+    <dgm:txFillClrLst meth="repeat">
+      <a:schemeClr val="dk1"/>
+    </dgm:txFillClrLst>
+    <dgm:txEffectClrLst/>
+  </dgm:styleLbl>
+  <dgm:styleLbl name="solidBgAcc1">
+    <dgm:fillClrLst meth="repeat">
+      <a:schemeClr val="lt1"/>
+    </dgm:fillClrLst>
+    <dgm:linClrLst>
+      <a:schemeClr val="accent3"/>
+      <a:schemeClr val="accent4"/>
+    </dgm:linClrLst>
+    <dgm:effectClrLst/>
+    <dgm:txLinClrLst/>
+    <dgm:txFillClrLst meth="repeat">
+      <a:schemeClr val="dk1"/>
+    </dgm:txFillClrLst>
+    <dgm:txEffectClrLst/>
+  </dgm:styleLbl>
+  <dgm:styleLbl name="fgAccFollowNode1">
+    <dgm:fillClrLst>
+      <a:schemeClr val="accent3">
+        <a:tint val="40000"/>
+        <a:alpha val="90000"/>
+      </a:schemeClr>
+      <a:schemeClr val="accent4">
+        <a:tint val="40000"/>
+        <a:alpha val="90000"/>
+      </a:schemeClr>
+    </dgm:fillClrLst>
+    <dgm:linClrLst>
+      <a:schemeClr val="accent3">
+        <a:tint val="40000"/>
+        <a:alpha val="90000"/>
+      </a:schemeClr>
+      <a:schemeClr val="accent4">
+        <a:tint val="40000"/>
+        <a:alpha val="90000"/>
+      </a:schemeClr>
+    </dgm:linClrLst>
+    <dgm:effectClrLst/>
+    <dgm:txLinClrLst/>
+    <dgm:txFillClrLst meth="repeat">
+      <a:schemeClr val="dk1"/>
+    </dgm:txFillClrLst>
+    <dgm:txEffectClrLst/>
+  </dgm:styleLbl>
+  <dgm:styleLbl name="alignAccFollowNode1">
+    <dgm:fillClrLst>
+      <a:schemeClr val="accent3">
+        <a:tint val="40000"/>
+        <a:alpha val="90000"/>
+      </a:schemeClr>
+      <a:schemeClr val="accent4">
+        <a:tint val="40000"/>
+        <a:alpha val="90000"/>
+      </a:schemeClr>
+    </dgm:fillClrLst>
+    <dgm:linClrLst>
+      <a:schemeClr val="accent3">
+        <a:tint val="40000"/>
+        <a:alpha val="90000"/>
+      </a:schemeClr>
+      <a:schemeClr val="accent4">
+        <a:tint val="40000"/>
+        <a:alpha val="90000"/>
+      </a:schemeClr>
+    </dgm:linClrLst>
+    <dgm:effectClrLst/>
+    <dgm:txLinClrLst/>
+    <dgm:txFillClrLst meth="repeat">
+      <a:schemeClr val="dk1"/>
+    </dgm:txFillClrLst>
+    <dgm:txEffectClrLst/>
+  </dgm:styleLbl>
+  <dgm:styleLbl name="bgAccFollowNode1">
+    <dgm:fillClrLst>
+      <a:schemeClr val="accent3">
+        <a:tint val="40000"/>
+        <a:alpha val="90000"/>
+      </a:schemeClr>
+      <a:schemeClr val="accent4">
+        <a:tint val="40000"/>
+        <a:alpha val="90000"/>
+      </a:schemeClr>
+    </dgm:fillClrLst>
+    <dgm:linClrLst>
+      <a:schemeClr val="accent3">
+        <a:tint val="40000"/>
+        <a:alpha val="90000"/>
+      </a:schemeClr>
+      <a:schemeClr val="accent4">
+        <a:tint val="40000"/>
+        <a:alpha val="90000"/>
+      </a:schemeClr>
+    </dgm:linClrLst>
+    <dgm:effectClrLst/>
+    <dgm:txLinClrLst/>
+    <dgm:txFillClrLst meth="repeat">
+      <a:schemeClr val="dk1"/>
+    </dgm:txFillClrLst>
+    <dgm:txEffectClrLst/>
+  </dgm:styleLbl>
+  <dgm:styleLbl name="fgAcc0">
+    <dgm:fillClrLst meth="repeat">
+      <a:schemeClr val="lt1">
+        <a:alpha val="90000"/>
+      </a:schemeClr>
+    </dgm:fillClrLst>
+    <dgm:linClrLst>
+      <a:schemeClr val="accent2"/>
+    </dgm:linClrLst>
+    <dgm:effectClrLst/>
+    <dgm:txLinClrLst/>
+    <dgm:txFillClrLst meth="repeat">
+      <a:schemeClr val="dk1"/>
+    </dgm:txFillClrLst>
+    <dgm:txEffectClrLst/>
+  </dgm:styleLbl>
+  <dgm:styleLbl name="fgAcc2">
+    <dgm:fillClrLst meth="repeat">
+      <a:schemeClr val="lt1">
+        <a:alpha val="90000"/>
+      </a:schemeClr>
+    </dgm:fillClrLst>
+    <dgm:linClrLst>
+      <a:schemeClr val="accent4"/>
+    </dgm:linClrLst>
+    <dgm:effectClrLst/>
+    <dgm:txLinClrLst/>
+    <dgm:txFillClrLst meth="repeat">
+      <a:schemeClr val="dk1"/>
+    </dgm:txFillClrLst>
+    <dgm:txEffectClrLst/>
+  </dgm:styleLbl>
+  <dgm:styleLbl name="fgAcc3">
+    <dgm:fillClrLst meth="repeat">
+      <a:schemeClr val="lt1">
+        <a:alpha val="90000"/>
+      </a:schemeClr>
+    </dgm:fillClrLst>
+    <dgm:linClrLst>
+      <a:schemeClr val="accent5"/>
+    </dgm:linClrLst>
+    <dgm:effectClrLst/>
+    <dgm:txLinClrLst/>
+    <dgm:txFillClrLst meth="repeat">
+      <a:schemeClr val="dk1"/>
+    </dgm:txFillClrLst>
+    <dgm:txEffectClrLst/>
+  </dgm:styleLbl>
+  <dgm:styleLbl name="fgAcc4">
+    <dgm:fillClrLst meth="repeat">
+      <a:schemeClr val="lt1">
+        <a:alpha val="90000"/>
+      </a:schemeClr>
+    </dgm:fillClrLst>
+    <dgm:linClrLst>
+      <a:schemeClr val="accent6"/>
+    </dgm:linClrLst>
+    <dgm:effectClrLst/>
+    <dgm:txLinClrLst/>
+    <dgm:txFillClrLst meth="repeat">
+      <a:schemeClr val="dk1"/>
+    </dgm:txFillClrLst>
+    <dgm:txEffectClrLst/>
+  </dgm:styleLbl>
+  <dgm:styleLbl name="bgShp">
+    <dgm:fillClrLst meth="repeat">
+      <a:schemeClr val="accent3">
+        <a:tint val="40000"/>
+      </a:schemeClr>
+    </dgm:fillClrLst>
+    <dgm:linClrLst meth="repeat">
+      <a:schemeClr val="dk1"/>
+    </dgm:linClrLst>
+    <dgm:effectClrLst/>
+    <dgm:txLinClrLst/>
+    <dgm:txFillClrLst meth="repeat">
+      <a:schemeClr val="dk1"/>
+    </dgm:txFillClrLst>
+    <dgm:txEffectClrLst/>
+  </dgm:styleLbl>
+  <dgm:styleLbl name="dkBgShp">
+    <dgm:fillClrLst meth="repeat">
+      <a:schemeClr val="accent3">
+        <a:shade val="90000"/>
+      </a:schemeClr>
+    </dgm:fillClrLst>
+    <dgm:linClrLst meth="repeat">
+      <a:schemeClr val="dk1"/>
+    </dgm:linClrLst>
+    <dgm:effectClrLst/>
+    <dgm:txLinClrLst/>
+    <dgm:txFillClrLst meth="repeat">
+      <a:schemeClr val="lt1"/>
+    </dgm:txFillClrLst>
+    <dgm:txEffectClrLst/>
+  </dgm:styleLbl>
+  <dgm:styleLbl name="trBgShp">
+    <dgm:fillClrLst meth="repeat">
+      <a:schemeClr val="accent2">
+        <a:tint val="50000"/>
+        <a:alpha val="40000"/>
+      </a:schemeClr>
+    </dgm:fillClrLst>
+    <dgm:linClrLst meth="repeat">
+      <a:schemeClr val="accent3"/>
+    </dgm:linClrLst>
+    <dgm:effectClrLst/>
+    <dgm:txLinClrLst/>
+    <dgm:txFillClrLst meth="repeat">
+      <a:schemeClr val="lt1"/>
+    </dgm:txFillClrLst>
+    <dgm:txEffectClrLst/>
+  </dgm:styleLbl>
+  <dgm:styleLbl name="fgShp">
+    <dgm:fillClrLst meth="repeat">
+      <a:schemeClr val="accent3">
+        <a:tint val="40000"/>
+      </a:schemeClr>
+    </dgm:fillClrLst>
+    <dgm:linClrLst meth="repeat">
+      <a:schemeClr val="lt1"/>
+    </dgm:linClrLst>
+    <dgm:effectClrLst/>
+    <dgm:txLinClrLst/>
+    <dgm:txFillClrLst meth="repeat">
+      <a:schemeClr val="dk1"/>
+    </dgm:txFillClrLst>
+    <dgm:txEffectClrLst/>
+  </dgm:styleLbl>
+  <dgm:styleLbl name="revTx">
+    <dgm:fillClrLst meth="repeat">
+      <a:schemeClr val="lt1">
+        <a:alpha val="0"/>
+      </a:schemeClr>
+    </dgm:fillClrLst>
+    <dgm:linClrLst meth="repeat">
+      <a:schemeClr val="dk1">
+        <a:alpha val="0"/>
+      </a:schemeClr>
+    </dgm:linClrLst>
+    <dgm:effectClrLst/>
+    <dgm:txLinClrLst/>
+    <dgm:txFillClrLst meth="repeat">
+      <a:schemeClr val="tx1"/>
+    </dgm:txFillClrLst>
+    <dgm:txEffectClrLst/>
+  </dgm:styleLbl>
+</dgm:colorsDef>
+</file>
+
+<file path=ppt/diagrams/data1.xml><?xml version="1.0" encoding="utf-8"?>
+<dgm:dataModel xmlns:dgm="http://schemas.openxmlformats.org/drawingml/2006/diagram" xmlns:a="http://schemas.openxmlformats.org/drawingml/2006/main">
+  <dgm:ptLst>
+    <dgm:pt modelId="{6CA153E9-AE1F-449A-B49E-E3B69ADF41B8}" type="doc">
+      <dgm:prSet loTypeId="urn:microsoft.com/office/officeart/2005/8/layout/hChevron3" loCatId="process" qsTypeId="urn:microsoft.com/office/officeart/2005/8/quickstyle/simple2" qsCatId="simple" csTypeId="urn:microsoft.com/office/officeart/2005/8/colors/colorful3" csCatId="colorful" phldr="1"/>
+      <dgm:spPr/>
+    </dgm:pt>
+    <dgm:pt modelId="{A522141F-6D6E-4E8F-9E31-2C3C6364F319}" type="pres">
+      <dgm:prSet presAssocID="{6CA153E9-AE1F-449A-B49E-E3B69ADF41B8}" presName="Name0" presStyleCnt="0">
+        <dgm:presLayoutVars>
+          <dgm:dir/>
+          <dgm:resizeHandles val="exact"/>
+        </dgm:presLayoutVars>
+      </dgm:prSet>
+      <dgm:spPr/>
+    </dgm:pt>
+  </dgm:ptLst>
+  <dgm:cxnLst>
+    <dgm:cxn modelId="{D4A9A7C4-E69B-46CB-B625-0F82D8B298AD}" type="presOf" srcId="{6CA153E9-AE1F-449A-B49E-E3B69ADF41B8}" destId="{A522141F-6D6E-4E8F-9E31-2C3C6364F319}" srcOrd="0" destOrd="0" presId="urn:microsoft.com/office/officeart/2005/8/layout/hChevron3"/>
+  </dgm:cxnLst>
+  <dgm:bg>
+    <a:noFill/>
+  </dgm:bg>
+  <dgm:whole/>
+  <dgm:extLst>
+    <a:ext uri="http://schemas.microsoft.com/office/drawing/2008/diagram">
+      <dsp:dataModelExt xmlns:dsp="http://schemas.microsoft.com/office/drawing/2008/diagram" relId="rId7" minVer="http://schemas.openxmlformats.org/drawingml/2006/diagram"/>
+    </a:ext>
+  </dgm:extLst>
+</dgm:dataModel>
+</file>
+
+<file path=ppt/diagrams/drawing1.xml><?xml version="1.0" encoding="utf-8"?>
+<dsp:drawing xmlns:dgm="http://schemas.openxmlformats.org/drawingml/2006/diagram" xmlns:dsp="http://schemas.microsoft.com/office/drawing/2008/diagram" xmlns:a="http://schemas.openxmlformats.org/drawingml/2006/main">
+  <dsp:spTree>
+    <dsp:nvGrpSpPr>
+      <dsp:cNvPr id="0" name=""/>
+      <dsp:cNvGrpSpPr/>
+    </dsp:nvGrpSpPr>
+    <dsp:grpSpPr/>
+  </dsp:spTree>
+</dsp:drawing>
+</file>
+
+<file path=ppt/diagrams/layout1.xml><?xml version="1.0" encoding="utf-8"?>
+<dgm:layoutDef xmlns:dgm="http://schemas.openxmlformats.org/drawingml/2006/diagram" xmlns:a="http://schemas.openxmlformats.org/drawingml/2006/main" uniqueId="urn:microsoft.com/office/officeart/2005/8/layout/hChevron3">
+  <dgm:title val=""/>
+  <dgm:desc val=""/>
+  <dgm:catLst>
+    <dgm:cat type="process" pri="10000"/>
+  </dgm:catLst>
+  <dgm:sampData useDef="1">
+    <dgm:dataModel>
+      <dgm:ptLst/>
+      <dgm:bg/>
+      <dgm:whole/>
+    </dgm:dataModel>
+  </dgm:sampData>
+  <dgm:styleData>
+    <dgm:dataModel>
+      <dgm:ptLst>
+        <dgm:pt modelId="0" type="doc"/>
+        <dgm:pt modelId="1"/>
+        <dgm:pt modelId="2"/>
+      </dgm:ptLst>
+      <dgm:cxnLst>
+        <dgm:cxn modelId="3" srcId="0" destId="1" srcOrd="0" destOrd="0"/>
+        <dgm:cxn modelId="4" srcId="0" destId="2" srcOrd="1" destOrd="0"/>
+      </dgm:cxnLst>
+      <dgm:bg/>
+      <dgm:whole/>
+    </dgm:dataModel>
+  </dgm:styleData>
+  <dgm:clrData>
+    <dgm:dataModel>
+      <dgm:ptLst>
+        <dgm:pt modelId="0" type="doc"/>
+        <dgm:pt modelId="1"/>
+        <dgm:pt modelId="2"/>
+        <dgm:pt modelId="3"/>
+        <dgm:pt modelId="4"/>
+      </dgm:ptLst>
+      <dgm:cxnLst>
+        <dgm:cxn modelId="5" srcId="0" destId="1" srcOrd="0" destOrd="0"/>
+        <dgm:cxn modelId="6" srcId="0" destId="2" srcOrd="1" destOrd="0"/>
+        <dgm:cxn modelId="7" srcId="0" destId="3" srcOrd="2" destOrd="0"/>
+        <dgm:cxn modelId="8" srcId="0" destId="4" srcOrd="3" destOrd="0"/>
+      </dgm:cxnLst>
+      <dgm:bg/>
+      <dgm:whole/>
+    </dgm:dataModel>
+  </dgm:clrData>
+  <dgm:layoutNode name="Name0">
+    <dgm:varLst>
+      <dgm:dir/>
+      <dgm:resizeHandles val="exact"/>
+    </dgm:varLst>
+    <dgm:choose name="Name1">
+      <dgm:if name="Name2" func="var" arg="dir" op="equ" val="norm">
+        <dgm:alg type="lin"/>
+      </dgm:if>
+      <dgm:else name="Name3">
+        <dgm:alg type="lin">
+          <dgm:param type="linDir" val="fromR"/>
+        </dgm:alg>
+      </dgm:else>
+    </dgm:choose>
+    <dgm:shape xmlns:r="http://schemas.openxmlformats.org/officeDocument/2006/relationships" r:blip="">
+      <dgm:adjLst/>
+    </dgm:shape>
+    <dgm:presOf/>
+    <dgm:choose name="Name4">
+      <dgm:if name="Name5" axis="root des" func="maxDepth" op="gte" val="2">
+        <dgm:constrLst>
+          <dgm:constr type="w" for="ch" forName="parAndChTx" refType="w"/>
+          <dgm:constr type="primFontSz" for="ch" ptType="node" op="equ"/>
+          <dgm:constr type="w" for="ch" forName="parAndChSpace" refType="w" refFor="ch" refForName="parAndChTx" fact="-0.2"/>
+          <dgm:constr type="w" for="ch" ptType="sibTrans" op="equ"/>
+        </dgm:constrLst>
+        <dgm:ruleLst/>
+        <dgm:forEach name="Name6" axis="ch" ptType="node">
+          <dgm:layoutNode name="parAndChTx">
+            <dgm:varLst>
+              <dgm:bulletEnabled val="1"/>
+            </dgm:varLst>
+            <dgm:alg type="tx"/>
+            <dgm:choose name="Name7">
+              <dgm:if name="Name8" func="var" arg="dir" op="equ" val="norm">
+                <dgm:choose name="Name9">
+                  <dgm:if name="Name10" axis="self" ptType="node" func="pos" op="equ" val="1">
+                    <dgm:shape xmlns:r="http://schemas.openxmlformats.org/officeDocument/2006/relationships" type="homePlate" r:blip="">
+                      <dgm:adjLst>
+                        <dgm:adj idx="1" val="0.25"/>
+                      </dgm:adjLst>
+                    </dgm:shape>
+                    <dgm:presOf axis="desOrSelf" ptType="node"/>
+                    <dgm:constrLst>
+                      <dgm:constr type="h" refType="w" op="equ" fact="0.8"/>
+                      <dgm:constr type="primFontSz" val="65"/>
+                      <dgm:constr type="tMarg" refType="primFontSz" fact="0.2"/>
+                      <dgm:constr type="bMarg" refType="primFontSz" fact="0.2"/>
+                      <dgm:constr type="lMarg" refType="w" fact="0.1"/>
+                      <dgm:constr type="rMarg" refType="w" fact="0.4"/>
+                    </dgm:constrLst>
+                  </dgm:if>
+                  <dgm:else name="Name11">
+                    <dgm:shape xmlns:r="http://schemas.openxmlformats.org/officeDocument/2006/relationships" type="chevron" r:blip="">
+                      <dgm:adjLst>
+                        <dgm:adj idx="1" val="0.25"/>
+                      </dgm:adjLst>
+                    </dgm:shape>
+                    <dgm:presOf axis="desOrSelf" ptType="node"/>
+                    <dgm:constrLst>
+                      <dgm:constr type="h" refType="w" op="equ" fact="0.8"/>
+                      <dgm:constr type="primFontSz" val="65"/>
+                      <dgm:constr type="tMarg" refType="primFontSz" fact="0.2"/>
+                      <dgm:constr type="bMarg" refType="primFontSz" fact="0.2"/>
+                      <dgm:constr type="lMarg" refType="w" fact="0.1"/>
+                      <dgm:constr type="rMarg" refType="w" fact="0.1"/>
+                    </dgm:constrLst>
+                  </dgm:else>
+                </dgm:choose>
+              </dgm:if>
+              <dgm:else name="Name12">
+                <dgm:choose name="Name13">
+                  <dgm:if name="Name14" axis="self" ptType="node" func="pos" op="equ" val="1">
+                    <dgm:shape xmlns:r="http://schemas.openxmlformats.org/officeDocument/2006/relationships" rot="180" type="homePlate" r:blip="">
+                      <dgm:adjLst>
+                        <dgm:adj idx="1" val="0.25"/>
+                      </dgm:adjLst>
+                    </dgm:shape>
+                    <dgm:presOf axis="desOrSelf" ptType="node"/>
+                    <dgm:constrLst>
+                      <dgm:constr type="h" refType="w" op="equ" fact="0.8"/>
+                      <dgm:constr type="primFontSz" val="65"/>
+                      <dgm:constr type="tMarg" refType="primFontSz" fact="0.2"/>
+                      <dgm:constr type="bMarg" refType="primFontSz" fact="0.2"/>
+                      <dgm:constr type="lMarg" refType="w" fact="0.4"/>
+                      <dgm:constr type="rMarg" refType="w" fact="0.1"/>
+                    </dgm:constrLst>
+                  </dgm:if>
+                  <dgm:else name="Name15">
+                    <dgm:shape xmlns:r="http://schemas.openxmlformats.org/officeDocument/2006/relationships" rot="180" type="chevron" r:blip="">
+                      <dgm:adjLst>
+                        <dgm:adj idx="1" val="0.25"/>
+                      </dgm:adjLst>
+                    </dgm:shape>
+                    <dgm:presOf axis="desOrSelf" ptType="node"/>
+                    <dgm:constrLst>
+                      <dgm:constr type="h" refType="w" op="equ" fact="0.8"/>
+                      <dgm:constr type="primFontSz" val="65"/>
+                      <dgm:constr type="tMarg" refType="primFontSz" fact="0.2"/>
+                      <dgm:constr type="bMarg" refType="primFontSz" fact="0.2"/>
+                      <dgm:constr type="lMarg" refType="w" fact="0.1"/>
+                      <dgm:constr type="rMarg" refType="w" fact="0.1"/>
+                    </dgm:constrLst>
+                  </dgm:else>
+                </dgm:choose>
+              </dgm:else>
+            </dgm:choose>
+            <dgm:ruleLst>
+              <dgm:rule type="primFontSz" val="5" fact="NaN" max="NaN"/>
+            </dgm:ruleLst>
+          </dgm:layoutNode>
+          <dgm:forEach name="Name16" axis="followSib" ptType="sibTrans" cnt="1">
+            <dgm:layoutNode name="parAndChSpace">
+              <dgm:alg type="sp"/>
+              <dgm:shape xmlns:r="http://schemas.openxmlformats.org/officeDocument/2006/relationships" r:blip="">
+                <dgm:adjLst/>
+              </dgm:shape>
+              <dgm:presOf/>
+              <dgm:constrLst/>
+              <dgm:ruleLst/>
+            </dgm:layoutNode>
+          </dgm:forEach>
+        </dgm:forEach>
+      </dgm:if>
+      <dgm:else name="Name17">
+        <dgm:constrLst>
+          <dgm:constr type="w" for="ch" forName="parTxOnly" refType="w"/>
+          <dgm:constr type="primFontSz" for="ch" ptType="node" op="equ"/>
+          <dgm:constr type="w" for="ch" forName="parSpace" refType="w" refFor="ch" refForName="parTxOnly" fact="-0.2"/>
+          <dgm:constr type="w" for="ch" ptType="sibTrans" op="equ"/>
+        </dgm:constrLst>
+        <dgm:ruleLst/>
+        <dgm:forEach name="Name18" axis="ch" ptType="node">
+          <dgm:layoutNode name="parTxOnly">
+            <dgm:varLst>
+              <dgm:bulletEnabled val="1"/>
+            </dgm:varLst>
+            <dgm:alg type="tx"/>
+            <dgm:presOf axis="desOrSelf" ptType="node"/>
+            <dgm:choose name="Name19">
+              <dgm:if name="Name20" func="var" arg="dir" op="equ" val="norm">
+                <dgm:choose name="Name21">
+                  <dgm:if name="Name22" axis="self" ptType="node" func="pos" op="equ" val="1">
+                    <dgm:shape xmlns:r="http://schemas.openxmlformats.org/officeDocument/2006/relationships" type="homePlate" r:blip="">
+                      <dgm:adjLst/>
+                    </dgm:shape>
+                    <dgm:constrLst>
+                      <dgm:constr type="h" refType="w" op="equ" fact="0.4"/>
+                      <dgm:constr type="primFontSz" val="65"/>
+                      <dgm:constr type="tMarg" refType="primFontSz" fact="0.21"/>
+                      <dgm:constr type="bMarg" refType="primFontSz" fact="0.21"/>
+                      <dgm:constr type="lMarg" refType="primFontSz" fact="0.42"/>
+                      <dgm:constr type="rMarg" refType="primFontSz" fact="0.105"/>
+                    </dgm:constrLst>
+                  </dgm:if>
+                  <dgm:else name="Name23">
+                    <dgm:shape xmlns:r="http://schemas.openxmlformats.org/officeDocument/2006/relationships" type="chevron" r:blip="">
+                      <dgm:adjLst/>
+                    </dgm:shape>
+                    <dgm:constrLst>
+                      <dgm:constr type="h" refType="w" op="equ" fact="0.4"/>
+                      <dgm:constr type="primFontSz" val="65"/>
+                      <dgm:constr type="tMarg" refType="primFontSz" fact="0.21"/>
+                      <dgm:constr type="bMarg" refType="primFontSz" fact="0.21"/>
+                      <dgm:constr type="lMarg" refType="primFontSz" fact="0.315"/>
+                      <dgm:constr type="rMarg" refType="primFontSz" fact="0.105"/>
+                    </dgm:constrLst>
+                  </dgm:else>
+                </dgm:choose>
+              </dgm:if>
+              <dgm:else name="Name24">
+                <dgm:choose name="Name25">
+                  <dgm:if name="Name26" axis="self" ptType="node" func="pos" op="equ" val="1">
+                    <dgm:shape xmlns:r="http://schemas.openxmlformats.org/officeDocument/2006/relationships" rot="180" type="homePlate" r:blip="">
+                      <dgm:adjLst/>
+                    </dgm:shape>
+                    <dgm:constrLst>
+                      <dgm:constr type="h" refType="w" op="equ" fact="0.4"/>
+                      <dgm:constr type="primFontSz" val="65"/>
+                      <dgm:constr type="tMarg" refType="primFontSz" fact="0.21"/>
+                      <dgm:constr type="bMarg" refType="primFontSz" fact="0.21"/>
+                      <dgm:constr type="lMarg" refType="primFontSz" fact="0.105"/>
+                      <dgm:constr type="rMarg" refType="primFontSz" fact="0.42"/>
+                    </dgm:constrLst>
+                  </dgm:if>
+                  <dgm:else name="Name27">
+                    <dgm:shape xmlns:r="http://schemas.openxmlformats.org/officeDocument/2006/relationships" rot="180" type="chevron" r:blip="">
+                      <dgm:adjLst/>
+                    </dgm:shape>
+                    <dgm:constrLst>
+                      <dgm:constr type="h" refType="w" op="equ" fact="0.4"/>
+                      <dgm:constr type="primFontSz" val="65"/>
+                      <dgm:constr type="tMarg" refType="primFontSz" fact="0.21"/>
+                      <dgm:constr type="bMarg" refType="primFontSz" fact="0.21"/>
+                      <dgm:constr type="lMarg" refType="primFontSz" fact="0.105"/>
+                      <dgm:constr type="rMarg" refType="primFontSz" fact="0.315"/>
+                    </dgm:constrLst>
+                  </dgm:else>
+                </dgm:choose>
+              </dgm:else>
+            </dgm:choose>
+            <dgm:ruleLst>
+              <dgm:rule type="primFontSz" val="5" fact="NaN" max="NaN"/>
+            </dgm:ruleLst>
+          </dgm:layoutNode>
+          <dgm:forEach name="Name28" axis="followSib" ptType="sibTrans" cnt="1">
+            <dgm:layoutNode name="parSpace">
+              <dgm:alg type="sp"/>
+              <dgm:shape xmlns:r="http://schemas.openxmlformats.org/officeDocument/2006/relationships" r:blip="">
+                <dgm:adjLst/>
+              </dgm:shape>
+              <dgm:presOf/>
+              <dgm:constrLst/>
+              <dgm:ruleLst/>
+            </dgm:layoutNode>
+          </dgm:forEach>
+        </dgm:forEach>
+      </dgm:else>
+    </dgm:choose>
+  </dgm:layoutNode>
+</dgm:layoutDef>
+</file>
+
+<file path=ppt/diagrams/quickStyle1.xml><?xml version="1.0" encoding="utf-8"?>
+<dgm:styleDef xmlns:dgm="http://schemas.openxmlformats.org/drawingml/2006/diagram" xmlns:a="http://schemas.openxmlformats.org/drawingml/2006/main" uniqueId="urn:microsoft.com/office/officeart/2005/8/quickstyle/simple2">
+  <dgm:title val=""/>
+  <dgm:desc val=""/>
+  <dgm:catLst>
+    <dgm:cat type="simple" pri="10200"/>
+  </dgm:catLst>
+  <dgm:scene3d>
+    <a:camera prst="orthographicFront"/>
+    <a:lightRig rig="threePt" dir="t"/>
+  </dgm:scene3d>
+  <dgm:styleLbl name="node0">
+    <dgm:scene3d>
+      <a:camera prst="orthographicFront"/>
+      <a:lightRig rig="threePt" dir="t"/>
+    </dgm:scene3d>
+    <dgm:sp3d/>
+    <dgm:txPr/>
+    <dgm:style>
+      <a:lnRef idx="3">
+        <a:scrgbClr r="0" g="0" b="0"/>
+      </a:lnRef>
+      <a:fillRef idx="1">
+        <a:scrgbClr r="0" g="0" b="0"/>
+      </a:fillRef>
+      <a:effectRef idx="1">
+        <a:scrgbClr r="0" g="0" b="0"/>
+      </a:effectRef>
+      <a:fontRef idx="minor">
+        <a:schemeClr val="lt1"/>
+      </a:fontRef>
+    </dgm:style>
+  </dgm:styleLbl>
+  <dgm:styleLbl name="lnNode1">
+    <dgm:scene3d>
+      <a:camera prst="orthographicFront"/>
+      <a:lightRig rig="threePt" dir="t"/>
+    </dgm:scene3d>
+    <dgm:sp3d/>
+    <dgm:txPr/>
+    <dgm:style>
+      <a:lnRef idx="3">
+        <a:scrgbClr r="0" g="0" b="0"/>
+      </a:lnRef>
+      <a:fillRef idx="1">
+        <a:scrgbClr r="0" g="0" b="0"/>
+      </a:fillRef>
+      <a:effectRef idx="1">
+        <a:scrgbClr r="0" g="0" b="0"/>
+      </a:effectRef>
+      <a:fontRef idx="minor">
+        <a:schemeClr val="lt1"/>
+      </a:fontRef>
+    </dgm:style>
+  </dgm:styleLbl>
+  <dgm:styleLbl name="vennNode1">
+    <dgm:scene3d>
+      <a:camera prst="orthographicFront"/>
+      <a:lightRig rig="threePt" dir="t"/>
+    </dgm:scene3d>
+    <dgm:sp3d/>
+    <dgm:txPr/>
+    <dgm:style>
+      <a:lnRef idx="3">
+        <a:scrgbClr r="0" g="0" b="0"/>
+      </a:lnRef>
+      <a:fillRef idx="1">
+        <a:scrgbClr r="0" g="0" b="0"/>
+      </a:fillRef>
+      <a:effectRef idx="0">
+        <a:scrgbClr r="0" g="0" b="0"/>
+      </a:effectRef>
+      <a:fontRef idx="minor">
+        <a:schemeClr val="tx1"/>
+      </a:fontRef>
+    </dgm:style>
+  </dgm:styleLbl>
+  <dgm:styleLbl name="alignNode1">
+    <dgm:scene3d>
+      <a:camera prst="orthographicFront"/>
+      <a:lightRig rig="threePt" dir="t"/>
+    </dgm:scene3d>
+    <dgm:sp3d/>
+    <dgm:txPr/>
+    <dgm:style>
+      <a:lnRef idx="2">
+        <a:scrgbClr r="0" g="0" b="0"/>
+      </a:lnRef>
+      <a:fillRef idx="1">
+        <a:scrgbClr r="0" g="0" b="0"/>
+      </a:fillRef>
+      <a:effectRef idx="1">
+        <a:scrgbClr r="0" g="0" b="0"/>
+      </a:effectRef>
+      <a:fontRef idx="minor">
+        <a:schemeClr val="lt1"/>
+      </a:fontRef>
+    </dgm:style>
+  </dgm:styleLbl>
+  <dgm:styleLbl name="node1">
+    <dgm:scene3d>
+      <a:camera prst="orthographicFront"/>
+      <a:lightRig rig="threePt" dir="t"/>
+    </dgm:scene3d>
+    <dgm:sp3d/>
+    <dgm:txPr/>
+    <dgm:style>
+      <a:lnRef idx="3">
+        <a:scrgbClr r="0" g="0" b="0"/>
+      </a:lnRef>
+      <a:fillRef idx="1">
+        <a:scrgbClr r="0" g="0" b="0"/>
+      </a:fillRef>
+      <a:effectRef idx="1">
+        <a:scrgbClr r="0" g="0" b="0"/>
+      </a:effectRef>
+      <a:fontRef idx="minor">
+        <a:schemeClr val="lt1"/>
+      </a:fontRef>
+    </dgm:style>
+  </dgm:styleLbl>
+  <dgm:styleLbl name="node2">
+    <dgm:scene3d>
+      <a:camera prst="orthographicFront"/>
+      <a:lightRig rig="threePt" dir="t"/>
+    </dgm:scene3d>
+    <dgm:sp3d/>
+    <dgm:txPr/>
+    <dgm:style>
+      <a:lnRef idx="3">
+        <a:scrgbClr r="0" g="0" b="0"/>
+      </a:lnRef>
+      <a:fillRef idx="1">
+        <a:scrgbClr r="0" g="0" b="0"/>
+      </a:fillRef>
+      <a:effectRef idx="1">
+        <a:scrgbClr r="0" g="0" b="0"/>
+      </a:effectRef>
+      <a:fontRef idx="minor">
+        <a:schemeClr val="lt1"/>
+      </a:fontRef>
+    </dgm:style>
+  </dgm:styleLbl>
+  <dgm:styleLbl name="node3">
+    <dgm:scene3d>
+      <a:camera prst="orthographicFront"/>
+      <a:lightRig rig="threePt" dir="t"/>
+    </dgm:scene3d>
+    <dgm:sp3d/>
+    <dgm:txPr/>
+    <dgm:style>
+      <a:lnRef idx="3">
+        <a:scrgbClr r="0" g="0" b="0"/>
+      </a:lnRef>
+      <a:fillRef idx="1">
+        <a:scrgbClr r="0" g="0" b="0"/>
+      </a:fillRef>
+      <a:effectRef idx="1">
+        <a:scrgbClr r="0" g="0" b="0"/>
+      </a:effectRef>
+      <a:fontRef idx="minor">
+        <a:schemeClr val="lt1"/>
+      </a:fontRef>
+    </dgm:style>
+  </dgm:styleLbl>
+  <dgm:styleLbl name="node4">
+    <dgm:scene3d>
+      <a:camera prst="orthographicFront"/>
+      <a:lightRig rig="threePt" dir="t"/>
+    </dgm:scene3d>
+    <dgm:sp3d/>
+    <dgm:txPr/>
+    <dgm:style>
+      <a:lnRef idx="3">
+        <a:scrgbClr r="0" g="0" b="0"/>
+      </a:lnRef>
+      <a:fillRef idx="1">
+        <a:scrgbClr r="0" g="0" b="0"/>
+      </a:fillRef>
+      <a:effectRef idx="1">
+        <a:scrgbClr r="0" g="0" b="0"/>
+      </a:effectRef>
+      <a:fontRef idx="minor">
+        <a:schemeClr val="lt1"/>
+      </a:fontRef>
+    </dgm:style>
+  </dgm:styleLbl>
+  <dgm:styleLbl name="fgImgPlace1">
+    <dgm:scene3d>
+      <a:camera prst="orthographicFront"/>
+      <a:lightRig rig="threePt" dir="t"/>
+    </dgm:scene3d>
+    <dgm:sp3d/>
+    <dgm:txPr/>
+    <dgm:style>
+      <a:lnRef idx="3">
+        <a:scrgbClr r="0" g="0" b="0"/>
+      </a:lnRef>
+      <a:fillRef idx="1">
+        <a:scrgbClr r="0" g="0" b="0"/>
+      </a:fillRef>
+      <a:effectRef idx="1">
+        <a:scrgbClr r="0" g="0" b="0"/>
+      </a:effectRef>
+      <a:fontRef idx="minor"/>
+    </dgm:style>
+  </dgm:styleLbl>
+  <dgm:styleLbl name="alignImgPlace1">
+    <dgm:scene3d>
+      <a:camera prst="orthographicFront"/>
+      <a:lightRig rig="threePt" dir="t"/>
+    </dgm:scene3d>
+    <dgm:sp3d/>
+    <dgm:txPr/>
+    <dgm:style>
+      <a:lnRef idx="3">
+        <a:scrgbClr r="0" g="0" b="0"/>
+      </a:lnRef>
+      <a:fillRef idx="1">
+        <a:scrgbClr r="0" g="0" b="0"/>
+      </a:fillRef>
+      <a:effectRef idx="1">
+        <a:scrgbClr r="0" g="0" b="0"/>
+      </a:effectRef>
+      <a:fontRef idx="minor"/>
+    </dgm:style>
+  </dgm:styleLbl>
+  <dgm:styleLbl name="bgImgPlace1">
+    <dgm:scene3d>
+      <a:camera prst="orthographicFront"/>
+      <a:lightRig rig="threePt" dir="t"/>
+    </dgm:scene3d>
+    <dgm:sp3d/>
+    <dgm:txPr/>
+    <dgm:style>
+      <a:lnRef idx="3">
+        <a:scrgbClr r="0" g="0" b="0"/>
+      </a:lnRef>
+      <a:fillRef idx="1">
+        <a:scrgbClr r="0" g="0" b="0"/>
+      </a:fillRef>
+      <a:effectRef idx="1">
+        <a:scrgbClr r="0" g="0" b="0"/>
+      </a:effectRef>
+      <a:fontRef idx="minor"/>
+    </dgm:style>
+  </dgm:styleLbl>
+  <dgm:styleLbl name="sibTrans2D1">
+    <dgm:scene3d>
+      <a:camera prst="orthographicFront"/>
+      <a:lightRig rig="threePt" dir="t"/>
+    </dgm:scene3d>
+    <dgm:sp3d/>
+    <dgm:txPr/>
+    <dgm:style>
+      <a:lnRef idx="0">
+        <a:scrgbClr r="0" g="0" b="0"/>
+      </a:lnRef>
+      <a:fillRef idx="1">
+        <a:scrgbClr r="0" g="0" b="0"/>
+      </a:fillRef>
+      <a:effectRef idx="1">
+        <a:scrgbClr r="0" g="0" b="0"/>
+      </a:effectRef>
+      <a:fontRef idx="minor">
+        <a:schemeClr val="lt1"/>
+      </a:fontRef>
+    </dgm:style>
+  </dgm:styleLbl>
+  <dgm:styleLbl name="fgSibTrans2D1">
+    <dgm:scene3d>
+      <a:camera prst="orthographicFront"/>
+      <a:lightRig rig="threePt" dir="t"/>
+    </dgm:scene3d>
+    <dgm:sp3d/>
+    <dgm:txPr/>
+    <dgm:style>
+      <a:lnRef idx="0">
+        <a:scrgbClr r="0" g="0" b="0"/>
+      </a:lnRef>
+      <a:fillRef idx="1">
+        <a:scrgbClr r="0" g="0" b="0"/>
+      </a:fillRef>
+      <a:effectRef idx="1">
+        <a:scrgbClr r="0" g="0" b="0"/>
+      </a:effectRef>
+      <a:fontRef idx="minor">
+        <a:schemeClr val="lt1"/>
+      </a:fontRef>
+    </dgm:style>
+  </dgm:styleLbl>
+  <dgm:styleLbl name="bgSibTrans2D1">
+    <dgm:scene3d>
+      <a:camera prst="orthographicFront"/>
+      <a:lightRig rig="threePt" dir="t"/>
+    </dgm:scene3d>
+    <dgm:sp3d/>
+    <dgm:txPr/>
+    <dgm:style>
+      <a:lnRef idx="0">
+        <a:scrgbClr r="0" g="0" b="0"/>
+      </a:lnRef>
+      <a:fillRef idx="1">
+        <a:scrgbClr r="0" g="0" b="0"/>
+      </a:fillRef>
+      <a:effectRef idx="1">
+        <a:scrgbClr r="0" g="0" b="0"/>
+      </a:effectRef>
+      <a:fontRef idx="minor">
+        <a:schemeClr val="lt1"/>
+      </a:fontRef>
+    </dgm:style>
+  </dgm:styleLbl>
+  <dgm:styleLbl name="sibTrans1D1">
+    <dgm:scene3d>
+      <a:camera prst="orthographicFront"/>
+      <a:lightRig rig="threePt" dir="t"/>
+    </dgm:scene3d>
+    <dgm:sp3d/>
+    <dgm:txPr/>
+    <dgm:style>
+      <a:lnRef idx="1">
+        <a:scrgbClr r="0" g="0" b="0"/>
+      </a:lnRef>
+      <a:fillRef idx="0">
+        <a:scrgbClr r="0" g="0" b="0"/>
+      </a:fillRef>
+      <a:effectRef idx="0">
+        <a:scrgbClr r="0" g="0" b="0"/>
+      </a:effectRef>
+      <a:fontRef idx="minor"/>
+    </dgm:style>
+  </dgm:styleLbl>
+  <dgm:styleLbl name="callout">
+    <dgm:scene3d>
+      <a:camera prst="orthographicFront"/>
+      <a:lightRig rig="threePt" dir="t"/>
+    </dgm:scene3d>
+    <dgm:sp3d/>
+    <dgm:txPr/>
+    <dgm:style>
+      <a:lnRef idx="2">
+        <a:scrgbClr r="0" g="0" b="0"/>
+      </a:lnRef>
+      <a:fillRef idx="1">
+        <a:scrgbClr r="0" g="0" b="0"/>
+      </a:fillRef>
+      <a:effectRef idx="1">
+        <a:scrgbClr r="0" g="0" b="0"/>
+      </a:effectRef>
+      <a:fontRef idx="minor"/>
+    </dgm:style>
+  </dgm:styleLbl>
+  <dgm:styleLbl name="asst0">
+    <dgm:scene3d>
+      <a:camera prst="orthographicFront"/>
+      <a:lightRig rig="threePt" dir="t"/>
+    </dgm:scene3d>
+    <dgm:sp3d/>
+    <dgm:txPr/>
+    <dgm:style>
+      <a:lnRef idx="3">
+        <a:scrgbClr r="0" g="0" b="0"/>
+      </a:lnRef>
+      <a:fillRef idx="1">
+        <a:scrgbClr r="0" g="0" b="0"/>
+      </a:fillRef>
+      <a:effectRef idx="1">
+        <a:scrgbClr r="0" g="0" b="0"/>
+      </a:effectRef>
+      <a:fontRef idx="minor">
+        <a:schemeClr val="lt1"/>
+      </a:fontRef>
+    </dgm:style>
+  </dgm:styleLbl>
+  <dgm:styleLbl name="asst1">
+    <dgm:scene3d>
+      <a:camera prst="orthographicFront"/>
+      <a:lightRig rig="threePt" dir="t"/>
+    </dgm:scene3d>
+    <dgm:sp3d/>
+    <dgm:txPr/>
+    <dgm:style>
+      <a:lnRef idx="3">
+        <a:scrgbClr r="0" g="0" b="0"/>
+      </a:lnRef>
+      <a:fillRef idx="1">
+        <a:scrgbClr r="0" g="0" b="0"/>
+      </a:fillRef>
+      <a:effectRef idx="1">
+        <a:scrgbClr r="0" g="0" b="0"/>
+      </a:effectRef>
+      <a:fontRef idx="minor">
+        <a:schemeClr val="lt1"/>
+      </a:fontRef>
+    </dgm:style>
+  </dgm:styleLbl>
+  <dgm:styleLbl name="asst2">
+    <dgm:scene3d>
+      <a:camera prst="orthographicFront"/>
+      <a:lightRig rig="threePt" dir="t"/>
+    </dgm:scene3d>
+    <dgm:sp3d/>
+    <dgm:txPr/>
+    <dgm:style>
+      <a:lnRef idx="3">
+        <a:scrgbClr r="0" g="0" b="0"/>
+      </a:lnRef>
+      <a:fillRef idx="1">
+        <a:scrgbClr r="0" g="0" b="0"/>
+      </a:fillRef>
+      <a:effectRef idx="1">
+        <a:scrgbClr r="0" g="0" b="0"/>
+      </a:effectRef>
+      <a:fontRef idx="minor">
+        <a:schemeClr val="lt1"/>
+      </a:fontRef>
+    </dgm:style>
+  </dgm:styleLbl>
+  <dgm:styleLbl name="asst3">
+    <dgm:scene3d>
+      <a:camera prst="orthographicFront"/>
+      <a:lightRig rig="threePt" dir="t"/>
+    </dgm:scene3d>
+    <dgm:sp3d/>
+    <dgm:txPr/>
+    <dgm:style>
+      <a:lnRef idx="3">
+        <a:scrgbClr r="0" g="0" b="0"/>
+      </a:lnRef>
+      <a:fillRef idx="1">
+        <a:scrgbClr r="0" g="0" b="0"/>
+      </a:fillRef>
+      <a:effectRef idx="1">
+        <a:scrgbClr r="0" g="0" b="0"/>
+      </a:effectRef>
+      <a:fontRef idx="minor">
+        <a:schemeClr val="lt1"/>
+      </a:fontRef>
+    </dgm:style>
+  </dgm:styleLbl>
+  <dgm:styleLbl name="asst4">
+    <dgm:scene3d>
+      <a:camera prst="orthographicFront"/>
+      <a:lightRig rig="threePt" dir="t"/>
+    </dgm:scene3d>
+    <dgm:sp3d/>
+    <dgm:txPr/>
+    <dgm:style>
+      <a:lnRef idx="3">
+        <a:scrgbClr r="0" g="0" b="0"/>
+      </a:lnRef>
+      <a:fillRef idx="1">
+        <a:scrgbClr r="0" g="0" b="0"/>
+      </a:fillRef>
+      <a:effectRef idx="1">
+        <a:scrgbClr r="0" g="0" b="0"/>
+      </a:effectRef>
+      <a:fontRef idx="minor">
+        <a:schemeClr val="lt1"/>
+      </a:fontRef>
+    </dgm:style>
+  </dgm:styleLbl>
+  <dgm:styleLbl name="parChTrans2D1">
+    <dgm:scene3d>
+      <a:camera prst="orthographicFront"/>
+      <a:lightRig rig="threePt" dir="t"/>
+    </dgm:scene3d>
+    <dgm:sp3d/>
+    <dgm:txPr/>
+    <dgm:style>
+      <a:lnRef idx="3">
+        <a:scrgbClr r="0" g="0" b="0"/>
+      </a:lnRef>
+      <a:fillRef idx="1">
+        <a:scrgbClr r="0" g="0" b="0"/>
+      </a:fillRef>
+      <a:effectRef idx="1">
+        <a:scrgbClr r="0" g="0" b="0"/>
+      </a:effectRef>
+      <a:fontRef idx="minor">
+        <a:schemeClr val="lt1"/>
+      </a:fontRef>
+    </dgm:style>
+  </dgm:styleLbl>
+  <dgm:styleLbl name="parChTrans2D2">
+    <dgm:scene3d>
+      <a:camera prst="orthographicFront"/>
+      <a:lightRig rig="threePt" dir="t"/>
+    </dgm:scene3d>
+    <dgm:sp3d/>
+    <dgm:txPr/>
+    <dgm:style>
+      <a:lnRef idx="3">
+        <a:scrgbClr r="0" g="0" b="0"/>
+      </a:lnRef>
+      <a:fillRef idx="1">
+        <a:scrgbClr r="0" g="0" b="0"/>
+      </a:fillRef>
+      <a:effectRef idx="1">
+        <a:scrgbClr r="0" g="0" b="0"/>
+      </a:effectRef>
+      <a:fontRef idx="minor">
+        <a:schemeClr val="lt1"/>
+      </a:fontRef>
+    </dgm:style>
+  </dgm:styleLbl>
+  <dgm:styleLbl name="parChTrans2D3">
+    <dgm:scene3d>
+      <a:camera prst="orthographicFront"/>
+      <a:lightRig rig="threePt" dir="t"/>
+    </dgm:scene3d>
+    <dgm:sp3d/>
+    <dgm:txPr/>
+    <dgm:style>
+      <a:lnRef idx="3">
+        <a:scrgbClr r="0" g="0" b="0"/>
+      </a:lnRef>
+      <a:fillRef idx="1">
+        <a:scrgbClr r="0" g="0" b="0"/>
+      </a:fillRef>
+      <a:effectRef idx="1">
+        <a:scrgbClr r="0" g="0" b="0"/>
+      </a:effectRef>
+      <a:fontRef idx="minor">
+        <a:schemeClr val="lt1"/>
+      </a:fontRef>
+    </dgm:style>
+  </dgm:styleLbl>
+  <dgm:styleLbl name="parChTrans2D4">
+    <dgm:scene3d>
+      <a:camera prst="orthographicFront"/>
+      <a:lightRig rig="threePt" dir="t"/>
+    </dgm:scene3d>
+    <dgm:sp3d/>
+    <dgm:txPr/>
+    <dgm:style>
+      <a:lnRef idx="3">
+        <a:scrgbClr r="0" g="0" b="0"/>
+      </a:lnRef>
+      <a:fillRef idx="1">
+        <a:scrgbClr r="0" g="0" b="0"/>
+      </a:fillRef>
+      <a:effectRef idx="1">
+        <a:scrgbClr r="0" g="0" b="0"/>
+      </a:effectRef>
+      <a:fontRef idx="minor">
+        <a:schemeClr val="lt1"/>
+      </a:fontRef>
+    </dgm:style>
+  </dgm:styleLbl>
+  <dgm:styleLbl name="parChTrans1D1">
+    <dgm:scene3d>
+      <a:camera prst="orthographicFront"/>
+      <a:lightRig rig="threePt" dir="t"/>
+    </dgm:scene3d>
+    <dgm:sp3d/>
+    <dgm:txPr/>
+    <dgm:style>
+      <a:lnRef idx="2">
+        <a:scrgbClr r="0" g="0" b="0"/>
+      </a:lnRef>
+      <a:fillRef idx="0">
+        <a:scrgbClr r="0" g="0" b="0"/>
+      </a:fillRef>
+      <a:effectRef idx="0">
+        <a:scrgbClr r="0" g="0" b="0"/>
+      </a:effectRef>
+      <a:fontRef idx="minor"/>
+    </dgm:style>
+  </dgm:styleLbl>
+  <dgm:styleLbl name="parChTrans1D2">
+    <dgm:scene3d>
+      <a:camera prst="orthographicFront"/>
+      <a:lightRig rig="threePt" dir="t"/>
+    </dgm:scene3d>
+    <dgm:sp3d/>
+    <dgm:txPr/>
+    <dgm:style>
+      <a:lnRef idx="2">
+        <a:scrgbClr r="0" g="0" b="0"/>
+      </a:lnRef>
+      <a:fillRef idx="0">
+        <a:scrgbClr r="0" g="0" b="0"/>
+      </a:fillRef>
+      <a:effectRef idx="0">
+        <a:scrgbClr r="0" g="0" b="0"/>
+      </a:effectRef>
+      <a:fontRef idx="minor"/>
+    </dgm:style>
+  </dgm:styleLbl>
+  <dgm:styleLbl name="parChTrans1D3">
+    <dgm:scene3d>
+      <a:camera prst="orthographicFront"/>
+      <a:lightRig rig="threePt" dir="t"/>
+    </dgm:scene3d>
+    <dgm:sp3d/>
+    <dgm:txPr/>
+    <dgm:style>
+      <a:lnRef idx="2">
+        <a:scrgbClr r="0" g="0" b="0"/>
+      </a:lnRef>
+      <a:fillRef idx="0">
+        <a:scrgbClr r="0" g="0" b="0"/>
+      </a:fillRef>
+      <a:effectRef idx="0">
+        <a:scrgbClr r="0" g="0" b="0"/>
+      </a:effectRef>
+      <a:fontRef idx="minor"/>
+    </dgm:style>
+  </dgm:styleLbl>
+  <dgm:styleLbl name="parChTrans1D4">
+    <dgm:scene3d>
+      <a:camera prst="orthographicFront"/>
+      <a:lightRig rig="threePt" dir="t"/>
+    </dgm:scene3d>
+    <dgm:sp3d/>
+    <dgm:txPr/>
+    <dgm:style>
+      <a:lnRef idx="2">
+        <a:scrgbClr r="0" g="0" b="0"/>
+      </a:lnRef>
+      <a:fillRef idx="0">
+        <a:scrgbClr r="0" g="0" b="0"/>
+      </a:fillRef>
+      <a:effectRef idx="0">
+        <a:scrgbClr r="0" g="0" b="0"/>
+      </a:effectRef>
+      <a:fontRef idx="minor"/>
+    </dgm:style>
+  </dgm:styleLbl>
+  <dgm:styleLbl name="fgAcc1">
+    <dgm:scene3d>
+      <a:camera prst="orthographicFront"/>
+      <a:lightRig rig="threePt" dir="t"/>
+    </dgm:scene3d>
+    <dgm:sp3d/>
+    <dgm:txPr/>
+    <dgm:style>
+      <a:lnRef idx="2">
+        <a:scrgbClr r="0" g="0" b="0"/>
+      </a:lnRef>
+      <a:fillRef idx="1">
+        <a:scrgbClr r="0" g="0" b="0"/>
+      </a:fillRef>
+      <a:effectRef idx="0">
+        <a:scrgbClr r="0" g="0" b="0"/>
+      </a:effectRef>
+      <a:fontRef idx="minor"/>
+    </dgm:style>
+  </dgm:styleLbl>
+  <dgm:styleLbl name="conFgAcc1">
+    <dgm:scene3d>
+      <a:camera prst="orthographicFront"/>
+      <a:lightRig rig="threePt" dir="t"/>
+    </dgm:scene3d>
+    <dgm:sp3d/>
+    <dgm:txPr/>
+    <dgm:style>
+      <a:lnRef idx="2">
+        <a:scrgbClr r="0" g="0" b="0"/>
+      </a:lnRef>
+      <a:fillRef idx="1">
+        <a:scrgbClr r="0" g="0" b="0"/>
+      </a:fillRef>
+      <a:effectRef idx="0">
+        <a:scrgbClr r="0" g="0" b="0"/>
+      </a:effectRef>
+      <a:fontRef idx="minor"/>
+    </dgm:style>
+  </dgm:styleLbl>
+  <dgm:styleLbl name="alignAcc1">
+    <dgm:scene3d>
+      <a:camera prst="orthographicFront"/>
+      <a:lightRig rig="threePt" dir="t"/>
+    </dgm:scene3d>
+    <dgm:sp3d/>
+    <dgm:txPr/>
+    <dgm:style>
+      <a:lnRef idx="2">
+        <a:scrgbClr r="0" g="0" b="0"/>
+      </a:lnRef>
+      <a:fillRef idx="1">
+        <a:scrgbClr r="0" g="0" b="0"/>
+      </a:fillRef>
+      <a:effectRef idx="0">
+        <a:scrgbClr r="0" g="0" b="0"/>
+      </a:effectRef>
+      <a:fontRef idx="minor"/>
+    </dgm:style>
+  </dgm:styleLbl>
+  <dgm:styleLbl name="trAlignAcc1">
+    <dgm:scene3d>
+      <a:camera prst="orthographicFront"/>
+      <a:lightRig rig="threePt" dir="t"/>
+    </dgm:scene3d>
+    <dgm:sp3d/>
+    <dgm:txPr/>
+    <dgm:style>
+      <a:lnRef idx="1">
+        <a:scrgbClr r="0" g="0" b="0"/>
+      </a:lnRef>
+      <a:fillRef idx="1">
+        <a:scrgbClr r="0" g="0" b="0"/>
+      </a:fillRef>
+      <a:effectRef idx="0">
+        <a:scrgbClr r="0" g="0" b="0"/>
+      </a:effectRef>
+      <a:fontRef idx="minor"/>
+    </dgm:style>
+  </dgm:styleLbl>
+  <dgm:styleLbl name="bgAcc1">
+    <dgm:scene3d>
+      <a:camera prst="orthographicFront"/>
+      <a:lightRig rig="threePt" dir="t"/>
+    </dgm:scene3d>
+    <dgm:sp3d/>
+    <dgm:txPr/>
+    <dgm:style>
+      <a:lnRef idx="2">
+        <a:scrgbClr r="0" g="0" b="0"/>
+      </a:lnRef>
+      <a:fillRef idx="1">
+        <a:scrgbClr r="0" g="0" b="0"/>
+      </a:fillRef>
+      <a:effectRef idx="0">
+        <a:scrgbClr r="0" g="0" b="0"/>
+      </a:effectRef>
+      <a:fontRef idx="minor"/>
+    </dgm:style>
+  </dgm:styleLbl>
+  <dgm:styleLbl name="solidFgAcc1">
+    <dgm:scene3d>
+      <a:camera prst="orthographicFront"/>
+      <a:lightRig rig="threePt" dir="t"/>
+    </dgm:scene3d>
+    <dgm:sp3d/>
+    <dgm:txPr/>
+    <dgm:style>
+      <a:lnRef idx="2">
+        <a:scrgbClr r="0" g="0" b="0"/>
+      </a:lnRef>
+      <a:fillRef idx="1">
+        <a:scrgbClr r="0" g="0" b="0"/>
+      </a:fillRef>
+      <a:effectRef idx="0">
+        <a:scrgbClr r="0" g="0" b="0"/>
+      </a:effectRef>
+      <a:fontRef idx="minor"/>
+    </dgm:style>
+  </dgm:styleLbl>
+  <dgm:styleLbl name="solidAlignAcc1">
+    <dgm:scene3d>
+      <a:camera prst="orthographicFront"/>
+      <a:lightRig rig="threePt" dir="t"/>
+    </dgm:scene3d>
+    <dgm:sp3d/>
+    <dgm:txPr/>
+    <dgm:style>
+      <a:lnRef idx="2">
+        <a:scrgbClr r="0" g="0" b="0"/>
+      </a:lnRef>
+      <a:fillRef idx="1">
+        <a:scrgbClr r="0" g="0" b="0"/>
+      </a:fillRef>
+      <a:effectRef idx="0">
+        <a:scrgbClr r="0" g="0" b="0"/>
+      </a:effectRef>
+      <a:fontRef idx="minor"/>
+    </dgm:style>
+  </dgm:styleLbl>
+  <dgm:styleLbl name="solidBgAcc1">
+    <dgm:scene3d>
+      <a:camera prst="orthographicFront"/>
+      <a:lightRig rig="threePt" dir="t"/>
+    </dgm:scene3d>
+    <dgm:sp3d/>
+    <dgm:txPr/>
+    <dgm:style>
+      <a:lnRef idx="2">
+        <a:scrgbClr r="0" g="0" b="0"/>
+      </a:lnRef>
+      <a:fillRef idx="1">
+        <a:scrgbClr r="0" g="0" b="0"/>
+      </a:fillRef>
+      <a:effectRef idx="0">
+        <a:scrgbClr r="0" g="0" b="0"/>
+      </a:effectRef>
+      <a:fontRef idx="minor"/>
+    </dgm:style>
+  </dgm:styleLbl>
+  <dgm:styleLbl name="fgAccFollowNode1">
+    <dgm:scene3d>
+      <a:camera prst="orthographicFront"/>
+      <a:lightRig rig="threePt" dir="t"/>
+    </dgm:scene3d>
+    <dgm:sp3d/>
+    <dgm:txPr/>
+    <dgm:style>
+      <a:lnRef idx="2">
+        <a:scrgbClr r="0" g="0" b="0"/>
+      </a:lnRef>
+      <a:fillRef idx="1">
+        <a:scrgbClr r="0" g="0" b="0"/>
+      </a:fillRef>
+      <a:effectRef idx="0">
+        <a:scrgbClr r="0" g="0" b="0"/>
+      </a:effectRef>
+      <a:fontRef idx="minor"/>
+    </dgm:style>
+  </dgm:styleLbl>
+  <dgm:styleLbl name="alignAccFollowNode1">
+    <dgm:scene3d>
+      <a:camera prst="orthographicFront"/>
+      <a:lightRig rig="threePt" dir="t"/>
+    </dgm:scene3d>
+    <dgm:sp3d/>
+    <dgm:txPr/>
+    <dgm:style>
+      <a:lnRef idx="2">
+        <a:scrgbClr r="0" g="0" b="0"/>
+      </a:lnRef>
+      <a:fillRef idx="1">
+        <a:scrgbClr r="0" g="0" b="0"/>
+      </a:fillRef>
+      <a:effectRef idx="0">
+        <a:scrgbClr r="0" g="0" b="0"/>
+      </a:effectRef>
+      <a:fontRef idx="minor"/>
+    </dgm:style>
+  </dgm:styleLbl>
+  <dgm:styleLbl name="bgAccFollowNode1">
+    <dgm:scene3d>
+      <a:camera prst="orthographicFront"/>
+      <a:lightRig rig="threePt" dir="t"/>
+    </dgm:scene3d>
+    <dgm:sp3d/>
+    <dgm:txPr/>
+    <dgm:style>
+      <a:lnRef idx="2">
+        <a:scrgbClr r="0" g="0" b="0"/>
+      </a:lnRef>
+      <a:fillRef idx="1">
+        <a:scrgbClr r="0" g="0" b="0"/>
+      </a:fillRef>
+      <a:effectRef idx="0">
+        <a:scrgbClr r="0" g="0" b="0"/>
+      </a:effectRef>
+      <a:fontRef idx="minor"/>
+    </dgm:style>
+  </dgm:styleLbl>
+  <dgm:styleLbl name="fgAcc0">
+    <dgm:scene3d>
+      <a:camera prst="orthographicFront"/>
+      <a:lightRig rig="threePt" dir="t"/>
+    </dgm:scene3d>
+    <dgm:sp3d/>
+    <dgm:txPr/>
+    <dgm:style>
+      <a:lnRef idx="2">
+        <a:scrgbClr r="0" g="0" b="0"/>
+      </a:lnRef>
+      <a:fillRef idx="1">
+        <a:scrgbClr r="0" g="0" b="0"/>
+      </a:fillRef>
+      <a:effectRef idx="0">
+        <a:scrgbClr r="0" g="0" b="0"/>
+      </a:effectRef>
+      <a:fontRef idx="minor"/>
+    </dgm:style>
+  </dgm:styleLbl>
+  <dgm:styleLbl name="fgAcc2">
+    <dgm:scene3d>
+      <a:camera prst="orthographicFront"/>
+      <a:lightRig rig="threePt" dir="t"/>
+    </dgm:scene3d>
+    <dgm:sp3d/>
+    <dgm:txPr/>
+    <dgm:style>
+      <a:lnRef idx="2">
+        <a:scrgbClr r="0" g="0" b="0"/>
+      </a:lnRef>
+      <a:fillRef idx="1">
+        <a:scrgbClr r="0" g="0" b="0"/>
+      </a:fillRef>
+      <a:effectRef idx="0">
+        <a:scrgbClr r="0" g="0" b="0"/>
+      </a:effectRef>
+      <a:fontRef idx="minor"/>
+    </dgm:style>
+  </dgm:styleLbl>
+  <dgm:styleLbl name="fgAcc3">
+    <dgm:scene3d>
+      <a:camera prst="orthographicFront"/>
+      <a:lightRig rig="threePt" dir="t"/>
+    </dgm:scene3d>
+    <dgm:sp3d/>
+    <dgm:txPr/>
+    <dgm:style>
+      <a:lnRef idx="2">
+        <a:scrgbClr r="0" g="0" b="0"/>
+      </a:lnRef>
+      <a:fillRef idx="1">
+        <a:scrgbClr r="0" g="0" b="0"/>
+      </a:fillRef>
+      <a:effectRef idx="0">
+        <a:scrgbClr r="0" g="0" b="0"/>
+      </a:effectRef>
+      <a:fontRef idx="minor"/>
+    </dgm:style>
+  </dgm:styleLbl>
+  <dgm:styleLbl name="fgAcc4">
+    <dgm:scene3d>
+      <a:camera prst="orthographicFront"/>
+      <a:lightRig rig="threePt" dir="t"/>
+    </dgm:scene3d>
+    <dgm:sp3d/>
+    <dgm:txPr/>
+    <dgm:style>
+      <a:lnRef idx="2">
+        <a:scrgbClr r="0" g="0" b="0"/>
+      </a:lnRef>
+      <a:fillRef idx="1">
+        <a:scrgbClr r="0" g="0" b="0"/>
+      </a:fillRef>
+      <a:effectRef idx="0">
+        <a:scrgbClr r="0" g="0" b="0"/>
+      </a:effectRef>
+      <a:fontRef idx="minor"/>
+    </dgm:style>
+  </dgm:styleLbl>
+  <dgm:styleLbl name="bgShp">
+    <dgm:scene3d>
+      <a:camera prst="orthographicFront"/>
+      <a:lightRig rig="threePt" dir="t"/>
+    </dgm:scene3d>
+    <dgm:sp3d/>
+    <dgm:txPr/>
+    <dgm:style>
+      <a:lnRef idx="0">
+        <a:scrgbClr r="0" g="0" b="0"/>
+      </a:lnRef>
+      <a:fillRef idx="1">
+        <a:scrgbClr r="0" g="0" b="0"/>
+      </a:fillRef>
+      <a:effectRef idx="0">
+        <a:scrgbClr r="0" g="0" b="0"/>
+      </a:effectRef>
+      <a:fontRef idx="minor"/>
+    </dgm:style>
+  </dgm:styleLbl>
+  <dgm:styleLbl name="dkBgShp">
+    <dgm:scene3d>
+      <a:camera prst="orthographicFront"/>
+      <a:lightRig rig="threePt" dir="t"/>
+    </dgm:scene3d>
+    <dgm:sp3d/>
+    <dgm:txPr/>
+    <dgm:style>
+      <a:lnRef idx="0">
+        <a:scrgbClr r="0" g="0" b="0"/>
+      </a:lnRef>
+      <a:fillRef idx="1">
+        <a:scrgbClr r="0" g="0" b="0"/>
+      </a:fillRef>
+      <a:effectRef idx="0">
+        <a:scrgbClr r="0" g="0" b="0"/>
+      </a:effectRef>
+      <a:fontRef idx="minor"/>
+    </dgm:style>
+  </dgm:styleLbl>
+  <dgm:styleLbl name="trBgShp">
+    <dgm:scene3d>
+      <a:camera prst="orthographicFront"/>
+      <a:lightRig rig="threePt" dir="t"/>
+    </dgm:scene3d>
+    <dgm:sp3d/>
+    <dgm:txPr/>
+    <dgm:style>
+      <a:lnRef idx="0">
+        <a:scrgbClr r="0" g="0" b="0"/>
+      </a:lnRef>
+      <a:fillRef idx="1">
+        <a:scrgbClr r="0" g="0" b="0"/>
+      </a:fillRef>
+      <a:effectRef idx="0">
+        <a:scrgbClr r="0" g="0" b="0"/>
+      </a:effectRef>
+      <a:fontRef idx="minor"/>
+    </dgm:style>
+  </dgm:styleLbl>
+  <dgm:styleLbl name="fgShp">
+    <dgm:scene3d>
+      <a:camera prst="orthographicFront"/>
+      <a:lightRig rig="threePt" dir="t"/>
+    </dgm:scene3d>
+    <dgm:sp3d/>
+    <dgm:txPr/>
+    <dgm:style>
+      <a:lnRef idx="3">
+        <a:scrgbClr r="0" g="0" b="0"/>
+      </a:lnRef>
+      <a:fillRef idx="1">
+        <a:scrgbClr r="0" g="0" b="0"/>
+      </a:fillRef>
+      <a:effectRef idx="1">
+        <a:scrgbClr r="0" g="0" b="0"/>
+      </a:effectRef>
+      <a:fontRef idx="minor"/>
+    </dgm:style>
+  </dgm:styleLbl>
+  <dgm:styleLbl name="revTx">
+    <dgm:scene3d>
+      <a:camera prst="orthographicFront"/>
+      <a:lightRig rig="threePt" dir="t"/>
+    </dgm:scene3d>
+    <dgm:sp3d/>
+    <dgm:txPr/>
+    <dgm:style>
+      <a:lnRef idx="0">
+        <a:scrgbClr r="0" g="0" b="0"/>
+      </a:lnRef>
+      <a:fillRef idx="0">
+        <a:scrgbClr r="0" g="0" b="0"/>
+      </a:fillRef>
+      <a:effectRef idx="0">
+        <a:scrgbClr r="0" g="0" b="0"/>
+      </a:effectRef>
+      <a:fontRef idx="minor"/>
+    </dgm:style>
+  </dgm:styleLbl>
+</dgm:styleDef>
+</file>
+
+<file path=ppt/notesMasters/notesMaster1.xml><?xml version="1.0" encoding="utf-8"?>
+<p:notesMaster xmlns:a="http://schemas.openxmlformats.org/drawingml/2006/main" xmlns:r="http://schemas.openxmlformats.org/officeDocument/2006/relationships" xmlns:p="http://schemas.openxmlformats.org/presentationml/2006/main">
+  <p:cSld>
+    <p:bg>
+      <p:bgRef idx="1001">
+        <a:schemeClr val="bg1"/>
+      </p:bgRef>
+    </p:bg>
+    <p:spTree>
+      <p:nvGrpSpPr>
+        <p:cNvPr id="1" name=""/>
+        <p:cNvGrpSpPr/>
+        <p:nvPr/>
+      </p:nvGrpSpPr>
+      <p:grpSpPr>
+        <a:xfrm>
+          <a:off x="0" y="0"/>
+          <a:ext cx="0" cy="0"/>
+          <a:chOff x="0" y="0"/>
+          <a:chExt cx="0" cy="0"/>
+        </a:xfrm>
+      </p:grpSpPr>
+      <p:sp>
+        <p:nvSpPr>
+          <p:cNvPr id="2" name="Header Placeholder 1"/>
+          <p:cNvSpPr>
+            <a:spLocks noGrp="1"/>
+          </p:cNvSpPr>
+          <p:nvPr>
+            <p:ph type="hdr" sz="quarter"/>
+          </p:nvPr>
+        </p:nvSpPr>
+        <p:spPr>
+          <a:xfrm>
+            <a:off x="0" y="0"/>
+            <a:ext cx="2971800" cy="458788"/>
+          </a:xfrm>
+          <a:prstGeom prst="rect">
+            <a:avLst/>
+          </a:prstGeom>
+        </p:spPr>
+        <p:txBody>
+          <a:bodyPr vert="horz" lIns="91440" tIns="45720" rIns="91440" bIns="45720" rtlCol="0"/>
+          <a:lstStyle>
+            <a:lvl1pPr algn="l">
+              <a:defRPr sz="1200"/>
+            </a:lvl1pPr>
+          </a:lstStyle>
+          <a:p>
+            <a:endParaRPr lang="zh-CN" altLang="en-US"/>
+          </a:p>
+        </p:txBody>
+      </p:sp>
+      <p:sp>
+        <p:nvSpPr>
+          <p:cNvPr id="3" name="Date Placeholder 2"/>
+          <p:cNvSpPr>
+            <a:spLocks noGrp="1"/>
+          </p:cNvSpPr>
+          <p:nvPr>
+            <p:ph type="dt" idx="1"/>
+          </p:nvPr>
+        </p:nvSpPr>
+        <p:spPr>
+          <a:xfrm>
+            <a:off x="3884613" y="0"/>
+            <a:ext cx="2971800" cy="458788"/>
+          </a:xfrm>
+          <a:prstGeom prst="rect">
+            <a:avLst/>
+          </a:prstGeom>
+        </p:spPr>
+        <p:txBody>
+          <a:bodyPr vert="horz" lIns="91440" tIns="45720" rIns="91440" bIns="45720" rtlCol="0"/>
+          <a:lstStyle>
+            <a:lvl1pPr algn="r">
+              <a:defRPr sz="1200"/>
+            </a:lvl1pPr>
+          </a:lstStyle>
+          <a:p>
+            <a:fld id="{A1B4F3E3-EDD5-4665-858B-5A366D1C0E91}" type="datetimeFigureOut">
+              <a:rPr lang="zh-CN" altLang="en-US" smtClean="0"/>
+              <a:t>2025/10/6</a:t>
+            </a:fld>
+            <a:endParaRPr lang="zh-CN" altLang="en-US"/>
+          </a:p>
+        </p:txBody>
+      </p:sp>
+      <p:sp>
+        <p:nvSpPr>
+          <p:cNvPr id="4" name="Slide Image Placeholder 3"/>
+          <p:cNvSpPr>
+            <a:spLocks noGrp="1" noRot="1" noChangeAspect="1"/>
+          </p:cNvSpPr>
+          <p:nvPr>
+            <p:ph type="sldImg" idx="2"/>
+          </p:nvPr>
+        </p:nvSpPr>
+        <p:spPr>
+          <a:xfrm>
+            <a:off x="685800" y="1143000"/>
+            <a:ext cx="5486400" cy="3086100"/>
+          </a:xfrm>
+          <a:prstGeom prst="rect">
+            <a:avLst/>
+          </a:prstGeom>
+          <a:noFill/>
+          <a:ln w="12700">
+            <a:solidFill>
+              <a:prstClr val="black"/>
+            </a:solidFill>
+          </a:ln>
+        </p:spPr>
+        <p:txBody>
+          <a:bodyPr vert="horz" lIns="91440" tIns="45720" rIns="91440" bIns="45720" rtlCol="0" anchor="ctr"/>
+          <a:lstStyle/>
+          <a:p>
+            <a:endParaRPr lang="zh-CN" altLang="en-US"/>
+          </a:p>
+        </p:txBody>
+      </p:sp>
+      <p:sp>
+        <p:nvSpPr>
+          <p:cNvPr id="5" name="Notes Placeholder 4"/>
+          <p:cNvSpPr>
+            <a:spLocks noGrp="1"/>
+          </p:cNvSpPr>
+          <p:nvPr>
+            <p:ph type="body" sz="quarter" idx="3"/>
+          </p:nvPr>
+        </p:nvSpPr>
+        <p:spPr>
+          <a:xfrm>
+            <a:off x="685800" y="4400550"/>
+            <a:ext cx="5486400" cy="3600450"/>
+          </a:xfrm>
+          <a:prstGeom prst="rect">
+            <a:avLst/>
+          </a:prstGeom>
+        </p:spPr>
+        <p:txBody>
+          <a:bodyPr vert="horz" lIns="91440" tIns="45720" rIns="91440" bIns="45720" rtlCol="0"/>
+          <a:lstStyle/>
+          <a:p>
+            <a:pPr lvl="0"/>
+            <a:r>
+              <a:rPr lang="en-US" altLang="zh-CN"/>
+              <a:t>Click to edit Master text styles</a:t>
+            </a:r>
+          </a:p>
+          <a:p>
+            <a:pPr lvl="1"/>
+            <a:r>
+              <a:rPr lang="en-US" altLang="zh-CN"/>
+              <a:t>Second level</a:t>
+            </a:r>
+          </a:p>
+          <a:p>
+            <a:pPr lvl="2"/>
+            <a:r>
+              <a:rPr lang="en-US" altLang="zh-CN"/>
+              <a:t>Third level</a:t>
+            </a:r>
+          </a:p>
+          <a:p>
+            <a:pPr lvl="3"/>
+            <a:r>
+              <a:rPr lang="en-US" altLang="zh-CN"/>
+              <a:t>Fourth level</a:t>
+            </a:r>
+          </a:p>
+          <a:p>
+            <a:pPr lvl="4"/>
+            <a:r>
+              <a:rPr lang="en-US" altLang="zh-CN"/>
+              <a:t>Fifth level</a:t>
+            </a:r>
+            <a:endParaRPr lang="zh-CN" altLang="en-US"/>
+          </a:p>
+        </p:txBody>
+      </p:sp>
+      <p:sp>
+        <p:nvSpPr>
+          <p:cNvPr id="6" name="Footer Placeholder 5"/>
+          <p:cNvSpPr>
+            <a:spLocks noGrp="1"/>
+          </p:cNvSpPr>
+          <p:nvPr>
+            <p:ph type="ftr" sz="quarter" idx="4"/>
+          </p:nvPr>
+        </p:nvSpPr>
+        <p:spPr>
+          <a:xfrm>
+            <a:off x="0" y="8685213"/>
+            <a:ext cx="2971800" cy="458787"/>
+          </a:xfrm>
+          <a:prstGeom prst="rect">
+            <a:avLst/>
+          </a:prstGeom>
+        </p:spPr>
+        <p:txBody>
+          <a:bodyPr vert="horz" lIns="91440" tIns="45720" rIns="91440" bIns="45720" rtlCol="0" anchor="b"/>
+          <a:lstStyle>
+            <a:lvl1pPr algn="l">
+              <a:defRPr sz="1200"/>
+            </a:lvl1pPr>
+          </a:lstStyle>
+          <a:p>
+            <a:endParaRPr lang="zh-CN" altLang="en-US"/>
+          </a:p>
+        </p:txBody>
+      </p:sp>
+      <p:sp>
+        <p:nvSpPr>
+          <p:cNvPr id="7" name="Slide Number Placeholder 6"/>
+          <p:cNvSpPr>
+            <a:spLocks noGrp="1"/>
+          </p:cNvSpPr>
+          <p:nvPr>
+            <p:ph type="sldNum" sz="quarter" idx="5"/>
+          </p:nvPr>
+        </p:nvSpPr>
+        <p:spPr>
+          <a:xfrm>
+            <a:off x="3884613" y="8685213"/>
+            <a:ext cx="2971800" cy="458787"/>
+          </a:xfrm>
+          <a:prstGeom prst="rect">
+            <a:avLst/>
+          </a:prstGeom>
+        </p:spPr>
+        <p:txBody>
+          <a:bodyPr vert="horz" lIns="91440" tIns="45720" rIns="91440" bIns="45720" rtlCol="0" anchor="b"/>
+          <a:lstStyle>
+            <a:lvl1pPr algn="r">
+              <a:defRPr sz="1200"/>
+            </a:lvl1pPr>
+          </a:lstStyle>
+          <a:p>
+            <a:fld id="{7002B37F-CB0B-43CA-A3C2-E15CBE52073C}" type="slidenum">
+              <a:rPr lang="zh-CN" altLang="en-US" smtClean="0"/>
+              <a:t>‹#›</a:t>
+            </a:fld>
+            <a:endParaRPr lang="zh-CN" altLang="en-US"/>
+          </a:p>
+        </p:txBody>
+      </p:sp>
+    </p:spTree>
+    <p:extLst>
+      <p:ext uri="{BB962C8B-B14F-4D97-AF65-F5344CB8AC3E}">
+        <p14:creationId xmlns:p14="http://schemas.microsoft.com/office/powerpoint/2010/main" val="2170807306"/>
+      </p:ext>
+    </p:extLst>
+  </p:cSld>
+  <p:clrMap bg1="lt1" tx1="dk1" bg2="lt2" tx2="dk2" accent1="accent1" accent2="accent2" accent3="accent3" accent4="accent4" accent5="accent5" accent6="accent6" hlink="hlink" folHlink="folHlink"/>
+  <p:notesStyle>
+    <a:lvl1pPr marL="0" algn="l" defTabSz="914400" rtl="0" eaLnBrk="1" latinLnBrk="0" hangingPunct="1">
+      <a:defRPr sz="1200" kern="1200">
+        <a:solidFill>
+          <a:schemeClr val="tx1"/>
+        </a:solidFill>
+        <a:latin typeface="+mn-lt"/>
+        <a:ea typeface="+mn-ea"/>
+        <a:cs typeface="+mn-cs"/>
+      </a:defRPr>
+    </a:lvl1pPr>
+    <a:lvl2pPr marL="457200" algn="l" defTabSz="914400" rtl="0" eaLnBrk="1" latinLnBrk="0" hangingPunct="1">
+      <a:defRPr sz="1200" kern="1200">
+        <a:solidFill>
+          <a:schemeClr val="tx1"/>
+        </a:solidFill>
+        <a:latin typeface="+mn-lt"/>
+        <a:ea typeface="+mn-ea"/>
+        <a:cs typeface="+mn-cs"/>
+      </a:defRPr>
+    </a:lvl2pPr>
+    <a:lvl3pPr marL="914400" algn="l" defTabSz="914400" rtl="0" eaLnBrk="1" latinLnBrk="0" hangingPunct="1">
+      <a:defRPr sz="1200" kern="1200">
+        <a:solidFill>
+          <a:schemeClr val="tx1"/>
+        </a:solidFill>
+        <a:latin typeface="+mn-lt"/>
+        <a:ea typeface="+mn-ea"/>
+        <a:cs typeface="+mn-cs"/>
+      </a:defRPr>
+    </a:lvl3pPr>
+    <a:lvl4pPr marL="1371600" algn="l" defTabSz="914400" rtl="0" eaLnBrk="1" latinLnBrk="0" hangingPunct="1">
+      <a:defRPr sz="1200" kern="1200">
+        <a:solidFill>
+          <a:schemeClr val="tx1"/>
+        </a:solidFill>
+        <a:latin typeface="+mn-lt"/>
+        <a:ea typeface="+mn-ea"/>
+        <a:cs typeface="+mn-cs"/>
+      </a:defRPr>
+    </a:lvl4pPr>
+    <a:lvl5pPr marL="1828800" algn="l" defTabSz="914400" rtl="0" eaLnBrk="1" latinLnBrk="0" hangingPunct="1">
+      <a:defRPr sz="1200" kern="1200">
+        <a:solidFill>
+          <a:schemeClr val="tx1"/>
+        </a:solidFill>
+        <a:latin typeface="+mn-lt"/>
+        <a:ea typeface="+mn-ea"/>
+        <a:cs typeface="+mn-cs"/>
+      </a:defRPr>
+    </a:lvl5pPr>
+    <a:lvl6pPr marL="2286000" algn="l" defTabSz="914400" rtl="0" eaLnBrk="1" latinLnBrk="0" hangingPunct="1">
+      <a:defRPr sz="1200" kern="1200">
+        <a:solidFill>
+          <a:schemeClr val="tx1"/>
+        </a:solidFill>
+        <a:latin typeface="+mn-lt"/>
+        <a:ea typeface="+mn-ea"/>
+        <a:cs typeface="+mn-cs"/>
+      </a:defRPr>
+    </a:lvl6pPr>
+    <a:lvl7pPr marL="2743200" algn="l" defTabSz="914400" rtl="0" eaLnBrk="1" latinLnBrk="0" hangingPunct="1">
+      <a:defRPr sz="1200" kern="1200">
+        <a:solidFill>
+          <a:schemeClr val="tx1"/>
+        </a:solidFill>
+        <a:latin typeface="+mn-lt"/>
+        <a:ea typeface="+mn-ea"/>
+        <a:cs typeface="+mn-cs"/>
+      </a:defRPr>
+    </a:lvl7pPr>
+    <a:lvl8pPr marL="3200400" algn="l" defTabSz="914400" rtl="0" eaLnBrk="1" latinLnBrk="0" hangingPunct="1">
+      <a:defRPr sz="1200" kern="1200">
+        <a:solidFill>
+          <a:schemeClr val="tx1"/>
+        </a:solidFill>
+        <a:latin typeface="+mn-lt"/>
+        <a:ea typeface="+mn-ea"/>
+        <a:cs typeface="+mn-cs"/>
+      </a:defRPr>
+    </a:lvl8pPr>
+    <a:lvl9pPr marL="3657600" algn="l" defTabSz="914400" rtl="0" eaLnBrk="1" latinLnBrk="0" hangingPunct="1">
+      <a:defRPr sz="1200" kern="1200">
+        <a:solidFill>
+          <a:schemeClr val="tx1"/>
+        </a:solidFill>
+        <a:latin typeface="+mn-lt"/>
+        <a:ea typeface="+mn-ea"/>
+        <a:cs typeface="+mn-cs"/>
+      </a:defRPr>
+    </a:lvl9pPr>
+  </p:notesStyle>
+</p:notesMaster>
+</file>
+
+<file path=ppt/notesSlides/notesSlide1.xml><?xml version="1.0" encoding="utf-8"?>
+<p:notes xmlns:a="http://schemas.openxmlformats.org/drawingml/2006/main" xmlns:r="http://schemas.openxmlformats.org/officeDocument/2006/relationships" xmlns:p="http://schemas.openxmlformats.org/presentationml/2006/main">
+  <p:cSld>
+    <p:spTree>
+      <p:nvGrpSpPr>
+        <p:cNvPr id="1" name=""/>
+        <p:cNvGrpSpPr/>
+        <p:nvPr/>
+      </p:nvGrpSpPr>
+      <p:grpSpPr>
+        <a:xfrm>
+          <a:off x="0" y="0"/>
+          <a:ext cx="0" cy="0"/>
+          <a:chOff x="0" y="0"/>
+          <a:chExt cx="0" cy="0"/>
+        </a:xfrm>
+      </p:grpSpPr>
+      <p:sp>
+        <p:nvSpPr>
+          <p:cNvPr id="2" name="Slide Image Placeholder 1"/>
+          <p:cNvSpPr>
+            <a:spLocks noGrp="1" noRot="1" noChangeAspect="1"/>
+          </p:cNvSpPr>
+          <p:nvPr>
+            <p:ph type="sldImg"/>
+          </p:nvPr>
+        </p:nvSpPr>
+        <p:spPr/>
+      </p:sp>
+      <p:sp>
+        <p:nvSpPr>
+          <p:cNvPr id="3" name="Notes Placeholder 2"/>
+          <p:cNvSpPr>
+            <a:spLocks noGrp="1"/>
+          </p:cNvSpPr>
+          <p:nvPr>
+            <p:ph type="body" idx="1"/>
+          </p:nvPr>
+        </p:nvSpPr>
+        <p:spPr/>
+        <p:txBody>
+          <a:bodyPr/>
+          <a:lstStyle/>
+          <a:p>
+            <a:endParaRPr lang="zh-CN" altLang="en-US" dirty="0"/>
+          </a:p>
+        </p:txBody>
+      </p:sp>
+      <p:sp>
+        <p:nvSpPr>
+          <p:cNvPr id="4" name="Slide Number Placeholder 3"/>
+          <p:cNvSpPr>
+            <a:spLocks noGrp="1"/>
+          </p:cNvSpPr>
+          <p:nvPr>
+            <p:ph type="sldNum" sz="quarter" idx="5"/>
+          </p:nvPr>
+        </p:nvSpPr>
+        <p:spPr/>
+        <p:txBody>
+          <a:bodyPr/>
+          <a:lstStyle/>
+          <a:p>
+            <a:fld id="{7002B37F-CB0B-43CA-A3C2-E15CBE52073C}" type="slidenum">
+              <a:rPr lang="zh-CN" altLang="en-US" smtClean="0"/>
+              <a:t>5</a:t>
+            </a:fld>
+            <a:endParaRPr lang="zh-CN" altLang="en-US"/>
+          </a:p>
+        </p:txBody>
+      </p:sp>
+    </p:spTree>
+    <p:extLst>
+      <p:ext uri="{BB962C8B-B14F-4D97-AF65-F5344CB8AC3E}">
+        <p14:creationId xmlns:p14="http://schemas.microsoft.com/office/powerpoint/2010/main" val="2542476554"/>
+      </p:ext>
+    </p:extLst>
+  </p:cSld>
+  <p:clrMapOvr>
+    <a:masterClrMapping/>
+  </p:clrMapOvr>
+</p:notes>
+</file>
+
+<file path=ppt/notesSlides/notesSlide2.xml><?xml version="1.0" encoding="utf-8"?>
+<p:notes xmlns:a="http://schemas.openxmlformats.org/drawingml/2006/main" xmlns:r="http://schemas.openxmlformats.org/officeDocument/2006/relationships" xmlns:p="http://schemas.openxmlformats.org/presentationml/2006/main">
+  <p:cSld>
+    <p:spTree>
+      <p:nvGrpSpPr>
+        <p:cNvPr id="1" name=""/>
+        <p:cNvGrpSpPr/>
+        <p:nvPr/>
+      </p:nvGrpSpPr>
+      <p:grpSpPr>
+        <a:xfrm>
+          <a:off x="0" y="0"/>
+          <a:ext cx="0" cy="0"/>
+          <a:chOff x="0" y="0"/>
+          <a:chExt cx="0" cy="0"/>
+        </a:xfrm>
+      </p:grpSpPr>
+      <p:sp>
+        <p:nvSpPr>
+          <p:cNvPr id="2" name="Slide Image Placeholder 1"/>
+          <p:cNvSpPr>
+            <a:spLocks noGrp="1" noRot="1" noChangeAspect="1"/>
+          </p:cNvSpPr>
+          <p:nvPr>
+            <p:ph type="sldImg"/>
+          </p:nvPr>
+        </p:nvSpPr>
+        <p:spPr/>
+      </p:sp>
+      <p:sp>
+        <p:nvSpPr>
+          <p:cNvPr id="3" name="Notes Placeholder 2"/>
+          <p:cNvSpPr>
+            <a:spLocks noGrp="1"/>
+          </p:cNvSpPr>
+          <p:nvPr>
+            <p:ph type="body" idx="1"/>
+          </p:nvPr>
+        </p:nvSpPr>
+        <p:spPr/>
+        <p:txBody>
+          <a:bodyPr/>
+          <a:lstStyle/>
+          <a:p>
+            <a:endParaRPr lang="zh-CN" altLang="en-US" dirty="0"/>
+          </a:p>
+        </p:txBody>
+      </p:sp>
+      <p:sp>
+        <p:nvSpPr>
+          <p:cNvPr id="4" name="Slide Number Placeholder 3"/>
+          <p:cNvSpPr>
+            <a:spLocks noGrp="1"/>
+          </p:cNvSpPr>
+          <p:nvPr>
+            <p:ph type="sldNum" sz="quarter" idx="5"/>
+          </p:nvPr>
+        </p:nvSpPr>
+        <p:spPr/>
+        <p:txBody>
+          <a:bodyPr/>
+          <a:lstStyle/>
+          <a:p>
+            <a:fld id="{7002B37F-CB0B-43CA-A3C2-E15CBE52073C}" type="slidenum">
+              <a:rPr lang="zh-CN" altLang="en-US" smtClean="0"/>
+              <a:t>7</a:t>
+            </a:fld>
+            <a:endParaRPr lang="zh-CN" altLang="en-US"/>
+          </a:p>
+        </p:txBody>
+      </p:sp>
+    </p:spTree>
+    <p:extLst>
+      <p:ext uri="{BB962C8B-B14F-4D97-AF65-F5344CB8AC3E}">
+        <p14:creationId xmlns:p14="http://schemas.microsoft.com/office/powerpoint/2010/main" val="3697226083"/>
+      </p:ext>
+    </p:extLst>
+  </p:cSld>
+  <p:clrMapOvr>
+    <a:masterClrMapping/>
+  </p:clrMapOvr>
+</p:notes>
+</file>
+
+<file path=ppt/notesSlides/notesSlide3.xml><?xml version="1.0" encoding="utf-8"?>
+<p:notes xmlns:a="http://schemas.openxmlformats.org/drawingml/2006/main" xmlns:r="http://schemas.openxmlformats.org/officeDocument/2006/relationships" xmlns:p="http://schemas.openxmlformats.org/presentationml/2006/main">
+  <p:cSld>
+    <p:spTree>
+      <p:nvGrpSpPr>
+        <p:cNvPr id="1" name="">
+          <a:extLst>
+            <a:ext uri="{FF2B5EF4-FFF2-40B4-BE49-F238E27FC236}">
+              <a16:creationId xmlns:a16="http://schemas.microsoft.com/office/drawing/2014/main" id="{5195A713-46F6-7F3E-29BE-C112A911BAD5}"/>
+            </a:ext>
+          </a:extLst>
+        </p:cNvPr>
+        <p:cNvGrpSpPr/>
+        <p:nvPr/>
+      </p:nvGrpSpPr>
+      <p:grpSpPr>
+        <a:xfrm>
+          <a:off x="0" y="0"/>
+          <a:ext cx="0" cy="0"/>
+          <a:chOff x="0" y="0"/>
+          <a:chExt cx="0" cy="0"/>
+        </a:xfrm>
+      </p:grpSpPr>
+      <p:sp>
+        <p:nvSpPr>
+          <p:cNvPr id="2" name="Slide Image Placeholder 1">
+            <a:extLst>
+              <a:ext uri="{FF2B5EF4-FFF2-40B4-BE49-F238E27FC236}">
+                <a16:creationId xmlns:a16="http://schemas.microsoft.com/office/drawing/2014/main" id="{44C20FD4-4579-A233-9A4A-C857567532B0}"/>
+              </a:ext>
+            </a:extLst>
+          </p:cNvPr>
+          <p:cNvSpPr>
+            <a:spLocks noGrp="1" noRot="1" noChangeAspect="1"/>
+          </p:cNvSpPr>
+          <p:nvPr>
+            <p:ph type="sldImg"/>
+          </p:nvPr>
+        </p:nvSpPr>
+        <p:spPr/>
+      </p:sp>
+      <p:sp>
+        <p:nvSpPr>
+          <p:cNvPr id="3" name="Notes Placeholder 2">
+            <a:extLst>
+              <a:ext uri="{FF2B5EF4-FFF2-40B4-BE49-F238E27FC236}">
+                <a16:creationId xmlns:a16="http://schemas.microsoft.com/office/drawing/2014/main" id="{DF8885E8-C67A-A3EE-2806-3D79572DD76B}"/>
+              </a:ext>
+            </a:extLst>
+          </p:cNvPr>
+          <p:cNvSpPr>
+            <a:spLocks noGrp="1"/>
+          </p:cNvSpPr>
+          <p:nvPr>
+            <p:ph type="body" idx="1"/>
+          </p:nvPr>
+        </p:nvSpPr>
+        <p:spPr/>
+        <p:txBody>
+          <a:bodyPr/>
+          <a:lstStyle/>
+          <a:p>
+            <a:endParaRPr lang="zh-CN" altLang="en-US" dirty="0"/>
+          </a:p>
+        </p:txBody>
+      </p:sp>
+      <p:sp>
+        <p:nvSpPr>
+          <p:cNvPr id="4" name="Slide Number Placeholder 3">
+            <a:extLst>
+              <a:ext uri="{FF2B5EF4-FFF2-40B4-BE49-F238E27FC236}">
+                <a16:creationId xmlns:a16="http://schemas.microsoft.com/office/drawing/2014/main" id="{9B829B44-03E4-47E9-AF05-E0B17D2C01C3}"/>
+              </a:ext>
+            </a:extLst>
+          </p:cNvPr>
+          <p:cNvSpPr>
+            <a:spLocks noGrp="1"/>
+          </p:cNvSpPr>
+          <p:nvPr>
+            <p:ph type="sldNum" sz="quarter" idx="5"/>
+          </p:nvPr>
+        </p:nvSpPr>
+        <p:spPr/>
+        <p:txBody>
+          <a:bodyPr/>
+          <a:lstStyle/>
+          <a:p>
+            <a:fld id="{7002B37F-CB0B-43CA-A3C2-E15CBE52073C}" type="slidenum">
+              <a:rPr lang="zh-CN" altLang="en-US" smtClean="0"/>
+              <a:t>8</a:t>
+            </a:fld>
+            <a:endParaRPr lang="zh-CN" altLang="en-US"/>
+          </a:p>
+        </p:txBody>
+      </p:sp>
+    </p:spTree>
+    <p:extLst>
+      <p:ext uri="{BB962C8B-B14F-4D97-AF65-F5344CB8AC3E}">
+        <p14:creationId xmlns:p14="http://schemas.microsoft.com/office/powerpoint/2010/main" val="315472688"/>
+      </p:ext>
+    </p:extLst>
+  </p:cSld>
+  <p:clrMapOvr>
+    <a:masterClrMapping/>
+  </p:clrMapOvr>
+</p:notes>
 </file>
 
 <file path=ppt/slideLayouts/slideLayout1.xml><?xml version="1.0" encoding="utf-8"?>
@@ -265,7 +3032,7 @@
           <a:p>
             <a:fld id="{E382E74F-4A28-4498-B099-6C8A785339C9}" type="datetimeFigureOut">
               <a:rPr lang="zh-CN" altLang="en-US" smtClean="0"/>
-              <a:t>2025/10/5</a:t>
+              <a:t>2025/10/6</a:t>
             </a:fld>
             <a:endParaRPr lang="zh-CN" altLang="en-US"/>
           </a:p>
@@ -465,7 +3232,7 @@
           <a:p>
             <a:fld id="{E382E74F-4A28-4498-B099-6C8A785339C9}" type="datetimeFigureOut">
               <a:rPr lang="zh-CN" altLang="en-US" smtClean="0"/>
-              <a:t>2025/10/5</a:t>
+              <a:t>2025/10/6</a:t>
             </a:fld>
             <a:endParaRPr lang="zh-CN" altLang="en-US"/>
           </a:p>
@@ -675,7 +3442,7 @@
           <a:p>
             <a:fld id="{E382E74F-4A28-4498-B099-6C8A785339C9}" type="datetimeFigureOut">
               <a:rPr lang="zh-CN" altLang="en-US" smtClean="0"/>
-              <a:t>2025/10/5</a:t>
+              <a:t>2025/10/6</a:t>
             </a:fld>
             <a:endParaRPr lang="zh-CN" altLang="en-US"/>
           </a:p>
@@ -875,7 +3642,7 @@
           <a:p>
             <a:fld id="{E382E74F-4A28-4498-B099-6C8A785339C9}" type="datetimeFigureOut">
               <a:rPr lang="zh-CN" altLang="en-US" smtClean="0"/>
-              <a:t>2025/10/5</a:t>
+              <a:t>2025/10/6</a:t>
             </a:fld>
             <a:endParaRPr lang="zh-CN" altLang="en-US"/>
           </a:p>
@@ -1151,7 +3918,7 @@
           <a:p>
             <a:fld id="{E382E74F-4A28-4498-B099-6C8A785339C9}" type="datetimeFigureOut">
               <a:rPr lang="zh-CN" altLang="en-US" smtClean="0"/>
-              <a:t>2025/10/5</a:t>
+              <a:t>2025/10/6</a:t>
             </a:fld>
             <a:endParaRPr lang="zh-CN" altLang="en-US"/>
           </a:p>
@@ -1419,7 +4186,7 @@
           <a:p>
             <a:fld id="{E382E74F-4A28-4498-B099-6C8A785339C9}" type="datetimeFigureOut">
               <a:rPr lang="zh-CN" altLang="en-US" smtClean="0"/>
-              <a:t>2025/10/5</a:t>
+              <a:t>2025/10/6</a:t>
             </a:fld>
             <a:endParaRPr lang="zh-CN" altLang="en-US"/>
           </a:p>
@@ -1834,7 +4601,7 @@
           <a:p>
             <a:fld id="{E382E74F-4A28-4498-B099-6C8A785339C9}" type="datetimeFigureOut">
               <a:rPr lang="zh-CN" altLang="en-US" smtClean="0"/>
-              <a:t>2025/10/5</a:t>
+              <a:t>2025/10/6</a:t>
             </a:fld>
             <a:endParaRPr lang="zh-CN" altLang="en-US"/>
           </a:p>
@@ -1976,7 +4743,7 @@
           <a:p>
             <a:fld id="{E382E74F-4A28-4498-B099-6C8A785339C9}" type="datetimeFigureOut">
               <a:rPr lang="zh-CN" altLang="en-US" smtClean="0"/>
-              <a:t>2025/10/5</a:t>
+              <a:t>2025/10/6</a:t>
             </a:fld>
             <a:endParaRPr lang="zh-CN" altLang="en-US"/>
           </a:p>
@@ -2089,7 +4856,7 @@
           <a:p>
             <a:fld id="{E382E74F-4A28-4498-B099-6C8A785339C9}" type="datetimeFigureOut">
               <a:rPr lang="zh-CN" altLang="en-US" smtClean="0"/>
-              <a:t>2025/10/5</a:t>
+              <a:t>2025/10/6</a:t>
             </a:fld>
             <a:endParaRPr lang="zh-CN" altLang="en-US"/>
           </a:p>
@@ -2402,7 +5169,7 @@
           <a:p>
             <a:fld id="{E382E74F-4A28-4498-B099-6C8A785339C9}" type="datetimeFigureOut">
               <a:rPr lang="zh-CN" altLang="en-US" smtClean="0"/>
-              <a:t>2025/10/5</a:t>
+              <a:t>2025/10/6</a:t>
             </a:fld>
             <a:endParaRPr lang="zh-CN" altLang="en-US"/>
           </a:p>
@@ -2691,7 +5458,7 @@
           <a:p>
             <a:fld id="{E382E74F-4A28-4498-B099-6C8A785339C9}" type="datetimeFigureOut">
               <a:rPr lang="zh-CN" altLang="en-US" smtClean="0"/>
-              <a:t>2025/10/5</a:t>
+              <a:t>2025/10/6</a:t>
             </a:fld>
             <a:endParaRPr lang="zh-CN" altLang="en-US"/>
           </a:p>
@@ -2934,7 +5701,7 @@
           <a:p>
             <a:fld id="{E382E74F-4A28-4498-B099-6C8A785339C9}" type="datetimeFigureOut">
               <a:rPr lang="zh-CN" altLang="en-US" smtClean="0"/>
-              <a:t>2025/10/5</a:t>
+              <a:t>2025/10/6</a:t>
             </a:fld>
             <a:endParaRPr lang="zh-CN" altLang="en-US"/>
           </a:p>
@@ -3372,7 +6139,11 @@
           <a:bodyPr/>
           <a:lstStyle/>
           <a:p>
-            <a:endParaRPr lang="zh-CN" altLang="en-US"/>
+            <a:r>
+              <a:rPr lang="en-US" altLang="zh-CN" dirty="0"/>
+              <a:t>Why do some tree mast and some do not?</a:t>
+            </a:r>
+            <a:endParaRPr lang="zh-CN" altLang="en-US" dirty="0"/>
           </a:p>
         </p:txBody>
       </p:sp>
@@ -3397,7 +6168,11 @@
           <a:bodyPr/>
           <a:lstStyle/>
           <a:p>
-            <a:endParaRPr lang="zh-CN" altLang="en-US"/>
+            <a:r>
+              <a:rPr lang="en-US" altLang="zh-CN" dirty="0"/>
+              <a:t>Xiaomao Wang</a:t>
+            </a:r>
+            <a:endParaRPr lang="zh-CN" altLang="en-US" dirty="0"/>
           </a:p>
         </p:txBody>
       </p:sp>
@@ -3415,6 +6190,345 @@
 </file>
 
 <file path=ppt/slides/slide10.xml><?xml version="1.0" encoding="utf-8"?>
+<p:sld xmlns:a="http://schemas.openxmlformats.org/drawingml/2006/main" xmlns:r="http://schemas.openxmlformats.org/officeDocument/2006/relationships" xmlns:p="http://schemas.openxmlformats.org/presentationml/2006/main">
+  <p:cSld>
+    <p:spTree>
+      <p:nvGrpSpPr>
+        <p:cNvPr id="1" name="">
+          <a:extLst>
+            <a:ext uri="{FF2B5EF4-FFF2-40B4-BE49-F238E27FC236}">
+              <a16:creationId xmlns:a16="http://schemas.microsoft.com/office/drawing/2014/main" id="{FAE4734B-E631-147B-3478-E047C612C6B5}"/>
+            </a:ext>
+          </a:extLst>
+        </p:cNvPr>
+        <p:cNvGrpSpPr/>
+        <p:nvPr/>
+      </p:nvGrpSpPr>
+      <p:grpSpPr>
+        <a:xfrm>
+          <a:off x="0" y="0"/>
+          <a:ext cx="0" cy="0"/>
+          <a:chOff x="0" y="0"/>
+          <a:chExt cx="0" cy="0"/>
+        </a:xfrm>
+      </p:grpSpPr>
+      <p:sp>
+        <p:nvSpPr>
+          <p:cNvPr id="7" name="TextBox 6">
+            <a:extLst>
+              <a:ext uri="{FF2B5EF4-FFF2-40B4-BE49-F238E27FC236}">
+                <a16:creationId xmlns:a16="http://schemas.microsoft.com/office/drawing/2014/main" id="{53CCF8CC-05E1-679E-F89E-9C470C736391}"/>
+              </a:ext>
+            </a:extLst>
+          </p:cNvPr>
+          <p:cNvSpPr txBox="1"/>
+          <p:nvPr/>
+        </p:nvSpPr>
+        <p:spPr>
+          <a:xfrm>
+            <a:off x="1219199" y="1321750"/>
+            <a:ext cx="9753601" cy="3683060"/>
+          </a:xfrm>
+          <a:prstGeom prst="rect">
+            <a:avLst/>
+          </a:prstGeom>
+          <a:noFill/>
+        </p:spPr>
+        <p:txBody>
+          <a:bodyPr wrap="square">
+            <a:spAutoFit/>
+          </a:bodyPr>
+          <a:lstStyle/>
+          <a:p>
+            <a:pPr>
+              <a:buNone/>
+            </a:pPr>
+            <a:r>
+              <a:rPr lang="en-US" altLang="zh-CN" sz="2800" dirty="0"/>
+              <a:t>For observation i: </a:t>
+            </a:r>
+          </a:p>
+          <a:p>
+            <a:pPr>
+              <a:buNone/>
+            </a:pPr>
+            <a:endParaRPr lang="en-US" altLang="zh-CN" sz="2800" dirty="0"/>
+          </a:p>
+          <a:p>
+            <a:pPr algn="ctr">
+              <a:buNone/>
+            </a:pPr>
+            <a:r>
+              <a:rPr lang="en-US" altLang="zh-CN" sz="2800" dirty="0"/>
+              <a:t>y</a:t>
+            </a:r>
+            <a:r>
+              <a:rPr lang="en-US" altLang="zh-CN" sz="2800" baseline="-25000" dirty="0"/>
+              <a:t>i</a:t>
+            </a:r>
+            <a:r>
+              <a:rPr lang="en-US" altLang="zh-CN" sz="2800" dirty="0"/>
+              <a:t>​∼Bernoulli(p</a:t>
+            </a:r>
+            <a:r>
+              <a:rPr lang="en-US" altLang="zh-CN" sz="2800" baseline="-25000" dirty="0"/>
+              <a:t>i​</a:t>
+            </a:r>
+            <a:r>
+              <a:rPr lang="en-US" altLang="zh-CN" sz="2800" dirty="0"/>
+              <a:t>)</a:t>
+            </a:r>
+          </a:p>
+          <a:p>
+            <a:pPr>
+              <a:buNone/>
+            </a:pPr>
+            <a:endParaRPr lang="en-US" altLang="zh-CN" sz="2800" dirty="0"/>
+          </a:p>
+          <a:p>
+            <a:pPr>
+              <a:buNone/>
+            </a:pPr>
+            <a:r>
+              <a:rPr lang="en-US" altLang="zh-CN" sz="2800" dirty="0"/>
+              <a:t>logit(p</a:t>
+            </a:r>
+            <a:r>
+              <a:rPr lang="en-US" altLang="zh-CN" sz="2800" baseline="-25000" dirty="0"/>
+              <a:t>i</a:t>
+            </a:r>
+            <a:r>
+              <a:rPr lang="en-US" altLang="zh-CN" sz="2800" dirty="0"/>
+              <a:t>​)=</a:t>
+            </a:r>
+            <a:r>
+              <a:rPr lang="el-GR" altLang="zh-CN" sz="2800" dirty="0"/>
+              <a:t>α</a:t>
+            </a:r>
+            <a:r>
+              <a:rPr lang="en-US" altLang="zh-CN" sz="2800" baseline="-25000" dirty="0"/>
+              <a:t>0</a:t>
+            </a:r>
+            <a:r>
+              <a:rPr lang="en-US" altLang="zh-CN" sz="2800" dirty="0"/>
+              <a:t> + </a:t>
+            </a:r>
+            <a:r>
+              <a:rPr lang="el-GR" altLang="zh-CN" sz="2800" dirty="0"/>
+              <a:t>α</a:t>
+            </a:r>
+            <a:r>
+              <a:rPr lang="en-US" altLang="zh-CN" sz="2800" baseline="-25000" dirty="0"/>
+              <a:t>soil</a:t>
+            </a:r>
+            <a:r>
+              <a:rPr lang="en-US" altLang="zh-CN" sz="2800" dirty="0"/>
+              <a:t> + </a:t>
+            </a:r>
+            <a:r>
+              <a:rPr lang="el-GR" altLang="zh-CN" sz="2800" dirty="0"/>
+              <a:t>β</a:t>
+            </a:r>
+            <a:r>
+              <a:rPr lang="el-GR" altLang="zh-CN" sz="2800" baseline="-25000" dirty="0"/>
+              <a:t>1,</a:t>
+            </a:r>
+            <a:r>
+              <a:rPr lang="en-US" altLang="zh-CN" sz="2800" baseline="-25000" dirty="0"/>
+              <a:t>soil[</a:t>
+            </a:r>
+            <a:r>
+              <a:rPr lang="en-US" altLang="zh-CN" sz="2800" baseline="-25000" dirty="0" err="1"/>
+              <a:t>i</a:t>
+            </a:r>
+            <a:r>
+              <a:rPr lang="en-US" altLang="zh-CN" sz="2800" baseline="-25000" dirty="0"/>
+              <a:t>]</a:t>
+            </a:r>
+            <a:r>
+              <a:rPr lang="en-US" altLang="zh-CN" sz="2800" dirty="0"/>
+              <a:t>​⋅Trait</a:t>
+            </a:r>
+            <a:r>
+              <a:rPr lang="en-US" altLang="zh-CN" sz="2800" baseline="-25000" dirty="0"/>
+              <a:t>1,i​</a:t>
+            </a:r>
+            <a:r>
+              <a:rPr lang="en-US" altLang="zh-CN" sz="2800" dirty="0"/>
+              <a:t>+</a:t>
+            </a:r>
+            <a:r>
+              <a:rPr lang="el-GR" altLang="zh-CN" sz="2800" dirty="0"/>
+              <a:t>β</a:t>
+            </a:r>
+            <a:r>
+              <a:rPr lang="el-GR" altLang="zh-CN" sz="2800" baseline="-25000" dirty="0"/>
+              <a:t>2,</a:t>
+            </a:r>
+            <a:r>
+              <a:rPr lang="en-US" altLang="zh-CN" sz="2800" baseline="-25000" dirty="0"/>
+              <a:t>soil[</a:t>
+            </a:r>
+            <a:r>
+              <a:rPr lang="en-US" altLang="zh-CN" sz="2800" baseline="-25000" dirty="0" err="1"/>
+              <a:t>i</a:t>
+            </a:r>
+            <a:r>
+              <a:rPr lang="en-US" altLang="zh-CN" sz="2800" baseline="-25000" dirty="0"/>
+              <a:t>]</a:t>
+            </a:r>
+            <a:r>
+              <a:rPr lang="en-US" altLang="zh-CN" sz="2800" dirty="0"/>
+              <a:t>​⋅Trait</a:t>
+            </a:r>
+            <a:r>
+              <a:rPr lang="en-US" altLang="zh-CN" sz="2800" baseline="-25000" dirty="0"/>
+              <a:t>2,i​</a:t>
+            </a:r>
+            <a:r>
+              <a:rPr lang="en-US" altLang="zh-CN" sz="2800" dirty="0"/>
+              <a:t>+</a:t>
+            </a:r>
+            <a:r>
+              <a:rPr lang="el-GR" altLang="zh-CN" sz="2800" dirty="0"/>
+              <a:t>β</a:t>
+            </a:r>
+            <a:r>
+              <a:rPr lang="el-GR" altLang="zh-CN" sz="2800" baseline="-25000" dirty="0"/>
+              <a:t>3,</a:t>
+            </a:r>
+            <a:r>
+              <a:rPr lang="en-US" altLang="zh-CN" sz="2800" baseline="-25000" dirty="0"/>
+              <a:t>soil[</a:t>
+            </a:r>
+            <a:r>
+              <a:rPr lang="en-US" altLang="zh-CN" sz="2800" baseline="-25000" dirty="0" err="1"/>
+              <a:t>i</a:t>
+            </a:r>
+            <a:r>
+              <a:rPr lang="en-US" altLang="zh-CN" sz="2800" baseline="-25000" dirty="0"/>
+              <a:t>]</a:t>
+            </a:r>
+            <a:r>
+              <a:rPr lang="en-US" altLang="zh-CN" sz="2800" dirty="0"/>
+              <a:t>​⋅Trait</a:t>
+            </a:r>
+            <a:r>
+              <a:rPr lang="en-US" altLang="zh-CN" sz="2800" baseline="-25000" dirty="0"/>
+              <a:t>3,i​ </a:t>
+            </a:r>
+          </a:p>
+          <a:p>
+            <a:pPr>
+              <a:buNone/>
+            </a:pPr>
+            <a:endParaRPr lang="en-US" altLang="zh-CN" sz="2800" baseline="-25000" dirty="0"/>
+          </a:p>
+          <a:p>
+            <a:pPr>
+              <a:buNone/>
+            </a:pPr>
+            <a:endParaRPr lang="en-US" altLang="zh-CN" sz="2800" baseline="-25000" dirty="0"/>
+          </a:p>
+          <a:p>
+            <a:pPr>
+              <a:buNone/>
+            </a:pPr>
+            <a:endParaRPr lang="en-US" altLang="zh-CN" sz="2800" dirty="0"/>
+          </a:p>
+          <a:p>
+            <a:pPr>
+              <a:buNone/>
+            </a:pPr>
+            <a:endParaRPr lang="en-US" altLang="zh-CN" sz="2800" dirty="0"/>
+          </a:p>
+        </p:txBody>
+      </p:sp>
+      <p:sp>
+        <p:nvSpPr>
+          <p:cNvPr id="2" name="TextBox 1">
+            <a:extLst>
+              <a:ext uri="{FF2B5EF4-FFF2-40B4-BE49-F238E27FC236}">
+                <a16:creationId xmlns:a16="http://schemas.microsoft.com/office/drawing/2014/main" id="{3E560BAC-071F-4324-5760-323FCD7DB166}"/>
+              </a:ext>
+            </a:extLst>
+          </p:cNvPr>
+          <p:cNvSpPr txBox="1"/>
+          <p:nvPr/>
+        </p:nvSpPr>
+        <p:spPr>
+          <a:xfrm>
+            <a:off x="1328057" y="4223657"/>
+            <a:ext cx="9263743" cy="1384995"/>
+          </a:xfrm>
+          <a:prstGeom prst="rect">
+            <a:avLst/>
+          </a:prstGeom>
+          <a:noFill/>
+        </p:spPr>
+        <p:txBody>
+          <a:bodyPr wrap="square" rtlCol="0">
+            <a:spAutoFit/>
+          </a:bodyPr>
+          <a:lstStyle/>
+          <a:p>
+            <a:r>
+              <a:rPr lang="en-US" altLang="zh-CN" sz="2800" dirty="0"/>
+              <a:t>Trait</a:t>
+            </a:r>
+            <a:r>
+              <a:rPr lang="en-US" altLang="zh-CN" sz="2800" baseline="-25000" dirty="0"/>
+              <a:t>1</a:t>
+            </a:r>
+            <a:r>
+              <a:rPr lang="en-US" altLang="zh-CN" sz="2800" dirty="0"/>
+              <a:t> : Seed size (continuous)</a:t>
+            </a:r>
+          </a:p>
+          <a:p>
+            <a:r>
+              <a:rPr lang="en-US" altLang="zh-CN" sz="2800" dirty="0"/>
+              <a:t>Trait</a:t>
+            </a:r>
+            <a:r>
+              <a:rPr lang="en-US" altLang="zh-CN" sz="2800" baseline="-25000" dirty="0"/>
+              <a:t>2</a:t>
+            </a:r>
+            <a:r>
+              <a:rPr lang="en-US" altLang="zh-CN" sz="2800" dirty="0"/>
+              <a:t> : Fruit size (continuous)</a:t>
+            </a:r>
+          </a:p>
+          <a:p>
+            <a:r>
+              <a:rPr lang="en-US" altLang="zh-CN" sz="2800" dirty="0"/>
+              <a:t>Trait</a:t>
+            </a:r>
+            <a:r>
+              <a:rPr lang="en-US" altLang="zh-CN" sz="2800" baseline="-25000" dirty="0"/>
+              <a:t>2</a:t>
+            </a:r>
+            <a:r>
+              <a:rPr lang="en-US" altLang="zh-CN" sz="2800" dirty="0"/>
+              <a:t> : Seed dormancy (categorical)</a:t>
+            </a:r>
+          </a:p>
+        </p:txBody>
+      </p:sp>
+    </p:spTree>
+    <p:extLst>
+      <p:ext uri="{BB962C8B-B14F-4D97-AF65-F5344CB8AC3E}">
+        <p14:creationId xmlns:p14="http://schemas.microsoft.com/office/powerpoint/2010/main" val="3632691482"/>
+      </p:ext>
+    </p:extLst>
+  </p:cSld>
+  <p:clrMapOvr>
+    <a:masterClrMapping/>
+  </p:clrMapOvr>
+</p:sld>
+</file>
+
+<file path=ppt/slides/slide11.xml><?xml version="1.0" encoding="utf-8"?>
 <p:sld xmlns:a="http://schemas.openxmlformats.org/drawingml/2006/main" xmlns:r="http://schemas.openxmlformats.org/officeDocument/2006/relationships" xmlns:p="http://schemas.openxmlformats.org/presentationml/2006/main">
   <p:cSld>
     <p:spTree>
@@ -3451,8 +6565,8 @@
         </p:nvSpPr>
         <p:spPr>
           <a:xfrm>
-            <a:off x="446314" y="1993487"/>
-            <a:ext cx="11299371" cy="2246769"/>
+            <a:off x="446314" y="1100859"/>
+            <a:ext cx="11299371" cy="4401205"/>
           </a:xfrm>
           <a:prstGeom prst="rect">
             <a:avLst/>
@@ -3471,7 +6585,7 @@
             </a:pPr>
             <a:r>
               <a:rPr lang="en-US" altLang="zh-CN" sz="2800" dirty="0"/>
-              <a:t>How to best model correlated traits?</a:t>
+              <a:t>How to incorporate species variation in the model?</a:t>
             </a:r>
           </a:p>
           <a:p>
@@ -3479,10 +6593,7 @@
               <a:buFont typeface="Arial" panose="020B0604020202020204" pitchFamily="34" charset="0"/>
               <a:buChar char="•"/>
             </a:pPr>
-            <a:r>
-              <a:rPr lang="en-US" altLang="zh-CN" sz="2800" dirty="0"/>
-              <a:t>What’s the best way to model variation in trait effects across climates?</a:t>
-            </a:r>
+            <a:endParaRPr lang="en-US" altLang="zh-CN" sz="2800" dirty="0"/>
           </a:p>
           <a:p>
             <a:pPr>
@@ -3491,8 +6602,32 @@
             </a:pPr>
             <a:r>
               <a:rPr lang="en-US" altLang="zh-CN" sz="2800" dirty="0"/>
-              <a:t>Should you include interaction terms or hierarchical slopes?</a:t>
-            </a:r>
+              <a:t>What’s the best way to model variation in trait effects across climates? Should I include interaction terms or hierarchical slopes?</a:t>
+            </a:r>
+          </a:p>
+          <a:p>
+            <a:pPr>
+              <a:buFont typeface="Arial" panose="020B0604020202020204" pitchFamily="34" charset="0"/>
+              <a:buChar char="•"/>
+            </a:pPr>
+            <a:endParaRPr lang="en-US" altLang="zh-CN" sz="2800" dirty="0"/>
+          </a:p>
+          <a:p>
+            <a:pPr>
+              <a:buFont typeface="Arial" panose="020B0604020202020204" pitchFamily="34" charset="0"/>
+              <a:buChar char="•"/>
+            </a:pPr>
+            <a:r>
+              <a:rPr lang="en-US" altLang="zh-CN" sz="2800" dirty="0"/>
+              <a:t>How to best model correlated traits? More specifically, how to model the fruit size, seed size for different fruit types?</a:t>
+            </a:r>
+          </a:p>
+          <a:p>
+            <a:pPr>
+              <a:buFont typeface="Arial" panose="020B0604020202020204" pitchFamily="34" charset="0"/>
+              <a:buChar char="•"/>
+            </a:pPr>
+            <a:endParaRPr lang="en-US" altLang="zh-CN" sz="2800" dirty="0"/>
           </a:p>
           <a:p>
             <a:pPr>
@@ -3832,10 +6967,10 @@
       </p:pic>
       <p:sp>
         <p:nvSpPr>
-          <p:cNvPr id="14" name="TextBox 13">
-            <a:extLst>
-              <a:ext uri="{FF2B5EF4-FFF2-40B4-BE49-F238E27FC236}">
-                <a16:creationId xmlns:a16="http://schemas.microsoft.com/office/drawing/2014/main" id="{504E9A1F-047C-935D-5D1A-4B7DEB9D7CD2}"/>
+          <p:cNvPr id="2" name="TextBox 1">
+            <a:extLst>
+              <a:ext uri="{FF2B5EF4-FFF2-40B4-BE49-F238E27FC236}">
+                <a16:creationId xmlns:a16="http://schemas.microsoft.com/office/drawing/2014/main" id="{29B0FB2E-4BBF-68DE-5DB9-2FF4C289220A}"/>
               </a:ext>
             </a:extLst>
           </p:cNvPr>
@@ -3844,7 +6979,7 @@
         </p:nvSpPr>
         <p:spPr>
           <a:xfrm>
-            <a:off x="2114389" y="918334"/>
+            <a:off x="2056171" y="918334"/>
             <a:ext cx="2641600" cy="369332"/>
           </a:xfrm>
           <a:prstGeom prst="rect">
@@ -3859,19 +6994,19 @@
           <a:lstStyle/>
           <a:p>
             <a:r>
-              <a:rPr lang="en-US" altLang="zh-CN" dirty="0"/>
+              <a:rPr lang="en-US" altLang="zh-CN" b="1" dirty="0"/>
               <a:t>Masting year</a:t>
             </a:r>
-            <a:endParaRPr lang="zh-CN" altLang="en-US" dirty="0"/>
-          </a:p>
-        </p:txBody>
-      </p:sp>
-      <p:sp>
-        <p:nvSpPr>
-          <p:cNvPr id="15" name="TextBox 14">
-            <a:extLst>
-              <a:ext uri="{FF2B5EF4-FFF2-40B4-BE49-F238E27FC236}">
-                <a16:creationId xmlns:a16="http://schemas.microsoft.com/office/drawing/2014/main" id="{6199B184-2B47-C477-F988-681291867A09}"/>
+            <a:endParaRPr lang="zh-CN" altLang="en-US" b="1" dirty="0"/>
+          </a:p>
+        </p:txBody>
+      </p:sp>
+      <p:sp>
+        <p:nvSpPr>
+          <p:cNvPr id="3" name="TextBox 2">
+            <a:extLst>
+              <a:ext uri="{FF2B5EF4-FFF2-40B4-BE49-F238E27FC236}">
+                <a16:creationId xmlns:a16="http://schemas.microsoft.com/office/drawing/2014/main" id="{04D7EB25-1C67-17C8-8ED8-28B435300DE2}"/>
               </a:ext>
             </a:extLst>
           </p:cNvPr>
@@ -3880,7 +7015,7 @@
         </p:nvSpPr>
         <p:spPr>
           <a:xfrm>
-            <a:off x="8546503" y="918334"/>
+            <a:off x="8502908" y="918334"/>
             <a:ext cx="2641600" cy="369332"/>
           </a:xfrm>
           <a:prstGeom prst="rect">
@@ -3895,10 +7030,10 @@
           <a:lstStyle/>
           <a:p>
             <a:r>
-              <a:rPr lang="en-US" altLang="zh-CN" dirty="0"/>
-              <a:t>Masting year+1</a:t>
-            </a:r>
-            <a:endParaRPr lang="zh-CN" altLang="en-US" dirty="0"/>
+              <a:rPr lang="en-US" altLang="zh-CN" b="1" dirty="0"/>
+              <a:t>Masting year + 1</a:t>
+            </a:r>
+            <a:endParaRPr lang="zh-CN" altLang="en-US" b="1" dirty="0"/>
           </a:p>
         </p:txBody>
       </p:sp>
@@ -4096,7 +7231,7 @@
         </p:nvSpPr>
         <p:spPr>
           <a:xfrm>
-            <a:off x="2114389" y="918334"/>
+            <a:off x="1918446" y="676685"/>
             <a:ext cx="2641600" cy="369332"/>
           </a:xfrm>
           <a:prstGeom prst="rect">
@@ -4111,10 +7246,10 @@
           <a:lstStyle/>
           <a:p>
             <a:r>
-              <a:rPr lang="en-US" altLang="zh-CN" dirty="0"/>
-              <a:t>Non masting year</a:t>
-            </a:r>
-            <a:endParaRPr lang="zh-CN" altLang="en-US" dirty="0"/>
+              <a:rPr lang="en-US" altLang="zh-CN" b="1" dirty="0"/>
+              <a:t>Non-masting year</a:t>
+            </a:r>
+            <a:endParaRPr lang="zh-CN" altLang="en-US" b="1" dirty="0"/>
           </a:p>
         </p:txBody>
       </p:sp>
@@ -4482,6 +7617,42 @@
           </a:prstGeom>
         </p:spPr>
       </p:pic>
+      <p:sp>
+        <p:nvSpPr>
+          <p:cNvPr id="2" name="TextBox 1">
+            <a:extLst>
+              <a:ext uri="{FF2B5EF4-FFF2-40B4-BE49-F238E27FC236}">
+                <a16:creationId xmlns:a16="http://schemas.microsoft.com/office/drawing/2014/main" id="{D8A44C28-6910-3F5C-82D9-979C538EE76A}"/>
+              </a:ext>
+            </a:extLst>
+          </p:cNvPr>
+          <p:cNvSpPr txBox="1"/>
+          <p:nvPr/>
+        </p:nvSpPr>
+        <p:spPr>
+          <a:xfrm>
+            <a:off x="8727834" y="590442"/>
+            <a:ext cx="2641600" cy="369332"/>
+          </a:xfrm>
+          <a:prstGeom prst="rect">
+            <a:avLst/>
+          </a:prstGeom>
+          <a:noFill/>
+        </p:spPr>
+        <p:txBody>
+          <a:bodyPr wrap="square" rtlCol="0">
+            <a:spAutoFit/>
+          </a:bodyPr>
+          <a:lstStyle/>
+          <a:p>
+            <a:r>
+              <a:rPr lang="en-US" altLang="zh-CN" b="1" dirty="0"/>
+              <a:t>Masting year</a:t>
+            </a:r>
+            <a:endParaRPr lang="zh-CN" altLang="en-US" b="1" dirty="0"/>
+          </a:p>
+        </p:txBody>
+      </p:sp>
     </p:spTree>
     <p:extLst>
       <p:ext uri="{BB962C8B-B14F-4D97-AF65-F5344CB8AC3E}">
@@ -4546,14 +7717,122 @@
         </p:blipFill>
         <p:spPr>
           <a:xfrm>
-            <a:off x="0" y="35624"/>
-            <a:ext cx="12192000" cy="6798655"/>
+            <a:off x="5790759" y="2449286"/>
+            <a:ext cx="6401241" cy="4408713"/>
           </a:xfrm>
           <a:prstGeom prst="rect">
             <a:avLst/>
           </a:prstGeom>
         </p:spPr>
       </p:pic>
+      <p:pic>
+        <p:nvPicPr>
+          <p:cNvPr id="3" name="Picture 2" descr="A tree branches with text and leaves&#10;&#10;AI-generated content may be incorrect.">
+            <a:extLst>
+              <a:ext uri="{FF2B5EF4-FFF2-40B4-BE49-F238E27FC236}">
+                <a16:creationId xmlns:a16="http://schemas.microsoft.com/office/drawing/2014/main" id="{D1ABC482-7C8D-1F35-85AB-586AF5D19B1C}"/>
+              </a:ext>
+            </a:extLst>
+          </p:cNvPr>
+          <p:cNvPicPr>
+            <a:picLocks noChangeAspect="1"/>
+          </p:cNvPicPr>
+          <p:nvPr/>
+        </p:nvPicPr>
+        <p:blipFill>
+          <a:blip r:embed="rId3">
+            <a:extLst>
+              <a:ext uri="{28A0092B-C50C-407E-A947-70E740481C1C}">
+                <a14:useLocalDpi xmlns:a14="http://schemas.microsoft.com/office/drawing/2010/main" val="0"/>
+              </a:ext>
+            </a:extLst>
+          </a:blip>
+          <a:stretch>
+            <a:fillRect/>
+          </a:stretch>
+        </p:blipFill>
+        <p:spPr>
+          <a:xfrm>
+            <a:off x="7476" y="2449286"/>
+            <a:ext cx="5783283" cy="4408712"/>
+          </a:xfrm>
+          <a:prstGeom prst="rect">
+            <a:avLst/>
+          </a:prstGeom>
+        </p:spPr>
+      </p:pic>
+      <p:sp>
+        <p:nvSpPr>
+          <p:cNvPr id="4" name="TextBox 3">
+            <a:extLst>
+              <a:ext uri="{FF2B5EF4-FFF2-40B4-BE49-F238E27FC236}">
+                <a16:creationId xmlns:a16="http://schemas.microsoft.com/office/drawing/2014/main" id="{0B80F79E-E18B-30AB-28A6-7972FC21DAC9}"/>
+              </a:ext>
+            </a:extLst>
+          </p:cNvPr>
+          <p:cNvSpPr txBox="1"/>
+          <p:nvPr/>
+        </p:nvSpPr>
+        <p:spPr>
+          <a:xfrm>
+            <a:off x="1918446" y="676685"/>
+            <a:ext cx="2641600" cy="369332"/>
+          </a:xfrm>
+          <a:prstGeom prst="rect">
+            <a:avLst/>
+          </a:prstGeom>
+          <a:noFill/>
+        </p:spPr>
+        <p:txBody>
+          <a:bodyPr wrap="square" rtlCol="0">
+            <a:spAutoFit/>
+          </a:bodyPr>
+          <a:lstStyle/>
+          <a:p>
+            <a:r>
+              <a:rPr lang="en-US" altLang="zh-CN" b="1" dirty="0"/>
+              <a:t>Non-masting year</a:t>
+            </a:r>
+            <a:endParaRPr lang="zh-CN" altLang="en-US" b="1" dirty="0"/>
+          </a:p>
+        </p:txBody>
+      </p:sp>
+      <p:sp>
+        <p:nvSpPr>
+          <p:cNvPr id="5" name="TextBox 4">
+            <a:extLst>
+              <a:ext uri="{FF2B5EF4-FFF2-40B4-BE49-F238E27FC236}">
+                <a16:creationId xmlns:a16="http://schemas.microsoft.com/office/drawing/2014/main" id="{430A10C9-663F-B011-5FAA-34E96351AF29}"/>
+              </a:ext>
+            </a:extLst>
+          </p:cNvPr>
+          <p:cNvSpPr txBox="1"/>
+          <p:nvPr/>
+        </p:nvSpPr>
+        <p:spPr>
+          <a:xfrm>
+            <a:off x="8727834" y="590442"/>
+            <a:ext cx="2641600" cy="369332"/>
+          </a:xfrm>
+          <a:prstGeom prst="rect">
+            <a:avLst/>
+          </a:prstGeom>
+          <a:noFill/>
+        </p:spPr>
+        <p:txBody>
+          <a:bodyPr wrap="square" rtlCol="0">
+            <a:spAutoFit/>
+          </a:bodyPr>
+          <a:lstStyle/>
+          <a:p>
+            <a:r>
+              <a:rPr lang="en-US" altLang="zh-CN" b="1" dirty="0"/>
+              <a:t>Masting year</a:t>
+            </a:r>
+            <a:endParaRPr lang="zh-CN" altLang="en-US" b="1" dirty="0"/>
+          </a:p>
+        </p:txBody>
+      </p:sp>
     </p:spTree>
     <p:extLst>
       <p:ext uri="{BB962C8B-B14F-4D97-AF65-F5344CB8AC3E}">
@@ -4592,10 +7871,10 @@
       </p:grpSpPr>
       <p:pic>
         <p:nvPicPr>
-          <p:cNvPr id="3" name="Picture 2" descr="A green tree with a white background&#10;&#10;AI-generated content may be incorrect.">
-            <a:extLst>
-              <a:ext uri="{FF2B5EF4-FFF2-40B4-BE49-F238E27FC236}">
-                <a16:creationId xmlns:a16="http://schemas.microsoft.com/office/drawing/2014/main" id="{ECFC52B0-8436-A15B-F74A-C62748957BB5}"/>
+          <p:cNvPr id="4" name="Picture 3" descr="A green tree with a white background&#10;&#10;AI-generated content may be incorrect.">
+            <a:extLst>
+              <a:ext uri="{FF2B5EF4-FFF2-40B4-BE49-F238E27FC236}">
+                <a16:creationId xmlns:a16="http://schemas.microsoft.com/office/drawing/2014/main" id="{2CB000CC-D59B-3580-7114-92F293172DCC}"/>
               </a:ext>
             </a:extLst>
           </p:cNvPr>
@@ -4605,7 +7884,7 @@
           <p:nvPr/>
         </p:nvPicPr>
         <p:blipFill>
-          <a:blip r:embed="rId2">
+          <a:blip r:embed="rId3">
             <a:extLst>
               <a:ext uri="{28A0092B-C50C-407E-A947-70E740481C1C}">
                 <a14:useLocalDpi xmlns:a14="http://schemas.microsoft.com/office/drawing/2010/main" val="0"/>
@@ -4619,44 +7898,7 @@
         </p:blipFill>
         <p:spPr>
           <a:xfrm>
-            <a:off x="489033" y="2256312"/>
-            <a:ext cx="2857501" cy="4061362"/>
-          </a:xfrm>
-          <a:prstGeom prst="rect">
-            <a:avLst/>
-          </a:prstGeom>
-        </p:spPr>
-      </p:pic>
-      <p:pic>
-        <p:nvPicPr>
-          <p:cNvPr id="4" name="Picture 3" descr="A green tree with a white background&#10;&#10;AI-generated content may be incorrect.">
-            <a:extLst>
-              <a:ext uri="{FF2B5EF4-FFF2-40B4-BE49-F238E27FC236}">
-                <a16:creationId xmlns:a16="http://schemas.microsoft.com/office/drawing/2014/main" id="{2CB000CC-D59B-3580-7114-92F293172DCC}"/>
-              </a:ext>
-            </a:extLst>
-          </p:cNvPr>
-          <p:cNvPicPr>
-            <a:picLocks noChangeAspect="1"/>
-          </p:cNvPicPr>
-          <p:nvPr/>
-        </p:nvPicPr>
-        <p:blipFill>
-          <a:blip r:embed="rId2">
-            <a:extLst>
-              <a:ext uri="{28A0092B-C50C-407E-A947-70E740481C1C}">
-                <a14:useLocalDpi xmlns:a14="http://schemas.microsoft.com/office/drawing/2010/main" val="0"/>
-              </a:ext>
-            </a:extLst>
-          </a:blip>
-          <a:srcRect b="7879"/>
-          <a:stretch>
-            <a:fillRect/>
-          </a:stretch>
-        </p:blipFill>
-        <p:spPr>
-          <a:xfrm>
-            <a:off x="3116068" y="1653640"/>
+            <a:off x="7918640" y="2193966"/>
             <a:ext cx="3281530" cy="4664034"/>
           </a:xfrm>
           <a:prstGeom prst="rect">
@@ -4679,7 +7921,7 @@
           <p:nvPr/>
         </p:nvPicPr>
         <p:blipFill>
-          <a:blip r:embed="rId3">
+          <a:blip r:embed="rId4">
             <a:extLst>
               <a:ext uri="{28A0092B-C50C-407E-A947-70E740481C1C}">
                 <a14:useLocalDpi xmlns:a14="http://schemas.microsoft.com/office/drawing/2010/main" val="0"/>
@@ -4693,7 +7935,7 @@
         </p:blipFill>
         <p:spPr bwMode="auto">
           <a:xfrm>
-            <a:off x="4487182" y="3429000"/>
+            <a:off x="9293729" y="4012322"/>
             <a:ext cx="305344" cy="391886"/>
           </a:xfrm>
           <a:prstGeom prst="rect">
@@ -4726,7 +7968,7 @@
           <p:nvPr/>
         </p:nvPicPr>
         <p:blipFill>
-          <a:blip r:embed="rId3">
+          <a:blip r:embed="rId4">
             <a:extLst>
               <a:ext uri="{28A0092B-C50C-407E-A947-70E740481C1C}">
                 <a14:useLocalDpi xmlns:a14="http://schemas.microsoft.com/office/drawing/2010/main" val="0"/>
@@ -4740,7 +7982,7 @@
         </p:blipFill>
         <p:spPr bwMode="auto">
           <a:xfrm>
-            <a:off x="4872066" y="4091050"/>
+            <a:off x="9678613" y="4674372"/>
             <a:ext cx="305344" cy="391886"/>
           </a:xfrm>
           <a:prstGeom prst="rect">
@@ -4773,7 +8015,7 @@
           <p:nvPr/>
         </p:nvPicPr>
         <p:blipFill>
-          <a:blip r:embed="rId3">
+          <a:blip r:embed="rId4">
             <a:extLst>
               <a:ext uri="{28A0092B-C50C-407E-A947-70E740481C1C}">
                 <a14:useLocalDpi xmlns:a14="http://schemas.microsoft.com/office/drawing/2010/main" val="0"/>
@@ -4787,7 +8029,7 @@
         </p:blipFill>
         <p:spPr bwMode="auto">
           <a:xfrm>
-            <a:off x="4252858" y="4512625"/>
+            <a:off x="9059405" y="5095947"/>
             <a:ext cx="305344" cy="391886"/>
           </a:xfrm>
           <a:prstGeom prst="rect">
@@ -4820,7 +8062,7 @@
           <p:nvPr/>
         </p:nvPicPr>
         <p:blipFill>
-          <a:blip r:embed="rId3">
+          <a:blip r:embed="rId4">
             <a:extLst>
               <a:ext uri="{28A0092B-C50C-407E-A947-70E740481C1C}">
                 <a14:useLocalDpi xmlns:a14="http://schemas.microsoft.com/office/drawing/2010/main" val="0"/>
@@ -4834,7 +8076,7 @@
         </p:blipFill>
         <p:spPr bwMode="auto">
           <a:xfrm>
-            <a:off x="5163844" y="4812475"/>
+            <a:off x="9970391" y="5395797"/>
             <a:ext cx="305344" cy="391886"/>
           </a:xfrm>
           <a:prstGeom prst="rect">
@@ -4854,10 +8096,10 @@
       </p:pic>
       <p:pic>
         <p:nvPicPr>
-          <p:cNvPr id="8" name="Picture 7" descr="A green tree with a white background&#10;&#10;AI-generated content may be incorrect.">
-            <a:extLst>
-              <a:ext uri="{FF2B5EF4-FFF2-40B4-BE49-F238E27FC236}">
-                <a16:creationId xmlns:a16="http://schemas.microsoft.com/office/drawing/2014/main" id="{077EC7D6-5501-4C7C-CCE6-59F6CD6B8820}"/>
+          <p:cNvPr id="9" name="Picture 8" descr="A green tree with a white background&#10;&#10;AI-generated content may be incorrect.">
+            <a:extLst>
+              <a:ext uri="{FF2B5EF4-FFF2-40B4-BE49-F238E27FC236}">
+                <a16:creationId xmlns:a16="http://schemas.microsoft.com/office/drawing/2014/main" id="{074C61FA-28B2-C91E-E55E-9E0141EDEEFB}"/>
               </a:ext>
             </a:extLst>
           </p:cNvPr>
@@ -4867,7 +8109,7 @@
           <p:nvPr/>
         </p:nvPicPr>
         <p:blipFill>
-          <a:blip r:embed="rId2">
+          <a:blip r:embed="rId3">
             <a:extLst>
               <a:ext uri="{28A0092B-C50C-407E-A947-70E740481C1C}">
                 <a14:useLocalDpi xmlns:a14="http://schemas.microsoft.com/office/drawing/2010/main" val="0"/>
@@ -4881,44 +8123,7 @@
         </p:blipFill>
         <p:spPr>
           <a:xfrm>
-            <a:off x="6481962" y="2256312"/>
-            <a:ext cx="2857501" cy="4061362"/>
-          </a:xfrm>
-          <a:prstGeom prst="rect">
-            <a:avLst/>
-          </a:prstGeom>
-        </p:spPr>
-      </p:pic>
-      <p:pic>
-        <p:nvPicPr>
-          <p:cNvPr id="9" name="Picture 8" descr="A green tree with a white background&#10;&#10;AI-generated content may be incorrect.">
-            <a:extLst>
-              <a:ext uri="{FF2B5EF4-FFF2-40B4-BE49-F238E27FC236}">
-                <a16:creationId xmlns:a16="http://schemas.microsoft.com/office/drawing/2014/main" id="{074C61FA-28B2-C91E-E55E-9E0141EDEEFB}"/>
-              </a:ext>
-            </a:extLst>
-          </p:cNvPr>
-          <p:cNvPicPr>
-            <a:picLocks noChangeAspect="1"/>
-          </p:cNvPicPr>
-          <p:nvPr/>
-        </p:nvPicPr>
-        <p:blipFill>
-          <a:blip r:embed="rId2">
-            <a:extLst>
-              <a:ext uri="{28A0092B-C50C-407E-A947-70E740481C1C}">
-                <a14:useLocalDpi xmlns:a14="http://schemas.microsoft.com/office/drawing/2010/main" val="0"/>
-              </a:ext>
-            </a:extLst>
-          </a:blip>
-          <a:srcRect b="7879"/>
-          <a:stretch>
-            <a:fillRect/>
-          </a:stretch>
-        </p:blipFill>
-        <p:spPr>
-          <a:xfrm>
-            <a:off x="9423827" y="2256312"/>
+            <a:off x="1853777" y="2796638"/>
             <a:ext cx="2857501" cy="4061362"/>
           </a:xfrm>
           <a:prstGeom prst="rect">
@@ -4941,7 +8146,7 @@
           <p:nvPr/>
         </p:nvPicPr>
         <p:blipFill>
-          <a:blip r:embed="rId3">
+          <a:blip r:embed="rId4">
             <a:extLst>
               <a:ext uri="{28A0092B-C50C-407E-A947-70E740481C1C}">
                 <a14:useLocalDpi xmlns:a14="http://schemas.microsoft.com/office/drawing/2010/main" val="0"/>
@@ -4955,7 +8160,7 @@
         </p:blipFill>
         <p:spPr bwMode="auto">
           <a:xfrm>
-            <a:off x="4405530" y="4940138"/>
+            <a:off x="9212077" y="5523460"/>
             <a:ext cx="305344" cy="391886"/>
           </a:xfrm>
           <a:prstGeom prst="rect">
@@ -4988,7 +8193,7 @@
           <p:nvPr/>
         </p:nvPicPr>
         <p:blipFill>
-          <a:blip r:embed="rId3">
+          <a:blip r:embed="rId4">
             <a:extLst>
               <a:ext uri="{28A0092B-C50C-407E-A947-70E740481C1C}">
                 <a14:useLocalDpi xmlns:a14="http://schemas.microsoft.com/office/drawing/2010/main" val="0"/>
@@ -5002,7 +8207,7 @@
         </p:blipFill>
         <p:spPr bwMode="auto">
           <a:xfrm>
-            <a:off x="4639854" y="2805548"/>
+            <a:off x="9446401" y="3388870"/>
             <a:ext cx="305344" cy="391886"/>
           </a:xfrm>
           <a:prstGeom prst="rect">
@@ -5035,7 +8240,7 @@
           <p:nvPr/>
         </p:nvPicPr>
         <p:blipFill>
-          <a:blip r:embed="rId3">
+          <a:blip r:embed="rId4">
             <a:extLst>
               <a:ext uri="{28A0092B-C50C-407E-A947-70E740481C1C}">
                 <a14:useLocalDpi xmlns:a14="http://schemas.microsoft.com/office/drawing/2010/main" val="0"/>
@@ -5049,7 +8254,7 @@
         </p:blipFill>
         <p:spPr bwMode="auto">
           <a:xfrm>
-            <a:off x="3905332" y="4120739"/>
+            <a:off x="8711879" y="4704061"/>
             <a:ext cx="305344" cy="391886"/>
           </a:xfrm>
           <a:prstGeom prst="rect">
@@ -5082,7 +8287,7 @@
           <p:nvPr/>
         </p:nvPicPr>
         <p:blipFill>
-          <a:blip r:embed="rId3">
+          <a:blip r:embed="rId4">
             <a:extLst>
               <a:ext uri="{28A0092B-C50C-407E-A947-70E740481C1C}">
                 <a14:useLocalDpi xmlns:a14="http://schemas.microsoft.com/office/drawing/2010/main" val="0"/>
@@ -5096,7 +8301,7 @@
         </p:blipFill>
         <p:spPr bwMode="auto">
           <a:xfrm>
-            <a:off x="10699905" y="3785262"/>
+            <a:off x="3129855" y="4325588"/>
             <a:ext cx="305344" cy="391886"/>
           </a:xfrm>
           <a:prstGeom prst="rect">
@@ -5129,7 +8334,7 @@
           <p:nvPr/>
         </p:nvPicPr>
         <p:blipFill>
-          <a:blip r:embed="rId3">
+          <a:blip r:embed="rId4">
             <a:extLst>
               <a:ext uri="{28A0092B-C50C-407E-A947-70E740481C1C}">
                 <a14:useLocalDpi xmlns:a14="http://schemas.microsoft.com/office/drawing/2010/main" val="0"/>
@@ -5143,7 +8348,7 @@
         </p:blipFill>
         <p:spPr bwMode="auto">
           <a:xfrm>
-            <a:off x="10392639" y="4744195"/>
+            <a:off x="2822589" y="5284521"/>
             <a:ext cx="305344" cy="391886"/>
           </a:xfrm>
           <a:prstGeom prst="rect">
@@ -5176,7 +8381,7 @@
           <p:nvPr/>
         </p:nvPicPr>
         <p:blipFill>
-          <a:blip r:embed="rId3">
+          <a:blip r:embed="rId4">
             <a:extLst>
               <a:ext uri="{28A0092B-C50C-407E-A947-70E740481C1C}">
                 <a14:useLocalDpi xmlns:a14="http://schemas.microsoft.com/office/drawing/2010/main" val="0"/>
@@ -5190,7 +8395,7 @@
         </p:blipFill>
         <p:spPr bwMode="auto">
           <a:xfrm>
-            <a:off x="11031639" y="4904511"/>
+            <a:off x="3461589" y="5444837"/>
             <a:ext cx="305344" cy="391886"/>
           </a:xfrm>
           <a:prstGeom prst="rect">
@@ -5208,6 +8413,360 @@
           </a:extLst>
         </p:spPr>
       </p:pic>
+      <p:sp>
+        <p:nvSpPr>
+          <p:cNvPr id="2" name="Sun 1">
+            <a:extLst>
+              <a:ext uri="{FF2B5EF4-FFF2-40B4-BE49-F238E27FC236}">
+                <a16:creationId xmlns:a16="http://schemas.microsoft.com/office/drawing/2014/main" id="{D459094A-B244-5224-08F2-17F362CDB058}"/>
+              </a:ext>
+            </a:extLst>
+          </p:cNvPr>
+          <p:cNvSpPr/>
+          <p:nvPr/>
+        </p:nvSpPr>
+        <p:spPr>
+          <a:xfrm>
+            <a:off x="6993536" y="2528462"/>
+            <a:ext cx="1741714" cy="1665514"/>
+          </a:xfrm>
+          <a:prstGeom prst="sun">
+            <a:avLst/>
+          </a:prstGeom>
+          <a:solidFill>
+            <a:srgbClr val="FFC000"/>
+          </a:solidFill>
+        </p:spPr>
+        <p:style>
+          <a:lnRef idx="2">
+            <a:schemeClr val="accent1">
+              <a:shade val="15000"/>
+            </a:schemeClr>
+          </a:lnRef>
+          <a:fillRef idx="1">
+            <a:schemeClr val="accent1"/>
+          </a:fillRef>
+          <a:effectRef idx="0">
+            <a:schemeClr val="accent1"/>
+          </a:effectRef>
+          <a:fontRef idx="minor">
+            <a:schemeClr val="lt1"/>
+          </a:fontRef>
+        </p:style>
+        <p:txBody>
+          <a:bodyPr rtlCol="0" anchor="ctr"/>
+          <a:lstStyle/>
+          <a:p>
+            <a:pPr algn="ctr"/>
+            <a:endParaRPr lang="zh-CN" altLang="en-US"/>
+          </a:p>
+        </p:txBody>
+      </p:sp>
+      <p:sp>
+        <p:nvSpPr>
+          <p:cNvPr id="17" name="Teardrop 16">
+            <a:extLst>
+              <a:ext uri="{FF2B5EF4-FFF2-40B4-BE49-F238E27FC236}">
+                <a16:creationId xmlns:a16="http://schemas.microsoft.com/office/drawing/2014/main" id="{6B2F578B-0167-419D-4B56-751AA14A9BE6}"/>
+              </a:ext>
+            </a:extLst>
+          </p:cNvPr>
+          <p:cNvSpPr/>
+          <p:nvPr/>
+        </p:nvSpPr>
+        <p:spPr>
+          <a:xfrm rot="18808756">
+            <a:off x="10486990" y="2766638"/>
+            <a:ext cx="377327" cy="337353"/>
+          </a:xfrm>
+          <a:prstGeom prst="teardrop">
+            <a:avLst/>
+          </a:prstGeom>
+        </p:spPr>
+        <p:style>
+          <a:lnRef idx="2">
+            <a:schemeClr val="accent1">
+              <a:shade val="15000"/>
+            </a:schemeClr>
+          </a:lnRef>
+          <a:fillRef idx="1">
+            <a:schemeClr val="accent1"/>
+          </a:fillRef>
+          <a:effectRef idx="0">
+            <a:schemeClr val="accent1"/>
+          </a:effectRef>
+          <a:fontRef idx="minor">
+            <a:schemeClr val="lt1"/>
+          </a:fontRef>
+        </p:style>
+        <p:txBody>
+          <a:bodyPr rtlCol="0" anchor="ctr"/>
+          <a:lstStyle/>
+          <a:p>
+            <a:pPr algn="ctr"/>
+            <a:endParaRPr lang="zh-CN" altLang="en-US"/>
+          </a:p>
+        </p:txBody>
+      </p:sp>
+      <p:sp>
+        <p:nvSpPr>
+          <p:cNvPr id="18" name="Teardrop 17">
+            <a:extLst>
+              <a:ext uri="{FF2B5EF4-FFF2-40B4-BE49-F238E27FC236}">
+                <a16:creationId xmlns:a16="http://schemas.microsoft.com/office/drawing/2014/main" id="{D2373986-0F33-2C9C-5F07-8E671F7A89D6}"/>
+              </a:ext>
+            </a:extLst>
+          </p:cNvPr>
+          <p:cNvSpPr/>
+          <p:nvPr/>
+        </p:nvSpPr>
+        <p:spPr>
+          <a:xfrm rot="18808756">
+            <a:off x="11563899" y="2513673"/>
+            <a:ext cx="377327" cy="337353"/>
+          </a:xfrm>
+          <a:prstGeom prst="teardrop">
+            <a:avLst/>
+          </a:prstGeom>
+        </p:spPr>
+        <p:style>
+          <a:lnRef idx="2">
+            <a:schemeClr val="accent1">
+              <a:shade val="15000"/>
+            </a:schemeClr>
+          </a:lnRef>
+          <a:fillRef idx="1">
+            <a:schemeClr val="accent1"/>
+          </a:fillRef>
+          <a:effectRef idx="0">
+            <a:schemeClr val="accent1"/>
+          </a:effectRef>
+          <a:fontRef idx="minor">
+            <a:schemeClr val="lt1"/>
+          </a:fontRef>
+        </p:style>
+        <p:txBody>
+          <a:bodyPr rtlCol="0" anchor="ctr"/>
+          <a:lstStyle/>
+          <a:p>
+            <a:pPr algn="ctr"/>
+            <a:endParaRPr lang="zh-CN" altLang="en-US"/>
+          </a:p>
+        </p:txBody>
+      </p:sp>
+      <p:sp>
+        <p:nvSpPr>
+          <p:cNvPr id="19" name="Sun 18">
+            <a:extLst>
+              <a:ext uri="{FF2B5EF4-FFF2-40B4-BE49-F238E27FC236}">
+                <a16:creationId xmlns:a16="http://schemas.microsoft.com/office/drawing/2014/main" id="{DAC89C8B-186C-DD9D-3E0F-666CFB08B3A2}"/>
+              </a:ext>
+            </a:extLst>
+          </p:cNvPr>
+          <p:cNvSpPr/>
+          <p:nvPr/>
+        </p:nvSpPr>
+        <p:spPr>
+          <a:xfrm>
+            <a:off x="737280" y="2282980"/>
+            <a:ext cx="1741714" cy="1665514"/>
+          </a:xfrm>
+          <a:prstGeom prst="sun">
+            <a:avLst/>
+          </a:prstGeom>
+          <a:solidFill>
+            <a:srgbClr val="FFC000"/>
+          </a:solidFill>
+        </p:spPr>
+        <p:style>
+          <a:lnRef idx="2">
+            <a:schemeClr val="accent1">
+              <a:shade val="15000"/>
+            </a:schemeClr>
+          </a:lnRef>
+          <a:fillRef idx="1">
+            <a:schemeClr val="accent1"/>
+          </a:fillRef>
+          <a:effectRef idx="0">
+            <a:schemeClr val="accent1"/>
+          </a:effectRef>
+          <a:fontRef idx="minor">
+            <a:schemeClr val="lt1"/>
+          </a:fontRef>
+        </p:style>
+        <p:txBody>
+          <a:bodyPr rtlCol="0" anchor="ctr"/>
+          <a:lstStyle/>
+          <a:p>
+            <a:pPr algn="ctr"/>
+            <a:endParaRPr lang="zh-CN" altLang="en-US"/>
+          </a:p>
+        </p:txBody>
+      </p:sp>
+      <p:sp>
+        <p:nvSpPr>
+          <p:cNvPr id="13" name="Cloud 12">
+            <a:extLst>
+              <a:ext uri="{FF2B5EF4-FFF2-40B4-BE49-F238E27FC236}">
+                <a16:creationId xmlns:a16="http://schemas.microsoft.com/office/drawing/2014/main" id="{79E97404-C318-DCB6-DD41-A0EC6FA79BFB}"/>
+              </a:ext>
+            </a:extLst>
+          </p:cNvPr>
+          <p:cNvSpPr/>
+          <p:nvPr/>
+        </p:nvSpPr>
+        <p:spPr>
+          <a:xfrm>
+            <a:off x="328245" y="3031173"/>
+            <a:ext cx="1525532" cy="938153"/>
+          </a:xfrm>
+          <a:prstGeom prst="cloud">
+            <a:avLst/>
+          </a:prstGeom>
+        </p:spPr>
+        <p:style>
+          <a:lnRef idx="2">
+            <a:schemeClr val="accent1">
+              <a:shade val="15000"/>
+            </a:schemeClr>
+          </a:lnRef>
+          <a:fillRef idx="1">
+            <a:schemeClr val="accent1"/>
+          </a:fillRef>
+          <a:effectRef idx="0">
+            <a:schemeClr val="accent1"/>
+          </a:effectRef>
+          <a:fontRef idx="minor">
+            <a:schemeClr val="lt1"/>
+          </a:fontRef>
+        </p:style>
+        <p:txBody>
+          <a:bodyPr rtlCol="0" anchor="ctr"/>
+          <a:lstStyle/>
+          <a:p>
+            <a:pPr algn="ctr"/>
+            <a:endParaRPr lang="zh-CN" altLang="en-US"/>
+          </a:p>
+        </p:txBody>
+      </p:sp>
+      <p:sp>
+        <p:nvSpPr>
+          <p:cNvPr id="20" name="Cloud 19">
+            <a:extLst>
+              <a:ext uri="{FF2B5EF4-FFF2-40B4-BE49-F238E27FC236}">
+                <a16:creationId xmlns:a16="http://schemas.microsoft.com/office/drawing/2014/main" id="{DF0F2AAA-99F3-4E6B-64AD-DB8867B8E6BD}"/>
+              </a:ext>
+            </a:extLst>
+          </p:cNvPr>
+          <p:cNvSpPr/>
+          <p:nvPr/>
+        </p:nvSpPr>
+        <p:spPr>
+          <a:xfrm>
+            <a:off x="10423440" y="1365604"/>
+            <a:ext cx="1525532" cy="938153"/>
+          </a:xfrm>
+          <a:prstGeom prst="cloud">
+            <a:avLst/>
+          </a:prstGeom>
+        </p:spPr>
+        <p:style>
+          <a:lnRef idx="2">
+            <a:schemeClr val="accent1">
+              <a:shade val="15000"/>
+            </a:schemeClr>
+          </a:lnRef>
+          <a:fillRef idx="1">
+            <a:schemeClr val="accent1"/>
+          </a:fillRef>
+          <a:effectRef idx="0">
+            <a:schemeClr val="accent1"/>
+          </a:effectRef>
+          <a:fontRef idx="minor">
+            <a:schemeClr val="lt1"/>
+          </a:fontRef>
+        </p:style>
+        <p:txBody>
+          <a:bodyPr rtlCol="0" anchor="ctr"/>
+          <a:lstStyle/>
+          <a:p>
+            <a:pPr algn="ctr"/>
+            <a:endParaRPr lang="zh-CN" altLang="en-US"/>
+          </a:p>
+        </p:txBody>
+      </p:sp>
+      <p:sp>
+        <p:nvSpPr>
+          <p:cNvPr id="21" name="TextBox 20">
+            <a:extLst>
+              <a:ext uri="{FF2B5EF4-FFF2-40B4-BE49-F238E27FC236}">
+                <a16:creationId xmlns:a16="http://schemas.microsoft.com/office/drawing/2014/main" id="{528DE06F-9C40-6689-A60F-A1A447EB0EBC}"/>
+              </a:ext>
+            </a:extLst>
+          </p:cNvPr>
+          <p:cNvSpPr txBox="1"/>
+          <p:nvPr/>
+        </p:nvSpPr>
+        <p:spPr>
+          <a:xfrm>
+            <a:off x="1918446" y="676685"/>
+            <a:ext cx="2641600" cy="369332"/>
+          </a:xfrm>
+          <a:prstGeom prst="rect">
+            <a:avLst/>
+          </a:prstGeom>
+          <a:noFill/>
+        </p:spPr>
+        <p:txBody>
+          <a:bodyPr wrap="square" rtlCol="0">
+            <a:spAutoFit/>
+          </a:bodyPr>
+          <a:lstStyle/>
+          <a:p>
+            <a:r>
+              <a:rPr lang="en-US" altLang="zh-CN" b="1" dirty="0"/>
+              <a:t>Non-masting year</a:t>
+            </a:r>
+            <a:endParaRPr lang="zh-CN" altLang="en-US" b="1" dirty="0"/>
+          </a:p>
+        </p:txBody>
+      </p:sp>
+      <p:sp>
+        <p:nvSpPr>
+          <p:cNvPr id="22" name="TextBox 21">
+            <a:extLst>
+              <a:ext uri="{FF2B5EF4-FFF2-40B4-BE49-F238E27FC236}">
+                <a16:creationId xmlns:a16="http://schemas.microsoft.com/office/drawing/2014/main" id="{FFB7B9F6-C017-9EC4-3759-A0C7A3DC9649}"/>
+              </a:ext>
+            </a:extLst>
+          </p:cNvPr>
+          <p:cNvSpPr txBox="1"/>
+          <p:nvPr/>
+        </p:nvSpPr>
+        <p:spPr>
+          <a:xfrm>
+            <a:off x="8727834" y="590442"/>
+            <a:ext cx="2641600" cy="369332"/>
+          </a:xfrm>
+          <a:prstGeom prst="rect">
+            <a:avLst/>
+          </a:prstGeom>
+          <a:noFill/>
+        </p:spPr>
+        <p:txBody>
+          <a:bodyPr wrap="square" rtlCol="0">
+            <a:spAutoFit/>
+          </a:bodyPr>
+          <a:lstStyle/>
+          <a:p>
+            <a:r>
+              <a:rPr lang="en-US" altLang="zh-CN" b="1" dirty="0"/>
+              <a:t>Masting year</a:t>
+            </a:r>
+            <a:endParaRPr lang="zh-CN" altLang="en-US" b="1" dirty="0"/>
+          </a:p>
+        </p:txBody>
+      </p:sp>
     </p:spTree>
     <p:extLst>
       <p:ext uri="{BB962C8B-B14F-4D97-AF65-F5344CB8AC3E}">
@@ -5259,7 +8818,7 @@
         <p:spPr>
           <a:xfrm>
             <a:off x="1214252" y="1710046"/>
-            <a:ext cx="8615548" cy="830997"/>
+            <a:ext cx="8615548" cy="1200329"/>
           </a:xfrm>
           <a:prstGeom prst="rect">
             <a:avLst/>
@@ -5278,7 +8837,7 @@
             </a:pPr>
             <a:r>
               <a:rPr lang="en-US" altLang="zh-CN" sz="2400" dirty="0"/>
-              <a:t>50%-60% trees have some form of masting behavior</a:t>
+              <a:t>Not all trees have masting behavior</a:t>
             </a:r>
           </a:p>
           <a:p>
@@ -5288,7 +8847,17 @@
             </a:pPr>
             <a:r>
               <a:rPr lang="en-US" altLang="zh-CN" sz="2400" dirty="0"/>
-              <a:t>Mostly distributed in temperate zone</a:t>
+              <a:t>It seems like certain genus are more likely to mast</a:t>
+            </a:r>
+          </a:p>
+          <a:p>
+            <a:pPr marL="285750" indent="-285750">
+              <a:buFont typeface="Arial" panose="020B0604020202020204" pitchFamily="34" charset="0"/>
+              <a:buChar char="•"/>
+            </a:pPr>
+            <a:r>
+              <a:rPr lang="en-US" altLang="zh-CN" sz="2400" dirty="0"/>
+              <a:t>Masting is more common in temperate zone</a:t>
             </a:r>
           </a:p>
         </p:txBody>
@@ -5307,8 +8876,8 @@
         </p:nvSpPr>
         <p:spPr>
           <a:xfrm>
-            <a:off x="1023257" y="3940629"/>
-            <a:ext cx="9176657" cy="707886"/>
+            <a:off x="783772" y="4780162"/>
+            <a:ext cx="10820400" cy="1200329"/>
           </a:xfrm>
           <a:prstGeom prst="rect">
             <a:avLst/>
@@ -5321,17 +8890,98 @@
           </a:bodyPr>
           <a:lstStyle/>
           <a:p>
-            <a:r>
-              <a:rPr lang="en-US" altLang="zh-CN" sz="2000" dirty="0"/>
+            <a:pPr algn="ctr"/>
+            <a:r>
+              <a:rPr lang="en-US" altLang="zh-CN" sz="2400" dirty="0"/>
               <a:t>Which reproductive-related traits are related to masting? </a:t>
             </a:r>
           </a:p>
           <a:p>
-            <a:r>
-              <a:rPr lang="en-US" altLang="zh-CN" sz="2000" dirty="0"/>
+            <a:pPr algn="ctr"/>
+            <a:r>
+              <a:rPr lang="en-US" altLang="zh-CN" sz="2400" dirty="0"/>
               <a:t>Do these traits that relate to different masting hypotheses vary by environment?</a:t>
             </a:r>
-            <a:endParaRPr lang="zh-CN" altLang="en-US" sz="2000" dirty="0"/>
+          </a:p>
+          <a:p>
+            <a:pPr algn="ctr"/>
+            <a:r>
+              <a:rPr lang="en-US" altLang="zh-CN" sz="2400" dirty="0"/>
+              <a:t>(e.g., which traits are more important in different environment)</a:t>
+            </a:r>
+            <a:endParaRPr lang="zh-CN" altLang="en-US" sz="2400" dirty="0"/>
+          </a:p>
+        </p:txBody>
+      </p:sp>
+      <p:sp>
+        <p:nvSpPr>
+          <p:cNvPr id="3" name="TextBox 2">
+            <a:extLst>
+              <a:ext uri="{FF2B5EF4-FFF2-40B4-BE49-F238E27FC236}">
+                <a16:creationId xmlns:a16="http://schemas.microsoft.com/office/drawing/2014/main" id="{C52021A3-D278-CD73-936F-A3ADA3B09DB0}"/>
+              </a:ext>
+            </a:extLst>
+          </p:cNvPr>
+          <p:cNvSpPr txBox="1"/>
+          <p:nvPr/>
+        </p:nvSpPr>
+        <p:spPr>
+          <a:xfrm>
+            <a:off x="973777" y="617517"/>
+            <a:ext cx="3016332" cy="830997"/>
+          </a:xfrm>
+          <a:prstGeom prst="rect">
+            <a:avLst/>
+          </a:prstGeom>
+          <a:noFill/>
+        </p:spPr>
+        <p:txBody>
+          <a:bodyPr wrap="square" rtlCol="0">
+            <a:spAutoFit/>
+          </a:bodyPr>
+          <a:lstStyle/>
+          <a:p>
+            <a:r>
+              <a:rPr lang="en-US" altLang="zh-CN" sz="4800" b="1" dirty="0"/>
+              <a:t>BUT</a:t>
+            </a:r>
+            <a:endParaRPr lang="zh-CN" altLang="en-US" sz="4800" b="1" dirty="0"/>
+          </a:p>
+        </p:txBody>
+      </p:sp>
+      <p:sp>
+        <p:nvSpPr>
+          <p:cNvPr id="4" name="TextBox 3">
+            <a:extLst>
+              <a:ext uri="{FF2B5EF4-FFF2-40B4-BE49-F238E27FC236}">
+                <a16:creationId xmlns:a16="http://schemas.microsoft.com/office/drawing/2014/main" id="{499ACE6C-3CA0-4FD0-A1B1-545BF38EBAB5}"/>
+              </a:ext>
+            </a:extLst>
+          </p:cNvPr>
+          <p:cNvSpPr txBox="1"/>
+          <p:nvPr/>
+        </p:nvSpPr>
+        <p:spPr>
+          <a:xfrm>
+            <a:off x="973777" y="3786249"/>
+            <a:ext cx="3016332" cy="830997"/>
+          </a:xfrm>
+          <a:prstGeom prst="rect">
+            <a:avLst/>
+          </a:prstGeom>
+          <a:noFill/>
+        </p:spPr>
+        <p:txBody>
+          <a:bodyPr wrap="square" rtlCol="0">
+            <a:spAutoFit/>
+          </a:bodyPr>
+          <a:lstStyle/>
+          <a:p>
+            <a:r>
+              <a:rPr lang="en-US" altLang="zh-CN" sz="4800" b="1" dirty="0"/>
+              <a:t>Question</a:t>
+            </a:r>
+            <a:endParaRPr lang="zh-CN" altLang="en-US" sz="4800" b="1" dirty="0"/>
           </a:p>
         </p:txBody>
       </p:sp>
@@ -5371,12 +9021,85 @@
           <a:chExt cx="0" cy="0"/>
         </a:xfrm>
       </p:grpSpPr>
+      <p:graphicFrame>
+        <p:nvGraphicFramePr>
+          <p:cNvPr id="11" name="Diagram 10">
+            <a:extLst>
+              <a:ext uri="{FF2B5EF4-FFF2-40B4-BE49-F238E27FC236}">
+                <a16:creationId xmlns:a16="http://schemas.microsoft.com/office/drawing/2014/main" id="{46EB80FC-A437-1543-E70F-D69DDA979843}"/>
+              </a:ext>
+            </a:extLst>
+          </p:cNvPr>
+          <p:cNvGraphicFramePr/>
+          <p:nvPr>
+            <p:extLst>
+              <p:ext uri="{D42A27DB-BD31-4B8C-83A1-F6EECF244321}">
+                <p14:modId xmlns:p14="http://schemas.microsoft.com/office/powerpoint/2010/main" val="1805966059"/>
+              </p:ext>
+            </p:extLst>
+          </p:nvPr>
+        </p:nvGraphicFramePr>
+        <p:xfrm>
+          <a:off x="0" y="719668"/>
+          <a:ext cx="12192000" cy="3951485"/>
+        </p:xfrm>
+        <a:graphic>
+          <a:graphicData uri="http://schemas.openxmlformats.org/drawingml/2006/diagram">
+            <dgm:relIds xmlns:dgm="http://schemas.openxmlformats.org/drawingml/2006/diagram" xmlns:r="http://schemas.openxmlformats.org/officeDocument/2006/relationships" r:dm="rId3" r:lo="rId4" r:qs="rId5" r:cs="rId6"/>
+          </a:graphicData>
+        </a:graphic>
+      </p:graphicFrame>
+      <p:sp>
+        <p:nvSpPr>
+          <p:cNvPr id="12" name="Rectangle: Rounded Corners 11">
+            <a:extLst>
+              <a:ext uri="{FF2B5EF4-FFF2-40B4-BE49-F238E27FC236}">
+                <a16:creationId xmlns:a16="http://schemas.microsoft.com/office/drawing/2014/main" id="{48095352-E0EA-2F69-6F1F-24235451F0B4}"/>
+              </a:ext>
+            </a:extLst>
+          </p:cNvPr>
+          <p:cNvSpPr/>
+          <p:nvPr/>
+        </p:nvSpPr>
+        <p:spPr>
+          <a:xfrm>
+            <a:off x="88136" y="3150825"/>
+            <a:ext cx="2859797" cy="3259120"/>
+          </a:xfrm>
+          <a:prstGeom prst="roundRect">
+            <a:avLst/>
+          </a:prstGeom>
+          <a:ln/>
+        </p:spPr>
+        <p:style>
+          <a:lnRef idx="2">
+            <a:schemeClr val="dk1"/>
+          </a:lnRef>
+          <a:fillRef idx="1">
+            <a:schemeClr val="lt1"/>
+          </a:fillRef>
+          <a:effectRef idx="0">
+            <a:schemeClr val="dk1"/>
+          </a:effectRef>
+          <a:fontRef idx="minor">
+            <a:schemeClr val="dk1"/>
+          </a:fontRef>
+        </p:style>
+        <p:txBody>
+          <a:bodyPr rtlCol="0" anchor="ctr"/>
+          <a:lstStyle/>
+          <a:p>
+            <a:pPr algn="ctr"/>
+            <a:endParaRPr lang="zh-CN" altLang="en-US" dirty="0"/>
+          </a:p>
+        </p:txBody>
+      </p:sp>
       <p:pic>
         <p:nvPicPr>
-          <p:cNvPr id="4" name="Picture 3" descr="A diagram of a squirrel and a squirrel&#10;&#10;AI-generated content may be incorrect.">
-            <a:extLst>
-              <a:ext uri="{FF2B5EF4-FFF2-40B4-BE49-F238E27FC236}">
-                <a16:creationId xmlns:a16="http://schemas.microsoft.com/office/drawing/2014/main" id="{BD0CA0C3-A84E-80F2-813A-142BE8C3EFAF}"/>
+          <p:cNvPr id="13" name="Graphic 12" descr="Bee with solid fill">
+            <a:extLst>
+              <a:ext uri="{FF2B5EF4-FFF2-40B4-BE49-F238E27FC236}">
+                <a16:creationId xmlns:a16="http://schemas.microsoft.com/office/drawing/2014/main" id="{650BD779-514E-39D7-6511-094A03C3B814}"/>
               </a:ext>
             </a:extLst>
           </p:cNvPr>
@@ -5386,10 +9109,10 @@
           <p:nvPr/>
         </p:nvPicPr>
         <p:blipFill>
-          <a:blip r:embed="rId2">
-            <a:extLst>
-              <a:ext uri="{28A0092B-C50C-407E-A947-70E740481C1C}">
-                <a14:useLocalDpi xmlns:a14="http://schemas.microsoft.com/office/drawing/2010/main" val="0"/>
+          <a:blip r:embed="rId8">
+            <a:extLst>
+              <a:ext uri="{96DAC541-7B7A-43D3-8B79-37D633B846F1}">
+                <asvg:svgBlip xmlns:asvg="http://schemas.microsoft.com/office/drawing/2016/SVG/main" r:embed="rId9"/>
               </a:ext>
             </a:extLst>
           </a:blip>
@@ -5399,8 +9122,2111 @@
         </p:blipFill>
         <p:spPr>
           <a:xfrm>
-            <a:off x="0" y="0"/>
-            <a:ext cx="12192000" cy="6858000"/>
+            <a:off x="9440995" y="4843602"/>
+            <a:ext cx="409199" cy="409199"/>
+          </a:xfrm>
+          <a:prstGeom prst="rect">
+            <a:avLst/>
+          </a:prstGeom>
+        </p:spPr>
+      </p:pic>
+      <p:pic>
+        <p:nvPicPr>
+          <p:cNvPr id="14" name="Graphic 13" descr="Tree Stump with solid fill">
+            <a:extLst>
+              <a:ext uri="{FF2B5EF4-FFF2-40B4-BE49-F238E27FC236}">
+                <a16:creationId xmlns:a16="http://schemas.microsoft.com/office/drawing/2014/main" id="{58CD0B42-3F88-0276-F02D-FD0C55FB8A3F}"/>
+              </a:ext>
+            </a:extLst>
+          </p:cNvPr>
+          <p:cNvPicPr>
+            <a:picLocks noChangeAspect="1"/>
+          </p:cNvPicPr>
+          <p:nvPr/>
+        </p:nvPicPr>
+        <p:blipFill>
+          <a:blip r:embed="rId10">
+            <a:extLst>
+              <a:ext uri="{96DAC541-7B7A-43D3-8B79-37D633B846F1}">
+                <asvg:svgBlip xmlns:asvg="http://schemas.microsoft.com/office/drawing/2016/SVG/main" r:embed="rId11"/>
+              </a:ext>
+            </a:extLst>
+          </a:blip>
+          <a:stretch>
+            <a:fillRect/>
+          </a:stretch>
+        </p:blipFill>
+        <p:spPr>
+          <a:xfrm>
+            <a:off x="9440995" y="5376362"/>
+            <a:ext cx="409199" cy="409199"/>
+          </a:xfrm>
+          <a:prstGeom prst="rect">
+            <a:avLst/>
+          </a:prstGeom>
+        </p:spPr>
+      </p:pic>
+      <p:pic>
+        <p:nvPicPr>
+          <p:cNvPr id="15" name="Graphic 14" descr="Squirrel with solid fill">
+            <a:extLst>
+              <a:ext uri="{FF2B5EF4-FFF2-40B4-BE49-F238E27FC236}">
+                <a16:creationId xmlns:a16="http://schemas.microsoft.com/office/drawing/2014/main" id="{E10965FC-8B5E-0BF0-4C96-A65BCFE1200B}"/>
+              </a:ext>
+            </a:extLst>
+          </p:cNvPr>
+          <p:cNvPicPr>
+            <a:picLocks noChangeAspect="1"/>
+          </p:cNvPicPr>
+          <p:nvPr/>
+        </p:nvPicPr>
+        <p:blipFill>
+          <a:blip r:embed="rId12">
+            <a:extLst>
+              <a:ext uri="{96DAC541-7B7A-43D3-8B79-37D633B846F1}">
+                <asvg:svgBlip xmlns:asvg="http://schemas.microsoft.com/office/drawing/2016/SVG/main" r:embed="rId13"/>
+              </a:ext>
+            </a:extLst>
+          </a:blip>
+          <a:stretch>
+            <a:fillRect/>
+          </a:stretch>
+        </p:blipFill>
+        <p:spPr>
+          <a:xfrm>
+            <a:off x="9440995" y="4353071"/>
+            <a:ext cx="409199" cy="409199"/>
+          </a:xfrm>
+          <a:prstGeom prst="rect">
+            <a:avLst/>
+          </a:prstGeom>
+        </p:spPr>
+      </p:pic>
+      <p:pic>
+        <p:nvPicPr>
+          <p:cNvPr id="16" name="Graphic 15" descr="Rain with solid fill">
+            <a:extLst>
+              <a:ext uri="{FF2B5EF4-FFF2-40B4-BE49-F238E27FC236}">
+                <a16:creationId xmlns:a16="http://schemas.microsoft.com/office/drawing/2014/main" id="{2B767922-AB1D-7FDD-0AF9-CF01004B5279}"/>
+              </a:ext>
+            </a:extLst>
+          </p:cNvPr>
+          <p:cNvPicPr>
+            <a:picLocks noChangeAspect="1"/>
+          </p:cNvPicPr>
+          <p:nvPr/>
+        </p:nvPicPr>
+        <p:blipFill>
+          <a:blip r:embed="rId14">
+            <a:extLst>
+              <a:ext uri="{96DAC541-7B7A-43D3-8B79-37D633B846F1}">
+                <asvg:svgBlip xmlns:asvg="http://schemas.microsoft.com/office/drawing/2016/SVG/main" r:embed="rId15"/>
+              </a:ext>
+            </a:extLst>
+          </a:blip>
+          <a:stretch>
+            <a:fillRect/>
+          </a:stretch>
+        </p:blipFill>
+        <p:spPr>
+          <a:xfrm>
+            <a:off x="9444889" y="5905538"/>
+            <a:ext cx="409199" cy="409199"/>
+          </a:xfrm>
+          <a:prstGeom prst="rect">
+            <a:avLst/>
+          </a:prstGeom>
+        </p:spPr>
+      </p:pic>
+      <p:sp>
+        <p:nvSpPr>
+          <p:cNvPr id="17" name="TextBox 16">
+            <a:extLst>
+              <a:ext uri="{FF2B5EF4-FFF2-40B4-BE49-F238E27FC236}">
+                <a16:creationId xmlns:a16="http://schemas.microsoft.com/office/drawing/2014/main" id="{D5C5C653-25EE-4047-E6B1-4F3D5B5838CA}"/>
+              </a:ext>
+            </a:extLst>
+          </p:cNvPr>
+          <p:cNvSpPr txBox="1"/>
+          <p:nvPr/>
+        </p:nvSpPr>
+        <p:spPr>
+          <a:xfrm>
+            <a:off x="9850194" y="4124470"/>
+            <a:ext cx="1898277" cy="609975"/>
+          </a:xfrm>
+          <a:prstGeom prst="rect">
+            <a:avLst/>
+          </a:prstGeom>
+          <a:noFill/>
+        </p:spPr>
+        <p:txBody>
+          <a:bodyPr wrap="square" rtlCol="0">
+            <a:spAutoFit/>
+          </a:bodyPr>
+          <a:lstStyle>
+            <a:defPPr>
+              <a:defRPr lang="zh-CN"/>
+            </a:defPPr>
+            <a:lvl1pPr algn="ctr" fontAlgn="base">
+              <a:lnSpc>
+                <a:spcPts val="4875"/>
+              </a:lnSpc>
+              <a:defRPr sz="1600" b="1" i="0">
+                <a:solidFill>
+                  <a:srgbClr val="212529"/>
+                </a:solidFill>
+                <a:effectLst/>
+                <a:latin typeface="Playfair Display" panose="020F0502020204030204" pitchFamily="2" charset="0"/>
+              </a:defRPr>
+            </a:lvl1pPr>
+          </a:lstStyle>
+          <a:p>
+            <a:r>
+              <a:rPr lang="en-US" altLang="zh-CN" dirty="0"/>
+              <a:t>Predator satiation</a:t>
+            </a:r>
+            <a:endParaRPr lang="zh-CN" altLang="en-US" dirty="0"/>
+          </a:p>
+        </p:txBody>
+      </p:sp>
+      <p:sp>
+        <p:nvSpPr>
+          <p:cNvPr id="18" name="TextBox 17">
+            <a:extLst>
+              <a:ext uri="{FF2B5EF4-FFF2-40B4-BE49-F238E27FC236}">
+                <a16:creationId xmlns:a16="http://schemas.microsoft.com/office/drawing/2014/main" id="{A4BF27A3-30AD-EF8F-1E38-5AA268F21010}"/>
+              </a:ext>
+            </a:extLst>
+          </p:cNvPr>
+          <p:cNvSpPr txBox="1"/>
+          <p:nvPr/>
+        </p:nvSpPr>
+        <p:spPr>
+          <a:xfrm>
+            <a:off x="9850194" y="4629790"/>
+            <a:ext cx="2116285" cy="609975"/>
+          </a:xfrm>
+          <a:prstGeom prst="rect">
+            <a:avLst/>
+          </a:prstGeom>
+          <a:noFill/>
+        </p:spPr>
+        <p:txBody>
+          <a:bodyPr wrap="square" rtlCol="0">
+            <a:spAutoFit/>
+          </a:bodyPr>
+          <a:lstStyle>
+            <a:defPPr>
+              <a:defRPr lang="zh-CN"/>
+            </a:defPPr>
+            <a:lvl1pPr algn="ctr" fontAlgn="base">
+              <a:lnSpc>
+                <a:spcPts val="4875"/>
+              </a:lnSpc>
+              <a:defRPr sz="1600" b="1" i="0">
+                <a:solidFill>
+                  <a:srgbClr val="212529"/>
+                </a:solidFill>
+                <a:effectLst/>
+                <a:latin typeface="Playfair Display" panose="020F0502020204030204" pitchFamily="2" charset="0"/>
+              </a:defRPr>
+            </a:lvl1pPr>
+          </a:lstStyle>
+          <a:p>
+            <a:r>
+              <a:rPr lang="en-US" altLang="zh-CN" dirty="0"/>
+              <a:t>Pollination coupling</a:t>
+            </a:r>
+            <a:endParaRPr lang="zh-CN" altLang="en-US" dirty="0"/>
+          </a:p>
+        </p:txBody>
+      </p:sp>
+      <p:sp>
+        <p:nvSpPr>
+          <p:cNvPr id="19" name="TextBox 18">
+            <a:extLst>
+              <a:ext uri="{FF2B5EF4-FFF2-40B4-BE49-F238E27FC236}">
+                <a16:creationId xmlns:a16="http://schemas.microsoft.com/office/drawing/2014/main" id="{827C61A7-7866-E5C1-1916-03DB38AD8B3E}"/>
+              </a:ext>
+            </a:extLst>
+          </p:cNvPr>
+          <p:cNvSpPr txBox="1"/>
+          <p:nvPr/>
+        </p:nvSpPr>
+        <p:spPr>
+          <a:xfrm>
+            <a:off x="9850194" y="5138236"/>
+            <a:ext cx="2010487" cy="609975"/>
+          </a:xfrm>
+          <a:prstGeom prst="rect">
+            <a:avLst/>
+          </a:prstGeom>
+          <a:noFill/>
+        </p:spPr>
+        <p:txBody>
+          <a:bodyPr wrap="square" rtlCol="0">
+            <a:spAutoFit/>
+          </a:bodyPr>
+          <a:lstStyle>
+            <a:defPPr>
+              <a:defRPr lang="zh-CN"/>
+            </a:defPPr>
+            <a:lvl1pPr algn="ctr" fontAlgn="base">
+              <a:lnSpc>
+                <a:spcPts val="4875"/>
+              </a:lnSpc>
+              <a:defRPr sz="1600" b="1" i="0">
+                <a:solidFill>
+                  <a:srgbClr val="212529"/>
+                </a:solidFill>
+                <a:effectLst/>
+                <a:latin typeface="Playfair Display" panose="020F0502020204030204" pitchFamily="2" charset="0"/>
+              </a:defRPr>
+            </a:lvl1pPr>
+          </a:lstStyle>
+          <a:p>
+            <a:r>
+              <a:rPr lang="en-US" altLang="zh-CN" dirty="0"/>
+              <a:t>Resource matching</a:t>
+            </a:r>
+            <a:endParaRPr lang="zh-CN" altLang="en-US" dirty="0"/>
+          </a:p>
+        </p:txBody>
+      </p:sp>
+      <p:sp>
+        <p:nvSpPr>
+          <p:cNvPr id="20" name="TextBox 19">
+            <a:extLst>
+              <a:ext uri="{FF2B5EF4-FFF2-40B4-BE49-F238E27FC236}">
+                <a16:creationId xmlns:a16="http://schemas.microsoft.com/office/drawing/2014/main" id="{41D2291F-2932-929B-A7A1-51EF8F0D413C}"/>
+              </a:ext>
+            </a:extLst>
+          </p:cNvPr>
+          <p:cNvSpPr txBox="1"/>
+          <p:nvPr/>
+        </p:nvSpPr>
+        <p:spPr>
+          <a:xfrm>
+            <a:off x="9850194" y="5680212"/>
+            <a:ext cx="1984839" cy="609975"/>
+          </a:xfrm>
+          <a:prstGeom prst="rect">
+            <a:avLst/>
+          </a:prstGeom>
+          <a:noFill/>
+        </p:spPr>
+        <p:txBody>
+          <a:bodyPr wrap="square" rtlCol="0">
+            <a:spAutoFit/>
+          </a:bodyPr>
+          <a:lstStyle>
+            <a:defPPr>
+              <a:defRPr lang="zh-CN"/>
+            </a:defPPr>
+            <a:lvl1pPr algn="ctr" fontAlgn="base">
+              <a:lnSpc>
+                <a:spcPts val="4875"/>
+              </a:lnSpc>
+              <a:defRPr sz="1600" b="1" i="0">
+                <a:solidFill>
+                  <a:srgbClr val="212529"/>
+                </a:solidFill>
+                <a:effectLst/>
+                <a:latin typeface="Playfair Display" panose="020F0502020204030204" pitchFamily="2" charset="0"/>
+              </a:defRPr>
+            </a:lvl1pPr>
+          </a:lstStyle>
+          <a:p>
+            <a:r>
+              <a:rPr lang="en-US" altLang="zh-CN" dirty="0"/>
+              <a:t>Environmental cue</a:t>
+            </a:r>
+            <a:endParaRPr lang="zh-CN" altLang="en-US" dirty="0"/>
+          </a:p>
+        </p:txBody>
+      </p:sp>
+      <p:cxnSp>
+        <p:nvCxnSpPr>
+          <p:cNvPr id="21" name="Straight Connector 20">
+            <a:extLst>
+              <a:ext uri="{FF2B5EF4-FFF2-40B4-BE49-F238E27FC236}">
+                <a16:creationId xmlns:a16="http://schemas.microsoft.com/office/drawing/2014/main" id="{4CBFBE6C-78A2-C3CF-CBD8-45CA78B1F7C6}"/>
+              </a:ext>
+            </a:extLst>
+          </p:cNvPr>
+          <p:cNvCxnSpPr>
+            <a:cxnSpLocks/>
+          </p:cNvCxnSpPr>
+          <p:nvPr/>
+        </p:nvCxnSpPr>
+        <p:spPr>
+          <a:xfrm>
+            <a:off x="88137" y="2639739"/>
+            <a:ext cx="9851393" cy="0"/>
+          </a:xfrm>
+          <a:prstGeom prst="line">
+            <a:avLst/>
+          </a:prstGeom>
+        </p:spPr>
+        <p:style>
+          <a:lnRef idx="3">
+            <a:schemeClr val="dk1"/>
+          </a:lnRef>
+          <a:fillRef idx="0">
+            <a:schemeClr val="dk1"/>
+          </a:fillRef>
+          <a:effectRef idx="2">
+            <a:schemeClr val="dk1"/>
+          </a:effectRef>
+          <a:fontRef idx="minor">
+            <a:schemeClr val="tx1"/>
+          </a:fontRef>
+        </p:style>
+      </p:cxnSp>
+      <p:pic>
+        <p:nvPicPr>
+          <p:cNvPr id="22" name="Picture 21" descr="A drawing of a squirrel and pine cones&#10;&#10;AI-generated content may be incorrect.">
+            <a:extLst>
+              <a:ext uri="{FF2B5EF4-FFF2-40B4-BE49-F238E27FC236}">
+                <a16:creationId xmlns:a16="http://schemas.microsoft.com/office/drawing/2014/main" id="{8AB25581-5940-AC23-5CC2-6133E1775FAE}"/>
+              </a:ext>
+            </a:extLst>
+          </p:cNvPr>
+          <p:cNvPicPr>
+            <a:picLocks noChangeAspect="1"/>
+          </p:cNvPicPr>
+          <p:nvPr/>
+        </p:nvPicPr>
+        <p:blipFill>
+          <a:blip r:embed="rId16">
+            <a:extLst>
+              <a:ext uri="{28A0092B-C50C-407E-A947-70E740481C1C}">
+                <a14:useLocalDpi xmlns:a14="http://schemas.microsoft.com/office/drawing/2010/main" val="0"/>
+              </a:ext>
+            </a:extLst>
+          </a:blip>
+          <a:srcRect l="7841" t="13943" r="43069" b="55038"/>
+          <a:stretch/>
+        </p:blipFill>
+        <p:spPr>
+          <a:xfrm>
+            <a:off x="6510861" y="536419"/>
+            <a:ext cx="2195651" cy="1996463"/>
+          </a:xfrm>
+          <a:prstGeom prst="rect">
+            <a:avLst/>
+          </a:prstGeom>
+        </p:spPr>
+      </p:pic>
+      <p:pic>
+        <p:nvPicPr>
+          <p:cNvPr id="23" name="Picture 22" descr="A drawing of a squirrel and pine cones&#10;&#10;AI-generated content may be incorrect.">
+            <a:extLst>
+              <a:ext uri="{FF2B5EF4-FFF2-40B4-BE49-F238E27FC236}">
+                <a16:creationId xmlns:a16="http://schemas.microsoft.com/office/drawing/2014/main" id="{95B8A134-4F2D-C5B1-3DC3-53D094AA33B8}"/>
+              </a:ext>
+            </a:extLst>
+          </p:cNvPr>
+          <p:cNvPicPr>
+            <a:picLocks noChangeAspect="1"/>
+          </p:cNvPicPr>
+          <p:nvPr/>
+        </p:nvPicPr>
+        <p:blipFill>
+          <a:blip r:embed="rId16">
+            <a:extLst>
+              <a:ext uri="{28A0092B-C50C-407E-A947-70E740481C1C}">
+                <a14:useLocalDpi xmlns:a14="http://schemas.microsoft.com/office/drawing/2010/main" val="0"/>
+              </a:ext>
+            </a:extLst>
+          </a:blip>
+          <a:srcRect l="49075" t="45944" r="4382" b="14105"/>
+          <a:stretch/>
+        </p:blipFill>
+        <p:spPr>
+          <a:xfrm>
+            <a:off x="425514" y="315559"/>
+            <a:ext cx="1773463" cy="2190652"/>
+          </a:xfrm>
+          <a:prstGeom prst="rect">
+            <a:avLst/>
+          </a:prstGeom>
+        </p:spPr>
+      </p:pic>
+      <p:pic>
+        <p:nvPicPr>
+          <p:cNvPr id="24" name="Picture 23" descr="A drawing of a squirrel and pine cones&#10;&#10;AI-generated content may be incorrect.">
+            <a:extLst>
+              <a:ext uri="{FF2B5EF4-FFF2-40B4-BE49-F238E27FC236}">
+                <a16:creationId xmlns:a16="http://schemas.microsoft.com/office/drawing/2014/main" id="{108F7E45-6455-E570-6C92-B544CBF8BB52}"/>
+              </a:ext>
+            </a:extLst>
+          </p:cNvPr>
+          <p:cNvPicPr>
+            <a:picLocks noChangeAspect="1"/>
+          </p:cNvPicPr>
+          <p:nvPr/>
+        </p:nvPicPr>
+        <p:blipFill>
+          <a:blip r:embed="rId16">
+            <a:extLst>
+              <a:ext uri="{28A0092B-C50C-407E-A947-70E740481C1C}">
+                <a14:useLocalDpi xmlns:a14="http://schemas.microsoft.com/office/drawing/2010/main" val="0"/>
+              </a:ext>
+            </a:extLst>
+          </a:blip>
+          <a:srcRect t="47374" r="52298" b="17416"/>
+          <a:stretch/>
+        </p:blipFill>
+        <p:spPr>
+          <a:xfrm>
+            <a:off x="3373616" y="239265"/>
+            <a:ext cx="2195651" cy="2332180"/>
+          </a:xfrm>
+          <a:prstGeom prst="rect">
+            <a:avLst/>
+          </a:prstGeom>
+        </p:spPr>
+      </p:pic>
+      <p:pic>
+        <p:nvPicPr>
+          <p:cNvPr id="25" name="Picture 24" descr="A close-up of a sketch of a squirrel&#10;&#10;AI-generated content may be incorrect.">
+            <a:extLst>
+              <a:ext uri="{FF2B5EF4-FFF2-40B4-BE49-F238E27FC236}">
+                <a16:creationId xmlns:a16="http://schemas.microsoft.com/office/drawing/2014/main" id="{67732DDD-A1A8-8CEC-16E8-B1975FA60A21}"/>
+              </a:ext>
+            </a:extLst>
+          </p:cNvPr>
+          <p:cNvPicPr>
+            <a:picLocks noChangeAspect="1"/>
+          </p:cNvPicPr>
+          <p:nvPr/>
+        </p:nvPicPr>
+        <p:blipFill>
+          <a:blip r:embed="rId17">
+            <a:extLst>
+              <a:ext uri="{28A0092B-C50C-407E-A947-70E740481C1C}">
+                <a14:useLocalDpi xmlns:a14="http://schemas.microsoft.com/office/drawing/2010/main" val="0"/>
+              </a:ext>
+            </a:extLst>
+          </a:blip>
+          <a:srcRect l="57812" t="17213" r="6654" b="55983"/>
+          <a:stretch/>
+        </p:blipFill>
+        <p:spPr>
+          <a:xfrm>
+            <a:off x="10150220" y="1720617"/>
+            <a:ext cx="1693003" cy="1838247"/>
+          </a:xfrm>
+          <a:prstGeom prst="rect">
+            <a:avLst/>
+          </a:prstGeom>
+        </p:spPr>
+      </p:pic>
+      <p:sp>
+        <p:nvSpPr>
+          <p:cNvPr id="26" name="Rectangle: Rounded Corners 25">
+            <a:extLst>
+              <a:ext uri="{FF2B5EF4-FFF2-40B4-BE49-F238E27FC236}">
+                <a16:creationId xmlns:a16="http://schemas.microsoft.com/office/drawing/2014/main" id="{7B0D81D7-0850-1B2D-A484-AEC0FBB277DB}"/>
+              </a:ext>
+            </a:extLst>
+          </p:cNvPr>
+          <p:cNvSpPr/>
+          <p:nvPr/>
+        </p:nvSpPr>
+        <p:spPr>
+          <a:xfrm>
+            <a:off x="3373287" y="3149080"/>
+            <a:ext cx="2531373" cy="3259120"/>
+          </a:xfrm>
+          <a:prstGeom prst="roundRect">
+            <a:avLst/>
+          </a:prstGeom>
+          <a:ln/>
+        </p:spPr>
+        <p:style>
+          <a:lnRef idx="2">
+            <a:schemeClr val="dk1"/>
+          </a:lnRef>
+          <a:fillRef idx="1">
+            <a:schemeClr val="lt1"/>
+          </a:fillRef>
+          <a:effectRef idx="0">
+            <a:schemeClr val="dk1"/>
+          </a:effectRef>
+          <a:fontRef idx="minor">
+            <a:schemeClr val="dk1"/>
+          </a:fontRef>
+        </p:style>
+        <p:txBody>
+          <a:bodyPr rtlCol="0" anchor="ctr"/>
+          <a:lstStyle/>
+          <a:p>
+            <a:pPr algn="ctr"/>
+            <a:endParaRPr lang="zh-CN" altLang="en-US" dirty="0"/>
+          </a:p>
+        </p:txBody>
+      </p:sp>
+      <p:sp>
+        <p:nvSpPr>
+          <p:cNvPr id="27" name="Rectangle: Rounded Corners 26">
+            <a:extLst>
+              <a:ext uri="{FF2B5EF4-FFF2-40B4-BE49-F238E27FC236}">
+                <a16:creationId xmlns:a16="http://schemas.microsoft.com/office/drawing/2014/main" id="{BD6C55B3-72BC-3857-B19F-0081D2B0DAD0}"/>
+              </a:ext>
+            </a:extLst>
+          </p:cNvPr>
+          <p:cNvSpPr/>
+          <p:nvPr/>
+        </p:nvSpPr>
+        <p:spPr>
+          <a:xfrm>
+            <a:off x="6371600" y="3148451"/>
+            <a:ext cx="2531373" cy="3259120"/>
+          </a:xfrm>
+          <a:prstGeom prst="roundRect">
+            <a:avLst/>
+          </a:prstGeom>
+          <a:ln/>
+        </p:spPr>
+        <p:style>
+          <a:lnRef idx="2">
+            <a:schemeClr val="dk1"/>
+          </a:lnRef>
+          <a:fillRef idx="1">
+            <a:schemeClr val="lt1"/>
+          </a:fillRef>
+          <a:effectRef idx="0">
+            <a:schemeClr val="dk1"/>
+          </a:effectRef>
+          <a:fontRef idx="minor">
+            <a:schemeClr val="dk1"/>
+          </a:fontRef>
+        </p:style>
+        <p:txBody>
+          <a:bodyPr rtlCol="0" anchor="ctr"/>
+          <a:lstStyle/>
+          <a:p>
+            <a:pPr algn="ctr"/>
+            <a:endParaRPr lang="zh-CN" altLang="en-US" dirty="0"/>
+          </a:p>
+        </p:txBody>
+      </p:sp>
+      <p:sp>
+        <p:nvSpPr>
+          <p:cNvPr id="28" name="TextBox 27">
+            <a:extLst>
+              <a:ext uri="{FF2B5EF4-FFF2-40B4-BE49-F238E27FC236}">
+                <a16:creationId xmlns:a16="http://schemas.microsoft.com/office/drawing/2014/main" id="{121B753B-BC5F-97A2-0B70-AF8939184383}"/>
+              </a:ext>
+            </a:extLst>
+          </p:cNvPr>
+          <p:cNvSpPr txBox="1"/>
+          <p:nvPr/>
+        </p:nvSpPr>
+        <p:spPr>
+          <a:xfrm>
+            <a:off x="782934" y="2485367"/>
+            <a:ext cx="1556687" cy="609975"/>
+          </a:xfrm>
+          <a:prstGeom prst="rect">
+            <a:avLst/>
+          </a:prstGeom>
+          <a:noFill/>
+        </p:spPr>
+        <p:txBody>
+          <a:bodyPr wrap="square" rtlCol="0">
+            <a:spAutoFit/>
+          </a:bodyPr>
+          <a:lstStyle>
+            <a:defPPr>
+              <a:defRPr lang="zh-CN"/>
+            </a:defPPr>
+            <a:lvl1pPr fontAlgn="base">
+              <a:lnSpc>
+                <a:spcPts val="4875"/>
+              </a:lnSpc>
+              <a:defRPr sz="1200" b="1" i="0">
+                <a:solidFill>
+                  <a:srgbClr val="212529"/>
+                </a:solidFill>
+                <a:effectLst/>
+                <a:latin typeface="Playfair Display" panose="020F0502020204030204" pitchFamily="2" charset="0"/>
+              </a:defRPr>
+            </a:lvl1pPr>
+          </a:lstStyle>
+          <a:p>
+            <a:pPr algn="ctr"/>
+            <a:r>
+              <a:rPr lang="en-US" altLang="zh-CN" sz="1600" dirty="0"/>
+              <a:t>Pollination</a:t>
+            </a:r>
+            <a:endParaRPr lang="zh-CN" altLang="en-US" sz="1600" dirty="0"/>
+          </a:p>
+        </p:txBody>
+      </p:sp>
+      <p:sp>
+        <p:nvSpPr>
+          <p:cNvPr id="29" name="TextBox 28">
+            <a:extLst>
+              <a:ext uri="{FF2B5EF4-FFF2-40B4-BE49-F238E27FC236}">
+                <a16:creationId xmlns:a16="http://schemas.microsoft.com/office/drawing/2014/main" id="{DBDDC085-8933-BF68-C272-D0B7CBEC8B1A}"/>
+              </a:ext>
+            </a:extLst>
+          </p:cNvPr>
+          <p:cNvSpPr txBox="1"/>
+          <p:nvPr/>
+        </p:nvSpPr>
+        <p:spPr>
+          <a:xfrm>
+            <a:off x="3761970" y="2484866"/>
+            <a:ext cx="1754005" cy="609975"/>
+          </a:xfrm>
+          <a:prstGeom prst="rect">
+            <a:avLst/>
+          </a:prstGeom>
+          <a:noFill/>
+        </p:spPr>
+        <p:txBody>
+          <a:bodyPr wrap="square" rtlCol="0">
+            <a:spAutoFit/>
+          </a:bodyPr>
+          <a:lstStyle>
+            <a:defPPr>
+              <a:defRPr lang="zh-CN"/>
+            </a:defPPr>
+            <a:lvl1pPr algn="ctr" fontAlgn="base">
+              <a:lnSpc>
+                <a:spcPts val="4875"/>
+              </a:lnSpc>
+              <a:defRPr sz="1600" b="1" i="0">
+                <a:solidFill>
+                  <a:srgbClr val="212529"/>
+                </a:solidFill>
+                <a:effectLst/>
+                <a:latin typeface="Playfair Display" panose="020F0502020204030204" pitchFamily="2" charset="0"/>
+              </a:defRPr>
+            </a:lvl1pPr>
+          </a:lstStyle>
+          <a:p>
+            <a:r>
+              <a:rPr lang="en-US" altLang="zh-CN" dirty="0"/>
+              <a:t>Seed maturation</a:t>
+            </a:r>
+            <a:endParaRPr lang="zh-CN" altLang="en-US" dirty="0"/>
+          </a:p>
+        </p:txBody>
+      </p:sp>
+      <p:sp>
+        <p:nvSpPr>
+          <p:cNvPr id="30" name="TextBox 29">
+            <a:extLst>
+              <a:ext uri="{FF2B5EF4-FFF2-40B4-BE49-F238E27FC236}">
+                <a16:creationId xmlns:a16="http://schemas.microsoft.com/office/drawing/2014/main" id="{5D3F35FE-9418-126B-F68F-B6888A00E3A5}"/>
+              </a:ext>
+            </a:extLst>
+          </p:cNvPr>
+          <p:cNvSpPr txBox="1"/>
+          <p:nvPr/>
+        </p:nvSpPr>
+        <p:spPr>
+          <a:xfrm>
+            <a:off x="6807877" y="2486902"/>
+            <a:ext cx="1555235" cy="609975"/>
+          </a:xfrm>
+          <a:prstGeom prst="rect">
+            <a:avLst/>
+          </a:prstGeom>
+          <a:noFill/>
+        </p:spPr>
+        <p:txBody>
+          <a:bodyPr wrap="square" rtlCol="0">
+            <a:spAutoFit/>
+          </a:bodyPr>
+          <a:lstStyle>
+            <a:defPPr>
+              <a:defRPr lang="zh-CN"/>
+            </a:defPPr>
+            <a:lvl1pPr algn="ctr" fontAlgn="base">
+              <a:lnSpc>
+                <a:spcPts val="4875"/>
+              </a:lnSpc>
+              <a:defRPr sz="1600" b="1" i="0">
+                <a:solidFill>
+                  <a:srgbClr val="212529"/>
+                </a:solidFill>
+                <a:effectLst/>
+                <a:latin typeface="Playfair Display" panose="020F0502020204030204" pitchFamily="2" charset="0"/>
+              </a:defRPr>
+            </a:lvl1pPr>
+          </a:lstStyle>
+          <a:p>
+            <a:r>
+              <a:rPr lang="en-US" altLang="zh-CN" dirty="0"/>
+              <a:t>Seed dispersal</a:t>
+            </a:r>
+            <a:endParaRPr lang="zh-CN" altLang="en-US" dirty="0"/>
+          </a:p>
+        </p:txBody>
+      </p:sp>
+      <p:sp>
+        <p:nvSpPr>
+          <p:cNvPr id="31" name="TextBox 30">
+            <a:extLst>
+              <a:ext uri="{FF2B5EF4-FFF2-40B4-BE49-F238E27FC236}">
+                <a16:creationId xmlns:a16="http://schemas.microsoft.com/office/drawing/2014/main" id="{38C51702-C6D3-D482-4E49-B9B0023B7E9A}"/>
+              </a:ext>
+            </a:extLst>
+          </p:cNvPr>
+          <p:cNvSpPr txBox="1"/>
+          <p:nvPr/>
+        </p:nvSpPr>
+        <p:spPr>
+          <a:xfrm>
+            <a:off x="101493" y="3595616"/>
+            <a:ext cx="2711803" cy="3111878"/>
+          </a:xfrm>
+          <a:prstGeom prst="rect">
+            <a:avLst/>
+          </a:prstGeom>
+          <a:noFill/>
+        </p:spPr>
+        <p:txBody>
+          <a:bodyPr wrap="square" rtlCol="0">
+            <a:spAutoFit/>
+          </a:bodyPr>
+          <a:lstStyle>
+            <a:defPPr>
+              <a:defRPr lang="zh-CN"/>
+            </a:defPPr>
+            <a:lvl1pPr fontAlgn="base">
+              <a:lnSpc>
+                <a:spcPts val="4875"/>
+              </a:lnSpc>
+              <a:defRPr sz="1200" b="1" i="0">
+                <a:solidFill>
+                  <a:srgbClr val="212529"/>
+                </a:solidFill>
+                <a:effectLst/>
+                <a:latin typeface="Playfair Display" panose="020F0502020204030204" pitchFamily="2" charset="0"/>
+              </a:defRPr>
+            </a:lvl1pPr>
+          </a:lstStyle>
+          <a:p>
+            <a:r>
+              <a:rPr lang="en-US" altLang="zh-CN" dirty="0"/>
+              <a:t>Type of reproduction</a:t>
+            </a:r>
+          </a:p>
+          <a:p>
+            <a:r>
+              <a:rPr lang="en-US" altLang="zh-CN" dirty="0"/>
+              <a:t>Duration of reproduction</a:t>
+            </a:r>
+          </a:p>
+          <a:p>
+            <a:r>
+              <a:rPr lang="en-US" altLang="zh-CN" dirty="0"/>
+              <a:t>Pollination mode</a:t>
+            </a:r>
+            <a:endParaRPr lang="zh-CN" altLang="en-US" dirty="0"/>
+          </a:p>
+          <a:p>
+            <a:endParaRPr lang="zh-CN" altLang="en-US" dirty="0"/>
+          </a:p>
+          <a:p>
+            <a:endParaRPr lang="zh-CN" altLang="en-US" dirty="0"/>
+          </a:p>
+        </p:txBody>
+      </p:sp>
+      <p:sp>
+        <p:nvSpPr>
+          <p:cNvPr id="32" name="TextBox 31">
+            <a:extLst>
+              <a:ext uri="{FF2B5EF4-FFF2-40B4-BE49-F238E27FC236}">
+                <a16:creationId xmlns:a16="http://schemas.microsoft.com/office/drawing/2014/main" id="{DBB456BD-C5D8-CC50-9775-0216813CC184}"/>
+              </a:ext>
+            </a:extLst>
+          </p:cNvPr>
+          <p:cNvSpPr txBox="1"/>
+          <p:nvPr/>
+        </p:nvSpPr>
+        <p:spPr>
+          <a:xfrm>
+            <a:off x="3623806" y="3789150"/>
+            <a:ext cx="2711803" cy="1855123"/>
+          </a:xfrm>
+          <a:prstGeom prst="rect">
+            <a:avLst/>
+          </a:prstGeom>
+          <a:noFill/>
+        </p:spPr>
+        <p:txBody>
+          <a:bodyPr wrap="square" rtlCol="0">
+            <a:spAutoFit/>
+          </a:bodyPr>
+          <a:lstStyle>
+            <a:defPPr>
+              <a:defRPr lang="zh-CN"/>
+            </a:defPPr>
+            <a:lvl1pPr fontAlgn="base">
+              <a:lnSpc>
+                <a:spcPts val="4875"/>
+              </a:lnSpc>
+              <a:defRPr sz="1200" b="1" i="0">
+                <a:solidFill>
+                  <a:srgbClr val="212529"/>
+                </a:solidFill>
+                <a:effectLst/>
+                <a:latin typeface="Playfair Display" panose="020F0502020204030204" pitchFamily="2" charset="0"/>
+              </a:defRPr>
+            </a:lvl1pPr>
+          </a:lstStyle>
+          <a:p>
+            <a:r>
+              <a:rPr lang="en-US" altLang="zh-CN" dirty="0"/>
+              <a:t>Leaf longevity</a:t>
+            </a:r>
+          </a:p>
+          <a:p>
+            <a:r>
+              <a:rPr lang="en-US" altLang="zh-CN" dirty="0"/>
+              <a:t>Determinacy</a:t>
+            </a:r>
+            <a:endParaRPr lang="zh-CN" altLang="en-US" dirty="0"/>
+          </a:p>
+          <a:p>
+            <a:r>
+              <a:rPr lang="en-US" altLang="zh-CN" dirty="0"/>
+              <a:t>Drought</a:t>
+            </a:r>
+            <a:r>
+              <a:rPr lang="zh-CN" altLang="en-US" dirty="0"/>
+              <a:t> </a:t>
+            </a:r>
+            <a:r>
+              <a:rPr lang="en-US" altLang="zh-CN" dirty="0"/>
+              <a:t>tolerance</a:t>
+            </a:r>
+          </a:p>
+        </p:txBody>
+      </p:sp>
+      <p:sp>
+        <p:nvSpPr>
+          <p:cNvPr id="33" name="TextBox 32">
+            <a:extLst>
+              <a:ext uri="{FF2B5EF4-FFF2-40B4-BE49-F238E27FC236}">
+                <a16:creationId xmlns:a16="http://schemas.microsoft.com/office/drawing/2014/main" id="{F9E6BBC7-C1EE-1B80-7E38-BD8D23395838}"/>
+              </a:ext>
+            </a:extLst>
+          </p:cNvPr>
+          <p:cNvSpPr txBox="1"/>
+          <p:nvPr/>
+        </p:nvSpPr>
+        <p:spPr>
+          <a:xfrm>
+            <a:off x="6571476" y="2943454"/>
+            <a:ext cx="2711803" cy="3111878"/>
+          </a:xfrm>
+          <a:prstGeom prst="rect">
+            <a:avLst/>
+          </a:prstGeom>
+          <a:noFill/>
+        </p:spPr>
+        <p:txBody>
+          <a:bodyPr wrap="square" rtlCol="0">
+            <a:spAutoFit/>
+          </a:bodyPr>
+          <a:lstStyle>
+            <a:defPPr>
+              <a:defRPr lang="zh-CN"/>
+            </a:defPPr>
+            <a:lvl1pPr fontAlgn="base">
+              <a:lnSpc>
+                <a:spcPts val="4875"/>
+              </a:lnSpc>
+              <a:defRPr sz="1200" b="1" i="0">
+                <a:solidFill>
+                  <a:srgbClr val="212529"/>
+                </a:solidFill>
+                <a:effectLst/>
+                <a:latin typeface="Playfair Display" panose="020F0502020204030204" pitchFamily="2" charset="0"/>
+              </a:defRPr>
+            </a:lvl1pPr>
+          </a:lstStyle>
+          <a:p>
+            <a:r>
+              <a:rPr lang="en-US" altLang="zh-CN" dirty="0"/>
+              <a:t>Seed size</a:t>
+            </a:r>
+          </a:p>
+          <a:p>
+            <a:r>
+              <a:rPr lang="en-US" altLang="zh-CN" dirty="0"/>
+              <a:t>Nutrient content</a:t>
+            </a:r>
+          </a:p>
+          <a:p>
+            <a:r>
+              <a:rPr lang="en-US" altLang="zh-CN" dirty="0"/>
+              <a:t>Dispersal mode</a:t>
+            </a:r>
+          </a:p>
+          <a:p>
+            <a:r>
+              <a:rPr lang="en-US" altLang="zh-CN" dirty="0"/>
+              <a:t>Seed dormancy</a:t>
+            </a:r>
+          </a:p>
+          <a:p>
+            <a:r>
+              <a:rPr lang="en-US" altLang="zh-CN" dirty="0"/>
+              <a:t>Seed longevity</a:t>
+            </a:r>
+          </a:p>
+        </p:txBody>
+      </p:sp>
+      <p:pic>
+        <p:nvPicPr>
+          <p:cNvPr id="34" name="Graphic 33" descr="Tree Stump with solid fill">
+            <a:extLst>
+              <a:ext uri="{FF2B5EF4-FFF2-40B4-BE49-F238E27FC236}">
+                <a16:creationId xmlns:a16="http://schemas.microsoft.com/office/drawing/2014/main" id="{84789CCF-3555-FCF8-333E-B549582D0259}"/>
+              </a:ext>
+            </a:extLst>
+          </p:cNvPr>
+          <p:cNvPicPr>
+            <a:picLocks noChangeAspect="1"/>
+          </p:cNvPicPr>
+          <p:nvPr/>
+        </p:nvPicPr>
+        <p:blipFill>
+          <a:blip r:embed="rId10">
+            <a:extLst>
+              <a:ext uri="{96DAC541-7B7A-43D3-8B79-37D633B846F1}">
+                <asvg:svgBlip xmlns:asvg="http://schemas.microsoft.com/office/drawing/2016/SVG/main" r:embed="rId11"/>
+              </a:ext>
+            </a:extLst>
+          </a:blip>
+          <a:stretch>
+            <a:fillRect/>
+          </a:stretch>
+        </p:blipFill>
+        <p:spPr>
+          <a:xfrm>
+            <a:off x="4926941" y="4025282"/>
+            <a:ext cx="409199" cy="409199"/>
+          </a:xfrm>
+          <a:prstGeom prst="rect">
+            <a:avLst/>
+          </a:prstGeom>
+        </p:spPr>
+      </p:pic>
+      <p:pic>
+        <p:nvPicPr>
+          <p:cNvPr id="35" name="Graphic 34" descr="Tree Stump with solid fill">
+            <a:extLst>
+              <a:ext uri="{FF2B5EF4-FFF2-40B4-BE49-F238E27FC236}">
+                <a16:creationId xmlns:a16="http://schemas.microsoft.com/office/drawing/2014/main" id="{30F65306-10BA-58F2-B99E-DEDF4163AAE0}"/>
+              </a:ext>
+            </a:extLst>
+          </p:cNvPr>
+          <p:cNvPicPr>
+            <a:picLocks noChangeAspect="1"/>
+          </p:cNvPicPr>
+          <p:nvPr/>
+        </p:nvPicPr>
+        <p:blipFill>
+          <a:blip r:embed="rId10">
+            <a:extLst>
+              <a:ext uri="{96DAC541-7B7A-43D3-8B79-37D633B846F1}">
+                <asvg:svgBlip xmlns:asvg="http://schemas.microsoft.com/office/drawing/2016/SVG/main" r:embed="rId11"/>
+              </a:ext>
+            </a:extLst>
+          </a:blip>
+          <a:stretch>
+            <a:fillRect/>
+          </a:stretch>
+        </p:blipFill>
+        <p:spPr>
+          <a:xfrm>
+            <a:off x="4805134" y="4683749"/>
+            <a:ext cx="409199" cy="409199"/>
+          </a:xfrm>
+          <a:prstGeom prst="rect">
+            <a:avLst/>
+          </a:prstGeom>
+        </p:spPr>
+      </p:pic>
+      <p:pic>
+        <p:nvPicPr>
+          <p:cNvPr id="36" name="Graphic 35" descr="Bee with solid fill">
+            <a:extLst>
+              <a:ext uri="{FF2B5EF4-FFF2-40B4-BE49-F238E27FC236}">
+                <a16:creationId xmlns:a16="http://schemas.microsoft.com/office/drawing/2014/main" id="{C6071C0A-59FF-523F-21F7-56E606377EF1}"/>
+              </a:ext>
+            </a:extLst>
+          </p:cNvPr>
+          <p:cNvPicPr>
+            <a:picLocks noChangeAspect="1"/>
+          </p:cNvPicPr>
+          <p:nvPr/>
+        </p:nvPicPr>
+        <p:blipFill>
+          <a:blip r:embed="rId8">
+            <a:extLst>
+              <a:ext uri="{96DAC541-7B7A-43D3-8B79-37D633B846F1}">
+                <asvg:svgBlip xmlns:asvg="http://schemas.microsoft.com/office/drawing/2016/SVG/main" r:embed="rId9"/>
+              </a:ext>
+            </a:extLst>
+          </a:blip>
+          <a:stretch>
+            <a:fillRect/>
+          </a:stretch>
+        </p:blipFill>
+        <p:spPr>
+          <a:xfrm>
+            <a:off x="1705931" y="3828554"/>
+            <a:ext cx="409199" cy="409199"/>
+          </a:xfrm>
+          <a:prstGeom prst="rect">
+            <a:avLst/>
+          </a:prstGeom>
+        </p:spPr>
+      </p:pic>
+      <p:pic>
+        <p:nvPicPr>
+          <p:cNvPr id="37" name="Graphic 36" descr="Bee with solid fill">
+            <a:extLst>
+              <a:ext uri="{FF2B5EF4-FFF2-40B4-BE49-F238E27FC236}">
+                <a16:creationId xmlns:a16="http://schemas.microsoft.com/office/drawing/2014/main" id="{3DE7D9A2-0DCD-58C9-35ED-CA6C36118601}"/>
+              </a:ext>
+            </a:extLst>
+          </p:cNvPr>
+          <p:cNvPicPr>
+            <a:picLocks noChangeAspect="1"/>
+          </p:cNvPicPr>
+          <p:nvPr/>
+        </p:nvPicPr>
+        <p:blipFill>
+          <a:blip r:embed="rId8">
+            <a:extLst>
+              <a:ext uri="{96DAC541-7B7A-43D3-8B79-37D633B846F1}">
+                <asvg:svgBlip xmlns:asvg="http://schemas.microsoft.com/office/drawing/2016/SVG/main" r:embed="rId9"/>
+              </a:ext>
+            </a:extLst>
+          </a:blip>
+          <a:stretch>
+            <a:fillRect/>
+          </a:stretch>
+        </p:blipFill>
+        <p:spPr>
+          <a:xfrm>
+            <a:off x="1987930" y="4440106"/>
+            <a:ext cx="409199" cy="409199"/>
+          </a:xfrm>
+          <a:prstGeom prst="rect">
+            <a:avLst/>
+          </a:prstGeom>
+        </p:spPr>
+      </p:pic>
+      <p:pic>
+        <p:nvPicPr>
+          <p:cNvPr id="38" name="Graphic 37" descr="Bee with solid fill">
+            <a:extLst>
+              <a:ext uri="{FF2B5EF4-FFF2-40B4-BE49-F238E27FC236}">
+                <a16:creationId xmlns:a16="http://schemas.microsoft.com/office/drawing/2014/main" id="{D6CF1509-E4B0-CC9D-F839-6C085090709C}"/>
+              </a:ext>
+            </a:extLst>
+          </p:cNvPr>
+          <p:cNvPicPr>
+            <a:picLocks noChangeAspect="1"/>
+          </p:cNvPicPr>
+          <p:nvPr/>
+        </p:nvPicPr>
+        <p:blipFill>
+          <a:blip r:embed="rId8">
+            <a:extLst>
+              <a:ext uri="{96DAC541-7B7A-43D3-8B79-37D633B846F1}">
+                <asvg:svgBlip xmlns:asvg="http://schemas.microsoft.com/office/drawing/2016/SVG/main" r:embed="rId9"/>
+              </a:ext>
+            </a:extLst>
+          </a:blip>
+          <a:stretch>
+            <a:fillRect/>
+          </a:stretch>
+        </p:blipFill>
+        <p:spPr>
+          <a:xfrm>
+            <a:off x="1426809" y="5083746"/>
+            <a:ext cx="409199" cy="409199"/>
+          </a:xfrm>
+          <a:prstGeom prst="rect">
+            <a:avLst/>
+          </a:prstGeom>
+        </p:spPr>
+      </p:pic>
+      <p:pic>
+        <p:nvPicPr>
+          <p:cNvPr id="39" name="Graphic 38" descr="Squirrel with solid fill">
+            <a:extLst>
+              <a:ext uri="{FF2B5EF4-FFF2-40B4-BE49-F238E27FC236}">
+                <a16:creationId xmlns:a16="http://schemas.microsoft.com/office/drawing/2014/main" id="{3CA9CCD7-E899-EF68-B495-7BCEA3A456D5}"/>
+              </a:ext>
+            </a:extLst>
+          </p:cNvPr>
+          <p:cNvPicPr>
+            <a:picLocks noChangeAspect="1"/>
+          </p:cNvPicPr>
+          <p:nvPr/>
+        </p:nvPicPr>
+        <p:blipFill>
+          <a:blip r:embed="rId12">
+            <a:extLst>
+              <a:ext uri="{96DAC541-7B7A-43D3-8B79-37D633B846F1}">
+                <asvg:svgBlip xmlns:asvg="http://schemas.microsoft.com/office/drawing/2016/SVG/main" r:embed="rId13"/>
+              </a:ext>
+            </a:extLst>
+          </a:blip>
+          <a:stretch>
+            <a:fillRect/>
+          </a:stretch>
+        </p:blipFill>
+        <p:spPr>
+          <a:xfrm>
+            <a:off x="7380895" y="3193089"/>
+            <a:ext cx="409199" cy="409199"/>
+          </a:xfrm>
+          <a:prstGeom prst="rect">
+            <a:avLst/>
+          </a:prstGeom>
+        </p:spPr>
+      </p:pic>
+      <p:pic>
+        <p:nvPicPr>
+          <p:cNvPr id="40" name="Graphic 39" descr="Squirrel with solid fill">
+            <a:extLst>
+              <a:ext uri="{FF2B5EF4-FFF2-40B4-BE49-F238E27FC236}">
+                <a16:creationId xmlns:a16="http://schemas.microsoft.com/office/drawing/2014/main" id="{E25C2851-786B-F7F1-82CB-5D0DBDD1CBA8}"/>
+              </a:ext>
+            </a:extLst>
+          </p:cNvPr>
+          <p:cNvPicPr>
+            <a:picLocks noChangeAspect="1"/>
+          </p:cNvPicPr>
+          <p:nvPr/>
+        </p:nvPicPr>
+        <p:blipFill>
+          <a:blip r:embed="rId12">
+            <a:extLst>
+              <a:ext uri="{96DAC541-7B7A-43D3-8B79-37D633B846F1}">
+                <asvg:svgBlip xmlns:asvg="http://schemas.microsoft.com/office/drawing/2016/SVG/main" r:embed="rId13"/>
+              </a:ext>
+            </a:extLst>
+          </a:blip>
+          <a:stretch>
+            <a:fillRect/>
+          </a:stretch>
+        </p:blipFill>
+        <p:spPr>
+          <a:xfrm>
+            <a:off x="7900281" y="3793755"/>
+            <a:ext cx="409199" cy="409199"/>
+          </a:xfrm>
+          <a:prstGeom prst="rect">
+            <a:avLst/>
+          </a:prstGeom>
+        </p:spPr>
+      </p:pic>
+      <p:pic>
+        <p:nvPicPr>
+          <p:cNvPr id="41" name="Graphic 40" descr="Squirrel with solid fill">
+            <a:extLst>
+              <a:ext uri="{FF2B5EF4-FFF2-40B4-BE49-F238E27FC236}">
+                <a16:creationId xmlns:a16="http://schemas.microsoft.com/office/drawing/2014/main" id="{0885C18C-5A55-216A-BC01-CCAC321F111A}"/>
+              </a:ext>
+            </a:extLst>
+          </p:cNvPr>
+          <p:cNvPicPr>
+            <a:picLocks noChangeAspect="1"/>
+          </p:cNvPicPr>
+          <p:nvPr/>
+        </p:nvPicPr>
+        <p:blipFill>
+          <a:blip r:embed="rId12">
+            <a:extLst>
+              <a:ext uri="{96DAC541-7B7A-43D3-8B79-37D633B846F1}">
+                <asvg:svgBlip xmlns:asvg="http://schemas.microsoft.com/office/drawing/2016/SVG/main" r:embed="rId13"/>
+              </a:ext>
+            </a:extLst>
+          </a:blip>
+          <a:stretch>
+            <a:fillRect/>
+          </a:stretch>
+        </p:blipFill>
+        <p:spPr>
+          <a:xfrm>
+            <a:off x="7790094" y="4405654"/>
+            <a:ext cx="409199" cy="409199"/>
+          </a:xfrm>
+          <a:prstGeom prst="rect">
+            <a:avLst/>
+          </a:prstGeom>
+        </p:spPr>
+      </p:pic>
+      <p:pic>
+        <p:nvPicPr>
+          <p:cNvPr id="42" name="Graphic 41" descr="Squirrel with solid fill">
+            <a:extLst>
+              <a:ext uri="{FF2B5EF4-FFF2-40B4-BE49-F238E27FC236}">
+                <a16:creationId xmlns:a16="http://schemas.microsoft.com/office/drawing/2014/main" id="{FACA09E8-3921-4C89-BA02-BFEFC7DEA646}"/>
+              </a:ext>
+            </a:extLst>
+          </p:cNvPr>
+          <p:cNvPicPr>
+            <a:picLocks noChangeAspect="1"/>
+          </p:cNvPicPr>
+          <p:nvPr/>
+        </p:nvPicPr>
+        <p:blipFill>
+          <a:blip r:embed="rId12">
+            <a:extLst>
+              <a:ext uri="{96DAC541-7B7A-43D3-8B79-37D633B846F1}">
+                <asvg:svgBlip xmlns:asvg="http://schemas.microsoft.com/office/drawing/2016/SVG/main" r:embed="rId13"/>
+              </a:ext>
+            </a:extLst>
+          </a:blip>
+          <a:stretch>
+            <a:fillRect/>
+          </a:stretch>
+        </p:blipFill>
+        <p:spPr>
+          <a:xfrm>
+            <a:off x="7788751" y="5059701"/>
+            <a:ext cx="409199" cy="409199"/>
+          </a:xfrm>
+          <a:prstGeom prst="rect">
+            <a:avLst/>
+          </a:prstGeom>
+        </p:spPr>
+      </p:pic>
+      <p:pic>
+        <p:nvPicPr>
+          <p:cNvPr id="43" name="Graphic 42" descr="Squirrel with solid fill">
+            <a:extLst>
+              <a:ext uri="{FF2B5EF4-FFF2-40B4-BE49-F238E27FC236}">
+                <a16:creationId xmlns:a16="http://schemas.microsoft.com/office/drawing/2014/main" id="{1DB380EE-489F-B7C8-010F-5160D49BD5DD}"/>
+              </a:ext>
+            </a:extLst>
+          </p:cNvPr>
+          <p:cNvPicPr>
+            <a:picLocks noChangeAspect="1"/>
+          </p:cNvPicPr>
+          <p:nvPr/>
+        </p:nvPicPr>
+        <p:blipFill>
+          <a:blip r:embed="rId12">
+            <a:extLst>
+              <a:ext uri="{96DAC541-7B7A-43D3-8B79-37D633B846F1}">
+                <asvg:svgBlip xmlns:asvg="http://schemas.microsoft.com/office/drawing/2016/SVG/main" r:embed="rId13"/>
+              </a:ext>
+            </a:extLst>
+          </a:blip>
+          <a:stretch>
+            <a:fillRect/>
+          </a:stretch>
+        </p:blipFill>
+        <p:spPr>
+          <a:xfrm>
+            <a:off x="7722778" y="5667235"/>
+            <a:ext cx="409199" cy="409199"/>
+          </a:xfrm>
+          <a:prstGeom prst="rect">
+            <a:avLst/>
+          </a:prstGeom>
+        </p:spPr>
+      </p:pic>
+      <p:pic>
+        <p:nvPicPr>
+          <p:cNvPr id="44" name="Graphic 43" descr="Rain with solid fill">
+            <a:extLst>
+              <a:ext uri="{FF2B5EF4-FFF2-40B4-BE49-F238E27FC236}">
+                <a16:creationId xmlns:a16="http://schemas.microsoft.com/office/drawing/2014/main" id="{E6099418-8651-E3C1-5BB4-0CFBF9E40454}"/>
+              </a:ext>
+            </a:extLst>
+          </p:cNvPr>
+          <p:cNvPicPr>
+            <a:picLocks noChangeAspect="1"/>
+          </p:cNvPicPr>
+          <p:nvPr/>
+        </p:nvPicPr>
+        <p:blipFill>
+          <a:blip r:embed="rId14">
+            <a:extLst>
+              <a:ext uri="{96DAC541-7B7A-43D3-8B79-37D633B846F1}">
+                <asvg:svgBlip xmlns:asvg="http://schemas.microsoft.com/office/drawing/2016/SVG/main" r:embed="rId15"/>
+              </a:ext>
+            </a:extLst>
+          </a:blip>
+          <a:stretch>
+            <a:fillRect/>
+          </a:stretch>
+        </p:blipFill>
+        <p:spPr>
+          <a:xfrm>
+            <a:off x="2422563" y="4440135"/>
+            <a:ext cx="409199" cy="409199"/>
+          </a:xfrm>
+          <a:prstGeom prst="rect">
+            <a:avLst/>
+          </a:prstGeom>
+        </p:spPr>
+      </p:pic>
+      <p:sp>
+        <p:nvSpPr>
+          <p:cNvPr id="45" name="TextBox 44">
+            <a:extLst>
+              <a:ext uri="{FF2B5EF4-FFF2-40B4-BE49-F238E27FC236}">
+                <a16:creationId xmlns:a16="http://schemas.microsoft.com/office/drawing/2014/main" id="{335D97E4-66ED-16E8-3C4D-91A23A6B415A}"/>
+              </a:ext>
+            </a:extLst>
+          </p:cNvPr>
+          <p:cNvSpPr txBox="1"/>
+          <p:nvPr/>
+        </p:nvSpPr>
+        <p:spPr>
+          <a:xfrm>
+            <a:off x="89058" y="3827522"/>
+            <a:ext cx="1436015" cy="598369"/>
+          </a:xfrm>
+          <a:prstGeom prst="rect">
+            <a:avLst/>
+          </a:prstGeom>
+          <a:noFill/>
+        </p:spPr>
+        <p:txBody>
+          <a:bodyPr wrap="square" rtlCol="0">
+            <a:spAutoFit/>
+          </a:bodyPr>
+          <a:lstStyle/>
+          <a:p>
+            <a:pPr fontAlgn="base">
+              <a:lnSpc>
+                <a:spcPts val="4875"/>
+              </a:lnSpc>
+            </a:pPr>
+            <a:r>
+              <a:rPr lang="en-US" altLang="zh-CN" sz="1200" dirty="0">
+                <a:solidFill>
+                  <a:srgbClr val="212529"/>
+                </a:solidFill>
+                <a:latin typeface="Playfair Display" panose="020F0502020204030204" pitchFamily="2" charset="0"/>
+              </a:rPr>
+              <a:t>(categorical)</a:t>
+            </a:r>
+          </a:p>
+        </p:txBody>
+      </p:sp>
+      <p:sp>
+        <p:nvSpPr>
+          <p:cNvPr id="46" name="TextBox 45">
+            <a:extLst>
+              <a:ext uri="{FF2B5EF4-FFF2-40B4-BE49-F238E27FC236}">
+                <a16:creationId xmlns:a16="http://schemas.microsoft.com/office/drawing/2014/main" id="{1D2E8E39-86FA-D1D0-CCA0-B5B87334D9FB}"/>
+              </a:ext>
+            </a:extLst>
+          </p:cNvPr>
+          <p:cNvSpPr txBox="1"/>
+          <p:nvPr/>
+        </p:nvSpPr>
+        <p:spPr>
+          <a:xfrm>
+            <a:off x="89058" y="4434993"/>
+            <a:ext cx="1436015" cy="598369"/>
+          </a:xfrm>
+          <a:prstGeom prst="rect">
+            <a:avLst/>
+          </a:prstGeom>
+          <a:noFill/>
+        </p:spPr>
+        <p:txBody>
+          <a:bodyPr wrap="square" rtlCol="0">
+            <a:spAutoFit/>
+          </a:bodyPr>
+          <a:lstStyle/>
+          <a:p>
+            <a:pPr fontAlgn="base">
+              <a:lnSpc>
+                <a:spcPts val="4875"/>
+              </a:lnSpc>
+            </a:pPr>
+            <a:r>
+              <a:rPr lang="en-US" altLang="zh-CN" sz="1200" dirty="0">
+                <a:solidFill>
+                  <a:srgbClr val="212529"/>
+                </a:solidFill>
+                <a:latin typeface="Playfair Display" panose="020F0502020204030204" pitchFamily="2" charset="0"/>
+              </a:rPr>
+              <a:t>(continuous)</a:t>
+            </a:r>
+          </a:p>
+        </p:txBody>
+      </p:sp>
+      <p:sp>
+        <p:nvSpPr>
+          <p:cNvPr id="47" name="TextBox 46">
+            <a:extLst>
+              <a:ext uri="{FF2B5EF4-FFF2-40B4-BE49-F238E27FC236}">
+                <a16:creationId xmlns:a16="http://schemas.microsoft.com/office/drawing/2014/main" id="{24A52BD6-F8DC-484B-A03A-77467F5C768B}"/>
+              </a:ext>
+            </a:extLst>
+          </p:cNvPr>
+          <p:cNvSpPr txBox="1"/>
+          <p:nvPr/>
+        </p:nvSpPr>
+        <p:spPr>
+          <a:xfrm>
+            <a:off x="82019" y="5092766"/>
+            <a:ext cx="3010757" cy="905376"/>
+          </a:xfrm>
+          <a:prstGeom prst="rect">
+            <a:avLst/>
+          </a:prstGeom>
+          <a:noFill/>
+        </p:spPr>
+        <p:txBody>
+          <a:bodyPr wrap="square" rtlCol="0">
+            <a:spAutoFit/>
+          </a:bodyPr>
+          <a:lstStyle/>
+          <a:p>
+            <a:pPr fontAlgn="base">
+              <a:lnSpc>
+                <a:spcPts val="4875"/>
+              </a:lnSpc>
+            </a:pPr>
+            <a:r>
+              <a:rPr lang="en-US" altLang="zh-CN" sz="1200" dirty="0">
+                <a:solidFill>
+                  <a:srgbClr val="212529"/>
+                </a:solidFill>
+                <a:latin typeface="Playfair Display" panose="020F0502020204030204" pitchFamily="2" charset="0"/>
+              </a:rPr>
+              <a:t>(wind pollinated, insects pollinated)</a:t>
+            </a:r>
+          </a:p>
+          <a:p>
+            <a:pPr fontAlgn="base"/>
+            <a:r>
+              <a:rPr lang="en-US" altLang="zh-CN" sz="1200" dirty="0">
+                <a:solidFill>
+                  <a:srgbClr val="212529"/>
+                </a:solidFill>
+                <a:latin typeface="Playfair Display" panose="020F0502020204030204" pitchFamily="2" charset="0"/>
+              </a:rPr>
+              <a:t>(categorical)</a:t>
+            </a:r>
+          </a:p>
+        </p:txBody>
+      </p:sp>
+      <p:sp>
+        <p:nvSpPr>
+          <p:cNvPr id="48" name="TextBox 47">
+            <a:extLst>
+              <a:ext uri="{FF2B5EF4-FFF2-40B4-BE49-F238E27FC236}">
+                <a16:creationId xmlns:a16="http://schemas.microsoft.com/office/drawing/2014/main" id="{8C5B0004-D005-56CC-7E86-3E0379983403}"/>
+              </a:ext>
+            </a:extLst>
+          </p:cNvPr>
+          <p:cNvSpPr txBox="1"/>
+          <p:nvPr/>
+        </p:nvSpPr>
+        <p:spPr>
+          <a:xfrm>
+            <a:off x="3619698" y="4038786"/>
+            <a:ext cx="1436015" cy="598369"/>
+          </a:xfrm>
+          <a:prstGeom prst="rect">
+            <a:avLst/>
+          </a:prstGeom>
+          <a:noFill/>
+        </p:spPr>
+        <p:txBody>
+          <a:bodyPr wrap="square" rtlCol="0">
+            <a:spAutoFit/>
+          </a:bodyPr>
+          <a:lstStyle/>
+          <a:p>
+            <a:pPr fontAlgn="base">
+              <a:lnSpc>
+                <a:spcPts val="4875"/>
+              </a:lnSpc>
+            </a:pPr>
+            <a:r>
+              <a:rPr lang="en-US" altLang="zh-CN" sz="1200" dirty="0">
+                <a:solidFill>
+                  <a:srgbClr val="212529"/>
+                </a:solidFill>
+                <a:latin typeface="Playfair Display" panose="020F0502020204030204" pitchFamily="2" charset="0"/>
+              </a:rPr>
+              <a:t>(continuous)</a:t>
+            </a:r>
+          </a:p>
+        </p:txBody>
+      </p:sp>
+      <p:sp>
+        <p:nvSpPr>
+          <p:cNvPr id="49" name="TextBox 48">
+            <a:extLst>
+              <a:ext uri="{FF2B5EF4-FFF2-40B4-BE49-F238E27FC236}">
+                <a16:creationId xmlns:a16="http://schemas.microsoft.com/office/drawing/2014/main" id="{7636A3D9-98AC-E9F1-5889-A58537BE5B70}"/>
+              </a:ext>
+            </a:extLst>
+          </p:cNvPr>
+          <p:cNvSpPr txBox="1"/>
+          <p:nvPr/>
+        </p:nvSpPr>
+        <p:spPr>
+          <a:xfrm>
+            <a:off x="3638017" y="4651302"/>
+            <a:ext cx="1436015" cy="598369"/>
+          </a:xfrm>
+          <a:prstGeom prst="rect">
+            <a:avLst/>
+          </a:prstGeom>
+          <a:noFill/>
+        </p:spPr>
+        <p:txBody>
+          <a:bodyPr wrap="square" rtlCol="0">
+            <a:spAutoFit/>
+          </a:bodyPr>
+          <a:lstStyle/>
+          <a:p>
+            <a:pPr fontAlgn="base">
+              <a:lnSpc>
+                <a:spcPts val="4875"/>
+              </a:lnSpc>
+            </a:pPr>
+            <a:r>
+              <a:rPr lang="en-US" altLang="zh-CN" sz="1200" dirty="0">
+                <a:solidFill>
+                  <a:srgbClr val="212529"/>
+                </a:solidFill>
+                <a:latin typeface="Playfair Display" panose="020F0502020204030204" pitchFamily="2" charset="0"/>
+              </a:rPr>
+              <a:t>(categorical)</a:t>
+            </a:r>
+          </a:p>
+        </p:txBody>
+      </p:sp>
+      <p:sp>
+        <p:nvSpPr>
+          <p:cNvPr id="50" name="TextBox 49">
+            <a:extLst>
+              <a:ext uri="{FF2B5EF4-FFF2-40B4-BE49-F238E27FC236}">
+                <a16:creationId xmlns:a16="http://schemas.microsoft.com/office/drawing/2014/main" id="{E6F2E5EA-ADAA-ECC7-BBBA-7AE42069A4BE}"/>
+              </a:ext>
+            </a:extLst>
+          </p:cNvPr>
+          <p:cNvSpPr txBox="1"/>
+          <p:nvPr/>
+        </p:nvSpPr>
+        <p:spPr>
+          <a:xfrm>
+            <a:off x="6561542" y="3188501"/>
+            <a:ext cx="1436015" cy="598369"/>
+          </a:xfrm>
+          <a:prstGeom prst="rect">
+            <a:avLst/>
+          </a:prstGeom>
+          <a:noFill/>
+        </p:spPr>
+        <p:txBody>
+          <a:bodyPr wrap="square" rtlCol="0">
+            <a:spAutoFit/>
+          </a:bodyPr>
+          <a:lstStyle/>
+          <a:p>
+            <a:pPr fontAlgn="base">
+              <a:lnSpc>
+                <a:spcPts val="4875"/>
+              </a:lnSpc>
+            </a:pPr>
+            <a:r>
+              <a:rPr lang="en-US" altLang="zh-CN" sz="1200" dirty="0">
+                <a:solidFill>
+                  <a:srgbClr val="212529"/>
+                </a:solidFill>
+                <a:latin typeface="Playfair Display" panose="020F0502020204030204" pitchFamily="2" charset="0"/>
+              </a:rPr>
+              <a:t>(continuous)</a:t>
+            </a:r>
+          </a:p>
+        </p:txBody>
+      </p:sp>
+      <p:sp>
+        <p:nvSpPr>
+          <p:cNvPr id="51" name="TextBox 50">
+            <a:extLst>
+              <a:ext uri="{FF2B5EF4-FFF2-40B4-BE49-F238E27FC236}">
+                <a16:creationId xmlns:a16="http://schemas.microsoft.com/office/drawing/2014/main" id="{1546744B-319C-7987-C929-D663C4D1800A}"/>
+              </a:ext>
+            </a:extLst>
+          </p:cNvPr>
+          <p:cNvSpPr txBox="1"/>
+          <p:nvPr/>
+        </p:nvSpPr>
+        <p:spPr>
+          <a:xfrm>
+            <a:off x="6571475" y="3814858"/>
+            <a:ext cx="1436015" cy="598369"/>
+          </a:xfrm>
+          <a:prstGeom prst="rect">
+            <a:avLst/>
+          </a:prstGeom>
+          <a:noFill/>
+        </p:spPr>
+        <p:txBody>
+          <a:bodyPr wrap="square" rtlCol="0">
+            <a:spAutoFit/>
+          </a:bodyPr>
+          <a:lstStyle/>
+          <a:p>
+            <a:pPr fontAlgn="base">
+              <a:lnSpc>
+                <a:spcPts val="4875"/>
+              </a:lnSpc>
+            </a:pPr>
+            <a:r>
+              <a:rPr lang="en-US" altLang="zh-CN" sz="1200" dirty="0">
+                <a:solidFill>
+                  <a:srgbClr val="212529"/>
+                </a:solidFill>
+                <a:latin typeface="Playfair Display" panose="020F0502020204030204" pitchFamily="2" charset="0"/>
+              </a:rPr>
+              <a:t>(continuous)</a:t>
+            </a:r>
+          </a:p>
+        </p:txBody>
+      </p:sp>
+      <p:sp>
+        <p:nvSpPr>
+          <p:cNvPr id="52" name="TextBox 51">
+            <a:extLst>
+              <a:ext uri="{FF2B5EF4-FFF2-40B4-BE49-F238E27FC236}">
+                <a16:creationId xmlns:a16="http://schemas.microsoft.com/office/drawing/2014/main" id="{AD085E70-F0C7-AD9A-C894-395549A7A4DB}"/>
+              </a:ext>
+            </a:extLst>
+          </p:cNvPr>
+          <p:cNvSpPr txBox="1"/>
+          <p:nvPr/>
+        </p:nvSpPr>
+        <p:spPr>
+          <a:xfrm>
+            <a:off x="6578498" y="4426757"/>
+            <a:ext cx="1436015" cy="598369"/>
+          </a:xfrm>
+          <a:prstGeom prst="rect">
+            <a:avLst/>
+          </a:prstGeom>
+          <a:noFill/>
+        </p:spPr>
+        <p:txBody>
+          <a:bodyPr wrap="square" rtlCol="0">
+            <a:spAutoFit/>
+          </a:bodyPr>
+          <a:lstStyle/>
+          <a:p>
+            <a:pPr fontAlgn="base">
+              <a:lnSpc>
+                <a:spcPts val="4875"/>
+              </a:lnSpc>
+            </a:pPr>
+            <a:r>
+              <a:rPr lang="en-US" altLang="zh-CN" sz="1200" dirty="0">
+                <a:solidFill>
+                  <a:srgbClr val="212529"/>
+                </a:solidFill>
+                <a:latin typeface="Playfair Display" panose="020F0502020204030204" pitchFamily="2" charset="0"/>
+              </a:rPr>
+              <a:t>(categorical)</a:t>
+            </a:r>
+          </a:p>
+        </p:txBody>
+      </p:sp>
+      <p:sp>
+        <p:nvSpPr>
+          <p:cNvPr id="53" name="TextBox 52">
+            <a:extLst>
+              <a:ext uri="{FF2B5EF4-FFF2-40B4-BE49-F238E27FC236}">
+                <a16:creationId xmlns:a16="http://schemas.microsoft.com/office/drawing/2014/main" id="{0931E165-B52E-26F5-9CFF-C8D02462E101}"/>
+              </a:ext>
+            </a:extLst>
+          </p:cNvPr>
+          <p:cNvSpPr txBox="1"/>
+          <p:nvPr/>
+        </p:nvSpPr>
+        <p:spPr>
+          <a:xfrm>
+            <a:off x="6576341" y="5055337"/>
+            <a:ext cx="1436015" cy="598369"/>
+          </a:xfrm>
+          <a:prstGeom prst="rect">
+            <a:avLst/>
+          </a:prstGeom>
+          <a:noFill/>
+        </p:spPr>
+        <p:txBody>
+          <a:bodyPr wrap="square" rtlCol="0">
+            <a:spAutoFit/>
+          </a:bodyPr>
+          <a:lstStyle/>
+          <a:p>
+            <a:pPr fontAlgn="base">
+              <a:lnSpc>
+                <a:spcPts val="4875"/>
+              </a:lnSpc>
+            </a:pPr>
+            <a:r>
+              <a:rPr lang="en-US" altLang="zh-CN" sz="1200" dirty="0">
+                <a:solidFill>
+                  <a:srgbClr val="212529"/>
+                </a:solidFill>
+                <a:latin typeface="Playfair Display" panose="020F0502020204030204" pitchFamily="2" charset="0"/>
+              </a:rPr>
+              <a:t>(categorical)</a:t>
+            </a:r>
+          </a:p>
+        </p:txBody>
+      </p:sp>
+      <p:sp>
+        <p:nvSpPr>
+          <p:cNvPr id="54" name="TextBox 53">
+            <a:extLst>
+              <a:ext uri="{FF2B5EF4-FFF2-40B4-BE49-F238E27FC236}">
+                <a16:creationId xmlns:a16="http://schemas.microsoft.com/office/drawing/2014/main" id="{73D6E366-A22F-C865-BC40-F42FF9C2CD54}"/>
+              </a:ext>
+            </a:extLst>
+          </p:cNvPr>
+          <p:cNvSpPr txBox="1"/>
+          <p:nvPr/>
+        </p:nvSpPr>
+        <p:spPr>
+          <a:xfrm>
+            <a:off x="6583346" y="5680469"/>
+            <a:ext cx="1436015" cy="598369"/>
+          </a:xfrm>
+          <a:prstGeom prst="rect">
+            <a:avLst/>
+          </a:prstGeom>
+          <a:noFill/>
+        </p:spPr>
+        <p:txBody>
+          <a:bodyPr wrap="square" rtlCol="0">
+            <a:spAutoFit/>
+          </a:bodyPr>
+          <a:lstStyle/>
+          <a:p>
+            <a:pPr fontAlgn="base">
+              <a:lnSpc>
+                <a:spcPts val="4875"/>
+              </a:lnSpc>
+            </a:pPr>
+            <a:r>
+              <a:rPr lang="en-US" altLang="zh-CN" sz="1200" dirty="0">
+                <a:solidFill>
+                  <a:srgbClr val="212529"/>
+                </a:solidFill>
+                <a:latin typeface="Playfair Display" panose="020F0502020204030204" pitchFamily="2" charset="0"/>
+              </a:rPr>
+              <a:t>(continuous)</a:t>
+            </a:r>
+          </a:p>
+        </p:txBody>
+      </p:sp>
+      <p:cxnSp>
+        <p:nvCxnSpPr>
+          <p:cNvPr id="3" name="Straight Connector 2">
+            <a:extLst>
+              <a:ext uri="{FF2B5EF4-FFF2-40B4-BE49-F238E27FC236}">
+                <a16:creationId xmlns:a16="http://schemas.microsoft.com/office/drawing/2014/main" id="{6CBF5CBC-D081-205F-FB05-60EB616EE156}"/>
+              </a:ext>
+            </a:extLst>
+          </p:cNvPr>
+          <p:cNvCxnSpPr/>
+          <p:nvPr/>
+        </p:nvCxnSpPr>
+        <p:spPr>
+          <a:xfrm>
+            <a:off x="213756" y="4678878"/>
+            <a:ext cx="1721922" cy="0"/>
+          </a:xfrm>
+          <a:prstGeom prst="line">
+            <a:avLst/>
+          </a:prstGeom>
+          <a:ln>
+            <a:solidFill>
+              <a:srgbClr val="FF0000"/>
+            </a:solidFill>
+          </a:ln>
+        </p:spPr>
+        <p:style>
+          <a:lnRef idx="2">
+            <a:schemeClr val="accent1"/>
+          </a:lnRef>
+          <a:fillRef idx="0">
+            <a:schemeClr val="accent1"/>
+          </a:fillRef>
+          <a:effectRef idx="1">
+            <a:schemeClr val="accent1"/>
+          </a:effectRef>
+          <a:fontRef idx="minor">
+            <a:schemeClr val="tx1"/>
+          </a:fontRef>
+        </p:style>
+      </p:cxnSp>
+      <p:cxnSp>
+        <p:nvCxnSpPr>
+          <p:cNvPr id="5" name="Straight Connector 4">
+            <a:extLst>
+              <a:ext uri="{FF2B5EF4-FFF2-40B4-BE49-F238E27FC236}">
+                <a16:creationId xmlns:a16="http://schemas.microsoft.com/office/drawing/2014/main" id="{5E1CB9A4-35C4-E195-E997-A05C499D27CD}"/>
+              </a:ext>
+            </a:extLst>
+          </p:cNvPr>
+          <p:cNvCxnSpPr>
+            <a:cxnSpLocks/>
+          </p:cNvCxnSpPr>
+          <p:nvPr/>
+        </p:nvCxnSpPr>
+        <p:spPr>
+          <a:xfrm>
+            <a:off x="3642756" y="4874820"/>
+            <a:ext cx="1114301" cy="0"/>
+          </a:xfrm>
+          <a:prstGeom prst="line">
+            <a:avLst/>
+          </a:prstGeom>
+          <a:ln>
+            <a:solidFill>
+              <a:srgbClr val="FF0000"/>
+            </a:solidFill>
+          </a:ln>
+        </p:spPr>
+        <p:style>
+          <a:lnRef idx="2">
+            <a:schemeClr val="accent1"/>
+          </a:lnRef>
+          <a:fillRef idx="0">
+            <a:schemeClr val="accent1"/>
+          </a:fillRef>
+          <a:effectRef idx="1">
+            <a:schemeClr val="accent1"/>
+          </a:effectRef>
+          <a:fontRef idx="minor">
+            <a:schemeClr val="tx1"/>
+          </a:fontRef>
+        </p:style>
+      </p:cxnSp>
+      <p:cxnSp>
+        <p:nvCxnSpPr>
+          <p:cNvPr id="7" name="Straight Connector 6">
+            <a:extLst>
+              <a:ext uri="{FF2B5EF4-FFF2-40B4-BE49-F238E27FC236}">
+                <a16:creationId xmlns:a16="http://schemas.microsoft.com/office/drawing/2014/main" id="{BE09A14B-CB10-5272-3C27-E12DBA9867BB}"/>
+              </a:ext>
+            </a:extLst>
+          </p:cNvPr>
+          <p:cNvCxnSpPr>
+            <a:cxnSpLocks/>
+          </p:cNvCxnSpPr>
+          <p:nvPr/>
+        </p:nvCxnSpPr>
+        <p:spPr>
+          <a:xfrm>
+            <a:off x="6658099" y="4047507"/>
+            <a:ext cx="1201387" cy="0"/>
+          </a:xfrm>
+          <a:prstGeom prst="line">
+            <a:avLst/>
+          </a:prstGeom>
+          <a:ln>
+            <a:solidFill>
+              <a:srgbClr val="FF0000"/>
+            </a:solidFill>
+          </a:ln>
+        </p:spPr>
+        <p:style>
+          <a:lnRef idx="2">
+            <a:schemeClr val="accent1"/>
+          </a:lnRef>
+          <a:fillRef idx="0">
+            <a:schemeClr val="accent1"/>
+          </a:fillRef>
+          <a:effectRef idx="1">
+            <a:schemeClr val="accent1"/>
+          </a:effectRef>
+          <a:fontRef idx="minor">
+            <a:schemeClr val="tx1"/>
+          </a:fontRef>
+        </p:style>
+      </p:cxnSp>
+      <p:cxnSp>
+        <p:nvCxnSpPr>
+          <p:cNvPr id="9" name="Straight Connector 8">
+            <a:extLst>
+              <a:ext uri="{FF2B5EF4-FFF2-40B4-BE49-F238E27FC236}">
+                <a16:creationId xmlns:a16="http://schemas.microsoft.com/office/drawing/2014/main" id="{182BBF6B-CF54-73F1-9904-957DCFE0FE0B}"/>
+              </a:ext>
+            </a:extLst>
+          </p:cNvPr>
+          <p:cNvCxnSpPr>
+            <a:cxnSpLocks/>
+          </p:cNvCxnSpPr>
+          <p:nvPr/>
+        </p:nvCxnSpPr>
+        <p:spPr>
+          <a:xfrm>
+            <a:off x="6549242" y="5919850"/>
+            <a:ext cx="1114301" cy="0"/>
+          </a:xfrm>
+          <a:prstGeom prst="line">
+            <a:avLst/>
+          </a:prstGeom>
+          <a:ln>
+            <a:solidFill>
+              <a:srgbClr val="FF0000"/>
+            </a:solidFill>
+          </a:ln>
+        </p:spPr>
+        <p:style>
+          <a:lnRef idx="2">
+            <a:schemeClr val="accent1"/>
+          </a:lnRef>
+          <a:fillRef idx="0">
+            <a:schemeClr val="accent1"/>
+          </a:fillRef>
+          <a:effectRef idx="1">
+            <a:schemeClr val="accent1"/>
+          </a:effectRef>
+          <a:fontRef idx="minor">
+            <a:schemeClr val="tx1"/>
+          </a:fontRef>
+        </p:style>
+      </p:cxnSp>
+      <p:sp>
+        <p:nvSpPr>
+          <p:cNvPr id="55" name="TextBox 54">
+            <a:extLst>
+              <a:ext uri="{FF2B5EF4-FFF2-40B4-BE49-F238E27FC236}">
+                <a16:creationId xmlns:a16="http://schemas.microsoft.com/office/drawing/2014/main" id="{2955E0B4-7043-B6C7-542A-E97A9112BF2C}"/>
+              </a:ext>
+            </a:extLst>
+          </p:cNvPr>
+          <p:cNvSpPr txBox="1"/>
+          <p:nvPr/>
+        </p:nvSpPr>
+        <p:spPr>
+          <a:xfrm>
+            <a:off x="3634692" y="5300299"/>
+            <a:ext cx="1436015" cy="598369"/>
+          </a:xfrm>
+          <a:prstGeom prst="rect">
+            <a:avLst/>
+          </a:prstGeom>
+          <a:noFill/>
+        </p:spPr>
+        <p:txBody>
+          <a:bodyPr wrap="square" rtlCol="0">
+            <a:spAutoFit/>
+          </a:bodyPr>
+          <a:lstStyle/>
+          <a:p>
+            <a:pPr fontAlgn="base">
+              <a:lnSpc>
+                <a:spcPts val="4875"/>
+              </a:lnSpc>
+            </a:pPr>
+            <a:r>
+              <a:rPr lang="en-US" altLang="zh-CN" sz="1200" dirty="0">
+                <a:solidFill>
+                  <a:srgbClr val="212529"/>
+                </a:solidFill>
+                <a:latin typeface="Playfair Display" panose="020F0502020204030204" pitchFamily="2" charset="0"/>
+              </a:rPr>
+              <a:t>(categorical)</a:t>
+            </a:r>
+          </a:p>
+        </p:txBody>
+      </p:sp>
+      <p:pic>
+        <p:nvPicPr>
+          <p:cNvPr id="57" name="Graphic 56" descr="Tree Stump with solid fill">
+            <a:extLst>
+              <a:ext uri="{FF2B5EF4-FFF2-40B4-BE49-F238E27FC236}">
+                <a16:creationId xmlns:a16="http://schemas.microsoft.com/office/drawing/2014/main" id="{35D74EF7-0650-1C5B-89EE-D62C9940897F}"/>
+              </a:ext>
+            </a:extLst>
+          </p:cNvPr>
+          <p:cNvPicPr>
+            <a:picLocks noChangeAspect="1"/>
+          </p:cNvPicPr>
+          <p:nvPr/>
+        </p:nvPicPr>
+        <p:blipFill>
+          <a:blip r:embed="rId10">
+            <a:extLst>
+              <a:ext uri="{96DAC541-7B7A-43D3-8B79-37D633B846F1}">
+                <asvg:svgBlip xmlns:asvg="http://schemas.microsoft.com/office/drawing/2016/SVG/main" r:embed="rId11"/>
+              </a:ext>
+            </a:extLst>
+          </a:blip>
+          <a:stretch>
+            <a:fillRect/>
+          </a:stretch>
+        </p:blipFill>
+        <p:spPr>
+          <a:xfrm>
+            <a:off x="5099577" y="5277660"/>
+            <a:ext cx="409199" cy="409199"/>
+          </a:xfrm>
+          <a:prstGeom prst="rect">
+            <a:avLst/>
+          </a:prstGeom>
+        </p:spPr>
+      </p:pic>
+      <p:pic>
+        <p:nvPicPr>
+          <p:cNvPr id="58" name="Graphic 57" descr="Rain with solid fill">
+            <a:extLst>
+              <a:ext uri="{FF2B5EF4-FFF2-40B4-BE49-F238E27FC236}">
+                <a16:creationId xmlns:a16="http://schemas.microsoft.com/office/drawing/2014/main" id="{DBA32FC9-8492-1BC2-5945-3769E1F7A6BF}"/>
+              </a:ext>
+            </a:extLst>
+          </p:cNvPr>
+          <p:cNvPicPr>
+            <a:picLocks noChangeAspect="1"/>
+          </p:cNvPicPr>
+          <p:nvPr/>
+        </p:nvPicPr>
+        <p:blipFill>
+          <a:blip r:embed="rId14">
+            <a:extLst>
+              <a:ext uri="{96DAC541-7B7A-43D3-8B79-37D633B846F1}">
+                <asvg:svgBlip xmlns:asvg="http://schemas.microsoft.com/office/drawing/2016/SVG/main" r:embed="rId15"/>
+              </a:ext>
+            </a:extLst>
+          </a:blip>
+          <a:stretch>
+            <a:fillRect/>
+          </a:stretch>
+        </p:blipFill>
+        <p:spPr>
+          <a:xfrm>
+            <a:off x="5504052" y="5239765"/>
+            <a:ext cx="409199" cy="409199"/>
           </a:xfrm>
           <a:prstGeom prst="rect">
             <a:avLst/>
@@ -5428,7 +11254,7 @@
         <p:cNvPr id="1" name="">
           <a:extLst>
             <a:ext uri="{FF2B5EF4-FFF2-40B4-BE49-F238E27FC236}">
-              <a16:creationId xmlns:a16="http://schemas.microsoft.com/office/drawing/2014/main" id="{E559CC97-C9DD-3111-F7CB-B103AB023F0F}"/>
+              <a16:creationId xmlns:a16="http://schemas.microsoft.com/office/drawing/2014/main" id="{8B32D191-D1A9-E41A-4AFE-B48641E558F5}"/>
             </a:ext>
           </a:extLst>
         </p:cNvPr>
@@ -5443,12 +11269,48 @@
           <a:chExt cx="0" cy="0"/>
         </a:xfrm>
       </p:grpSpPr>
-      <p:sp>
-        <p:nvSpPr>
-          <p:cNvPr id="2" name="TextBox 1">
-            <a:extLst>
-              <a:ext uri="{FF2B5EF4-FFF2-40B4-BE49-F238E27FC236}">
-                <a16:creationId xmlns:a16="http://schemas.microsoft.com/office/drawing/2014/main" id="{60801DD7-D34B-980D-DB8A-DD198CA3B336}"/>
+      <p:pic>
+        <p:nvPicPr>
+          <p:cNvPr id="6" name="Picture 5" descr="A screenshot of a computer&#10;&#10;AI-generated content may be incorrect.">
+            <a:extLst>
+              <a:ext uri="{FF2B5EF4-FFF2-40B4-BE49-F238E27FC236}">
+                <a16:creationId xmlns:a16="http://schemas.microsoft.com/office/drawing/2014/main" id="{3DE727DC-B9CF-4451-ED59-84EEC50C6CB0}"/>
+              </a:ext>
+            </a:extLst>
+          </p:cNvPr>
+          <p:cNvPicPr>
+            <a:picLocks noChangeAspect="1"/>
+          </p:cNvPicPr>
+          <p:nvPr/>
+        </p:nvPicPr>
+        <p:blipFill>
+          <a:blip r:embed="rId3">
+            <a:extLst>
+              <a:ext uri="{28A0092B-C50C-407E-A947-70E740481C1C}">
+                <a14:useLocalDpi xmlns:a14="http://schemas.microsoft.com/office/drawing/2010/main" val="0"/>
+              </a:ext>
+            </a:extLst>
+          </a:blip>
+          <a:stretch>
+            <a:fillRect/>
+          </a:stretch>
+        </p:blipFill>
+        <p:spPr>
+          <a:xfrm>
+            <a:off x="1004142" y="92829"/>
+            <a:ext cx="9857143" cy="4800000"/>
+          </a:xfrm>
+          <a:prstGeom prst="rect">
+            <a:avLst/>
+          </a:prstGeom>
+        </p:spPr>
+      </p:pic>
+      <p:sp>
+        <p:nvSpPr>
+          <p:cNvPr id="8" name="TextBox 7">
+            <a:extLst>
+              <a:ext uri="{FF2B5EF4-FFF2-40B4-BE49-F238E27FC236}">
+                <a16:creationId xmlns:a16="http://schemas.microsoft.com/office/drawing/2014/main" id="{11C55389-8DF0-1649-A6FD-ECEF89912EB0}"/>
               </a:ext>
             </a:extLst>
           </p:cNvPr>
@@ -5457,8 +11319,8 @@
         </p:nvSpPr>
         <p:spPr>
           <a:xfrm>
-            <a:off x="1502228" y="936170"/>
-            <a:ext cx="9187543" cy="923330"/>
+            <a:off x="1153886" y="5334000"/>
+            <a:ext cx="9416143" cy="923330"/>
           </a:xfrm>
           <a:prstGeom prst="rect">
             <a:avLst/>
@@ -5471,117 +11333,42 @@
           </a:bodyPr>
           <a:lstStyle/>
           <a:p>
-            <a:r>
-              <a:rPr lang="en-US" altLang="zh-CN" dirty="0"/>
-              <a:t>Response variables:</a:t>
-            </a:r>
-          </a:p>
-          <a:p>
-            <a:r>
-              <a:rPr lang="en-US" altLang="zh-CN" b="1" dirty="0"/>
-              <a:t>Binary</a:t>
-            </a:r>
-            <a:r>
-              <a:rPr lang="en-US" altLang="zh-CN" dirty="0"/>
-              <a:t>: Whether a species masts or not (0/1)</a:t>
-            </a:r>
-          </a:p>
-          <a:p>
-            <a:r>
-              <a:rPr lang="en-US" altLang="zh-CN" b="1" dirty="0"/>
-              <a:t>Continuous</a:t>
-            </a:r>
-            <a:r>
-              <a:rPr lang="en-US" altLang="zh-CN" dirty="0"/>
-              <a:t>: Frequency of mast (e.g., mean or CV of masting over time)</a:t>
-            </a:r>
-          </a:p>
-        </p:txBody>
-      </p:sp>
-      <p:sp>
-        <p:nvSpPr>
-          <p:cNvPr id="7" name="TextBox 6">
-            <a:extLst>
-              <a:ext uri="{FF2B5EF4-FFF2-40B4-BE49-F238E27FC236}">
-                <a16:creationId xmlns:a16="http://schemas.microsoft.com/office/drawing/2014/main" id="{ECA9F248-968A-5D75-9DE0-DD6BF619DCB0}"/>
-              </a:ext>
-            </a:extLst>
-          </p:cNvPr>
-          <p:cNvSpPr txBox="1"/>
-          <p:nvPr/>
-        </p:nvSpPr>
-        <p:spPr>
-          <a:xfrm>
-            <a:off x="1502227" y="2399436"/>
-            <a:ext cx="9753601" cy="1477328"/>
-          </a:xfrm>
-          <a:prstGeom prst="rect">
-            <a:avLst/>
-          </a:prstGeom>
-          <a:noFill/>
-        </p:spPr>
-        <p:txBody>
-          <a:bodyPr wrap="square">
-            <a:spAutoFit/>
-          </a:bodyPr>
-          <a:lstStyle/>
-          <a:p>
-            <a:pPr>
-              <a:buNone/>
-            </a:pPr>
-            <a:r>
-              <a:rPr lang="en-US" altLang="zh-CN" b="1" dirty="0"/>
-              <a:t>Predictors</a:t>
-            </a:r>
-          </a:p>
-          <a:p>
-            <a:pPr>
+            <a:pPr marL="285750" indent="-285750">
               <a:buFont typeface="Arial" panose="020B0604020202020204" pitchFamily="34" charset="0"/>
               <a:buChar char="•"/>
             </a:pPr>
             <a:r>
-              <a:rPr lang="en-US" altLang="zh-CN" b="1" dirty="0"/>
-              <a:t>Reproductive traits</a:t>
-            </a:r>
-            <a:r>
               <a:rPr lang="en-US" altLang="zh-CN" dirty="0"/>
-              <a:t>: mixture of categorical (e.g., pollination mode), and continuous (e.g., seed size).</a:t>
-            </a:r>
-          </a:p>
-          <a:p>
-            <a:pPr>
+              <a:t>One row of data for each species</a:t>
+            </a:r>
+          </a:p>
+          <a:p>
+            <a:pPr marL="285750" indent="-285750">
               <a:buFont typeface="Arial" panose="020B0604020202020204" pitchFamily="34" charset="0"/>
               <a:buChar char="•"/>
             </a:pPr>
             <a:r>
-              <a:rPr lang="en-US" altLang="zh-CN" b="1" dirty="0"/>
-              <a:t>Climate category</a:t>
-            </a:r>
-            <a:r>
               <a:rPr lang="en-US" altLang="zh-CN" dirty="0"/>
-              <a:t>: categorical (wet, moist, dry).</a:t>
-            </a:r>
-          </a:p>
-          <a:p>
-            <a:pPr>
+              <a:t>Most of the data is a range rather than a single value</a:t>
+            </a:r>
+          </a:p>
+          <a:p>
+            <a:pPr marL="285750" indent="-285750">
               <a:buFont typeface="Arial" panose="020B0604020202020204" pitchFamily="34" charset="0"/>
               <a:buChar char="•"/>
             </a:pPr>
             <a:r>
-              <a:rPr lang="en-US" altLang="zh-CN" b="1" dirty="0"/>
-              <a:t>Potential interactions</a:t>
-            </a:r>
-            <a:r>
               <a:rPr lang="en-US" altLang="zh-CN" dirty="0"/>
-              <a:t>: between traits and climate.</a:t>
-            </a:r>
+              <a:t>Both categorical and continuous</a:t>
+            </a:r>
+            <a:endParaRPr lang="zh-CN" altLang="en-US" dirty="0"/>
           </a:p>
         </p:txBody>
       </p:sp>
     </p:spTree>
     <p:extLst>
       <p:ext uri="{BB962C8B-B14F-4D97-AF65-F5344CB8AC3E}">
-        <p14:creationId xmlns:p14="http://schemas.microsoft.com/office/powerpoint/2010/main" val="1491767582"/>
+        <p14:creationId xmlns:p14="http://schemas.microsoft.com/office/powerpoint/2010/main" val="3066744736"/>
       </p:ext>
     </p:extLst>
   </p:cSld>
@@ -5599,7 +11386,7 @@
         <p:cNvPr id="1" name="">
           <a:extLst>
             <a:ext uri="{FF2B5EF4-FFF2-40B4-BE49-F238E27FC236}">
-              <a16:creationId xmlns:a16="http://schemas.microsoft.com/office/drawing/2014/main" id="{FAE4734B-E631-147B-3478-E047C612C6B5}"/>
+              <a16:creationId xmlns:a16="http://schemas.microsoft.com/office/drawing/2014/main" id="{E559CC97-C9DD-3111-F7CB-B103AB023F0F}"/>
             </a:ext>
           </a:extLst>
         </p:cNvPr>
@@ -5616,10 +11403,10 @@
       </p:grpSpPr>
       <p:sp>
         <p:nvSpPr>
-          <p:cNvPr id="7" name="TextBox 6">
-            <a:extLst>
-              <a:ext uri="{FF2B5EF4-FFF2-40B4-BE49-F238E27FC236}">
-                <a16:creationId xmlns:a16="http://schemas.microsoft.com/office/drawing/2014/main" id="{53CCF8CC-05E1-679E-F89E-9C470C736391}"/>
+          <p:cNvPr id="2" name="TextBox 1">
+            <a:extLst>
+              <a:ext uri="{FF2B5EF4-FFF2-40B4-BE49-F238E27FC236}">
+                <a16:creationId xmlns:a16="http://schemas.microsoft.com/office/drawing/2014/main" id="{60801DD7-D34B-980D-DB8A-DD198CA3B336}"/>
               </a:ext>
             </a:extLst>
           </p:cNvPr>
@@ -5628,8 +11415,8 @@
         </p:nvSpPr>
         <p:spPr>
           <a:xfrm>
-            <a:off x="1219199" y="1321750"/>
-            <a:ext cx="9753601" cy="2400657"/>
+            <a:off x="1589314" y="3553598"/>
+            <a:ext cx="9187543" cy="1938992"/>
           </a:xfrm>
           <a:prstGeom prst="rect">
             <a:avLst/>
@@ -5637,6 +11424,64 @@
           <a:noFill/>
         </p:spPr>
         <p:txBody>
+          <a:bodyPr wrap="square" rtlCol="0">
+            <a:spAutoFit/>
+          </a:bodyPr>
+          <a:lstStyle/>
+          <a:p>
+            <a:r>
+              <a:rPr lang="en-US" altLang="zh-CN" sz="2400" b="1" dirty="0"/>
+              <a:t>Response variables:</a:t>
+            </a:r>
+          </a:p>
+          <a:p>
+            <a:endParaRPr lang="en-US" altLang="zh-CN" sz="2400" b="1" dirty="0"/>
+          </a:p>
+          <a:p>
+            <a:r>
+              <a:rPr lang="en-US" altLang="zh-CN" sz="2400" b="1" dirty="0"/>
+              <a:t>Binary:</a:t>
+            </a:r>
+            <a:r>
+              <a:rPr lang="en-US" altLang="zh-CN" sz="2400" dirty="0"/>
+              <a:t>: Whether a species have strong masting behavior or not (0/1)</a:t>
+            </a:r>
+          </a:p>
+          <a:p>
+            <a:r>
+              <a:rPr lang="en-US" altLang="zh-CN" sz="2400" b="1" dirty="0"/>
+              <a:t>Continuous:</a:t>
+            </a:r>
+            <a:r>
+              <a:rPr lang="en-US" altLang="zh-CN" sz="2400" dirty="0"/>
+              <a:t>: Frequency of mast and variation of the seed production (e.g., CV)</a:t>
+            </a:r>
+          </a:p>
+        </p:txBody>
+      </p:sp>
+      <p:sp>
+        <p:nvSpPr>
+          <p:cNvPr id="7" name="TextBox 6">
+            <a:extLst>
+              <a:ext uri="{FF2B5EF4-FFF2-40B4-BE49-F238E27FC236}">
+                <a16:creationId xmlns:a16="http://schemas.microsoft.com/office/drawing/2014/main" id="{ECA9F248-968A-5D75-9DE0-DD6BF619DCB0}"/>
+              </a:ext>
+            </a:extLst>
+          </p:cNvPr>
+          <p:cNvSpPr txBox="1"/>
+          <p:nvPr/>
+        </p:nvSpPr>
+        <p:spPr>
+          <a:xfrm>
+            <a:off x="1589314" y="527093"/>
+            <a:ext cx="10363201" cy="2308324"/>
+          </a:xfrm>
+          <a:prstGeom prst="rect">
+            <a:avLst/>
+          </a:prstGeom>
+          <a:noFill/>
+        </p:spPr>
+        <p:txBody>
           <a:bodyPr wrap="square">
             <a:spAutoFit/>
           </a:bodyPr>
@@ -5646,206 +11491,72 @@
               <a:buNone/>
             </a:pPr>
             <a:r>
-              <a:rPr lang="en-US" altLang="zh-CN" dirty="0"/>
-              <a:t>For observation </a:t>
-            </a:r>
-            <a:r>
-              <a:rPr lang="en-US" altLang="zh-CN" dirty="0" err="1"/>
-              <a:t>i</a:t>
-            </a:r>
-            <a:r>
-              <a:rPr lang="en-US" altLang="zh-CN" dirty="0"/>
-              <a:t> </a:t>
+              <a:rPr lang="en-US" altLang="zh-CN" sz="2400" b="1" dirty="0"/>
+              <a:t>Predictors:</a:t>
             </a:r>
           </a:p>
           <a:p>
             <a:pPr>
               <a:buNone/>
             </a:pPr>
-            <a:endParaRPr lang="en-US" altLang="zh-CN" dirty="0"/>
+            <a:endParaRPr lang="en-US" altLang="zh-CN" sz="2400" b="1" dirty="0"/>
           </a:p>
           <a:p>
             <a:pPr>
-              <a:buNone/>
+              <a:buFont typeface="Arial" panose="020B0604020202020204" pitchFamily="34" charset="0"/>
+              <a:buChar char="•"/>
             </a:pPr>
             <a:r>
-              <a:rPr lang="en-US" altLang="zh-CN" dirty="0" err="1"/>
-              <a:t>yi</a:t>
-            </a:r>
-            <a:r>
-              <a:rPr lang="en-US" altLang="zh-CN" dirty="0"/>
-              <a:t>​∼Bernoulli(pi​)</a:t>
+              <a:rPr lang="en-US" altLang="zh-CN" sz="2400" b="1" dirty="0"/>
+              <a:t>Reproductive traits</a:t>
+            </a:r>
+            <a:r>
+              <a:rPr lang="en-US" altLang="zh-CN" sz="2400" dirty="0"/>
+              <a:t>: mixture of categorical (e.g., pollination mode), and continuous (e.g., seed size).</a:t>
             </a:r>
           </a:p>
           <a:p>
             <a:pPr>
-              <a:buNone/>
+              <a:buFont typeface="Arial" panose="020B0604020202020204" pitchFamily="34" charset="0"/>
+              <a:buChar char="•"/>
             </a:pPr>
-            <a:endParaRPr lang="en-US" altLang="zh-CN" dirty="0"/>
+            <a:r>
+              <a:rPr lang="en-US" altLang="zh-CN" sz="2400" b="1" dirty="0"/>
+              <a:t>Climate category</a:t>
+            </a:r>
+            <a:r>
+              <a:rPr lang="en-US" altLang="zh-CN" sz="2400" dirty="0"/>
+              <a:t>: categorical (</a:t>
+            </a:r>
+            <a:r>
+              <a:rPr lang="en-US" altLang="zh-CN" sz="2400"/>
+              <a:t>e.g., soil </a:t>
+            </a:r>
+            <a:r>
+              <a:rPr lang="en-US" altLang="zh-CN" sz="2400" dirty="0"/>
+              <a:t>moisture: wet, moist, dry)</a:t>
+            </a:r>
           </a:p>
           <a:p>
             <a:pPr>
-              <a:buNone/>
+              <a:buFont typeface="Arial" panose="020B0604020202020204" pitchFamily="34" charset="0"/>
+              <a:buChar char="•"/>
             </a:pPr>
             <a:r>
-              <a:rPr lang="en-US" altLang="zh-CN" dirty="0"/>
-              <a:t>logit(p</a:t>
-            </a:r>
-            <a:r>
-              <a:rPr lang="en-US" altLang="zh-CN" baseline="-25000" dirty="0"/>
-              <a:t>i</a:t>
-            </a:r>
-            <a:r>
-              <a:rPr lang="en-US" altLang="zh-CN" dirty="0"/>
-              <a:t>​)=</a:t>
-            </a:r>
-            <a:r>
-              <a:rPr lang="el-GR" altLang="zh-CN" dirty="0"/>
-              <a:t>α</a:t>
-            </a:r>
-            <a:r>
-              <a:rPr lang="en-US" altLang="zh-CN" baseline="-25000" dirty="0"/>
-              <a:t>0</a:t>
-            </a:r>
-            <a:r>
-              <a:rPr lang="en-US" altLang="zh-CN" dirty="0"/>
-              <a:t> + </a:t>
-            </a:r>
-            <a:r>
-              <a:rPr lang="el-GR" altLang="zh-CN" dirty="0"/>
-              <a:t>α</a:t>
-            </a:r>
-            <a:r>
-              <a:rPr lang="en-US" altLang="zh-CN" baseline="-25000" dirty="0"/>
-              <a:t>soil</a:t>
-            </a:r>
-            <a:r>
-              <a:rPr lang="en-US" altLang="zh-CN" dirty="0"/>
-              <a:t> + </a:t>
-            </a:r>
-            <a:r>
-              <a:rPr lang="el-GR" altLang="zh-CN" dirty="0"/>
-              <a:t>β</a:t>
-            </a:r>
-            <a:r>
-              <a:rPr lang="el-GR" altLang="zh-CN" baseline="-25000" dirty="0"/>
-              <a:t>1,</a:t>
-            </a:r>
-            <a:r>
-              <a:rPr lang="en-US" altLang="zh-CN" baseline="-25000" dirty="0"/>
-              <a:t>soil[</a:t>
-            </a:r>
-            <a:r>
-              <a:rPr lang="en-US" altLang="zh-CN" baseline="-25000" dirty="0" err="1"/>
-              <a:t>i</a:t>
-            </a:r>
-            <a:r>
-              <a:rPr lang="en-US" altLang="zh-CN" baseline="-25000" dirty="0"/>
-              <a:t>]</a:t>
-            </a:r>
-            <a:r>
-              <a:rPr lang="en-US" altLang="zh-CN" dirty="0"/>
-              <a:t>​⋅x</a:t>
-            </a:r>
-            <a:r>
-              <a:rPr lang="en-US" altLang="zh-CN" baseline="-25000" dirty="0"/>
-              <a:t>1,i​</a:t>
-            </a:r>
-            <a:r>
-              <a:rPr lang="en-US" altLang="zh-CN" dirty="0"/>
-              <a:t>+</a:t>
-            </a:r>
-            <a:r>
-              <a:rPr lang="el-GR" altLang="zh-CN" dirty="0"/>
-              <a:t>β</a:t>
-            </a:r>
-            <a:r>
-              <a:rPr lang="el-GR" altLang="zh-CN" baseline="-25000" dirty="0"/>
-              <a:t>2,</a:t>
-            </a:r>
-            <a:r>
-              <a:rPr lang="en-US" altLang="zh-CN" baseline="-25000" dirty="0"/>
-              <a:t>soil[</a:t>
-            </a:r>
-            <a:r>
-              <a:rPr lang="en-US" altLang="zh-CN" baseline="-25000" dirty="0" err="1"/>
-              <a:t>i</a:t>
-            </a:r>
-            <a:r>
-              <a:rPr lang="en-US" altLang="zh-CN" baseline="-25000" dirty="0"/>
-              <a:t>]</a:t>
-            </a:r>
-            <a:r>
-              <a:rPr lang="en-US" altLang="zh-CN" dirty="0"/>
-              <a:t>​⋅x</a:t>
-            </a:r>
-            <a:r>
-              <a:rPr lang="en-US" altLang="zh-CN" baseline="-25000" dirty="0"/>
-              <a:t>2,i​</a:t>
-            </a:r>
-            <a:r>
-              <a:rPr lang="en-US" altLang="zh-CN" dirty="0"/>
-              <a:t>+</a:t>
-            </a:r>
-            <a:r>
-              <a:rPr lang="el-GR" altLang="zh-CN" dirty="0"/>
-              <a:t>β</a:t>
-            </a:r>
-            <a:r>
-              <a:rPr lang="el-GR" altLang="zh-CN" baseline="-25000" dirty="0"/>
-              <a:t>3,</a:t>
-            </a:r>
-            <a:r>
-              <a:rPr lang="en-US" altLang="zh-CN" baseline="-25000" dirty="0"/>
-              <a:t>soil[</a:t>
-            </a:r>
-            <a:r>
-              <a:rPr lang="en-US" altLang="zh-CN" baseline="-25000" dirty="0" err="1"/>
-              <a:t>i</a:t>
-            </a:r>
-            <a:r>
-              <a:rPr lang="en-US" altLang="zh-CN" baseline="-25000" dirty="0"/>
-              <a:t>]</a:t>
-            </a:r>
-            <a:r>
-              <a:rPr lang="en-US" altLang="zh-CN" dirty="0"/>
-              <a:t>​⋅x</a:t>
-            </a:r>
-            <a:r>
-              <a:rPr lang="en-US" altLang="zh-CN" baseline="-25000" dirty="0"/>
-              <a:t>3,i​ </a:t>
-            </a:r>
-          </a:p>
-          <a:p>
-            <a:pPr>
-              <a:buNone/>
-            </a:pPr>
-            <a:endParaRPr lang="en-US" altLang="zh-CN" baseline="-25000" dirty="0"/>
-          </a:p>
-          <a:p>
-            <a:pPr>
-              <a:buNone/>
-            </a:pPr>
-            <a:endParaRPr lang="en-US" altLang="zh-CN" baseline="-25000" dirty="0"/>
-          </a:p>
-          <a:p>
-            <a:pPr>
-              <a:buNone/>
-            </a:pPr>
-            <a:endParaRPr lang="en-US" altLang="zh-CN" dirty="0"/>
-          </a:p>
-          <a:p>
-            <a:pPr>
-              <a:buNone/>
-            </a:pPr>
-            <a:endParaRPr lang="en-US" altLang="zh-CN" dirty="0"/>
+              <a:rPr lang="en-US" altLang="zh-CN" sz="2400" b="1" dirty="0"/>
+              <a:t>Potential interactions (?)</a:t>
+            </a:r>
+            <a:r>
+              <a:rPr lang="en-US" altLang="zh-CN" sz="2400" dirty="0"/>
+              <a:t>: between traits and climate</a:t>
+            </a:r>
           </a:p>
         </p:txBody>
       </p:sp>
     </p:spTree>
     <p:extLst>
       <p:ext uri="{BB962C8B-B14F-4D97-AF65-F5344CB8AC3E}">
-        <p14:creationId xmlns:p14="http://schemas.microsoft.com/office/powerpoint/2010/main" val="3632691482"/>
+        <p14:creationId xmlns:p14="http://schemas.microsoft.com/office/powerpoint/2010/main" val="1491767582"/>
       </p:ext>
     </p:extLst>
   </p:cSld>
@@ -6168,4 +11879,319 @@
     </a:ext>
   </a:extLst>
 </a:theme>
+</file>
+
+<file path=ppt/theme/theme2.xml><?xml version="1.0" encoding="utf-8"?>
+<a:theme xmlns:a="http://schemas.openxmlformats.org/drawingml/2006/main" name="Office Theme">
+  <a:themeElements>
+    <a:clrScheme name="Office">
+      <a:dk1>
+        <a:sysClr val="windowText" lastClr="000000"/>
+      </a:dk1>
+      <a:lt1>
+        <a:sysClr val="window" lastClr="FFFFFF"/>
+      </a:lt1>
+      <a:dk2>
+        <a:srgbClr val="0E2841"/>
+      </a:dk2>
+      <a:lt2>
+        <a:srgbClr val="E8E8E8"/>
+      </a:lt2>
+      <a:accent1>
+        <a:srgbClr val="156082"/>
+      </a:accent1>
+      <a:accent2>
+        <a:srgbClr val="E97132"/>
+      </a:accent2>
+      <a:accent3>
+        <a:srgbClr val="196B24"/>
+      </a:accent3>
+      <a:accent4>
+        <a:srgbClr val="0F9ED5"/>
+      </a:accent4>
+      <a:accent5>
+        <a:srgbClr val="A02B93"/>
+      </a:accent5>
+      <a:accent6>
+        <a:srgbClr val="4EA72E"/>
+      </a:accent6>
+      <a:hlink>
+        <a:srgbClr val="467886"/>
+      </a:hlink>
+      <a:folHlink>
+        <a:srgbClr val="96607D"/>
+      </a:folHlink>
+    </a:clrScheme>
+    <a:fontScheme name="Office">
+      <a:majorFont>
+        <a:latin typeface="等线 Light" panose="02110004020202020204"/>
+        <a:ea typeface=""/>
+        <a:cs typeface=""/>
+        <a:font script="Jpan" typeface="游ゴシック Light"/>
+        <a:font script="Hang" typeface="맑은 고딕"/>
+        <a:font script="Hans" typeface="等线 Light"/>
+        <a:font script="Hant" typeface="新細明體"/>
+        <a:font script="Arab" typeface="Times New Roman"/>
+        <a:font script="Hebr" typeface="Times New Roman"/>
+        <a:font script="Thai" typeface="Angsana New"/>
+        <a:font script="Ethi" typeface="Nyala"/>
+        <a:font script="Beng" typeface="Vrinda"/>
+        <a:font script="Gujr" typeface="Shruti"/>
+        <a:font script="Khmr" typeface="MoolBoran"/>
+        <a:font script="Knda" typeface="Tunga"/>
+        <a:font script="Guru" typeface="Raavi"/>
+        <a:font script="Cans" typeface="Euphemia"/>
+        <a:font script="Cher" typeface="Plantagenet Cherokee"/>
+        <a:font script="Yiii" typeface="Microsoft Yi Baiti"/>
+        <a:font script="Tibt" typeface="Microsoft Himalaya"/>
+        <a:font script="Thaa" typeface="MV Boli"/>
+        <a:font script="Deva" typeface="Mangal"/>
+        <a:font script="Telu" typeface="Gautami"/>
+        <a:font script="Taml" typeface="Latha"/>
+        <a:font script="Syrc" typeface="Estrangelo Edessa"/>
+        <a:font script="Orya" typeface="Kalinga"/>
+        <a:font script="Mlym" typeface="Kartika"/>
+        <a:font script="Laoo" typeface="DokChampa"/>
+        <a:font script="Sinh" typeface="Iskoola Pota"/>
+        <a:font script="Mong" typeface="Mongolian Baiti"/>
+        <a:font script="Viet" typeface="Times New Roman"/>
+        <a:font script="Uigh" typeface="Microsoft Uighur"/>
+        <a:font script="Geor" typeface="Sylfaen"/>
+        <a:font script="Armn" typeface="Arial"/>
+        <a:font script="Bugi" typeface="Leelawadee UI"/>
+        <a:font script="Bopo" typeface="Microsoft JhengHei"/>
+        <a:font script="Java" typeface="Javanese Text"/>
+        <a:font script="Lisu" typeface="Segoe UI"/>
+        <a:font script="Mymr" typeface="Myanmar Text"/>
+        <a:font script="Nkoo" typeface="Ebrima"/>
+        <a:font script="Olck" typeface="Nirmala UI"/>
+        <a:font script="Osma" typeface="Ebrima"/>
+        <a:font script="Phag" typeface="Phagspa"/>
+        <a:font script="Syrn" typeface="Estrangelo Edessa"/>
+        <a:font script="Syrj" typeface="Estrangelo Edessa"/>
+        <a:font script="Syre" typeface="Estrangelo Edessa"/>
+        <a:font script="Sora" typeface="Nirmala UI"/>
+        <a:font script="Tale" typeface="Microsoft Tai Le"/>
+        <a:font script="Talu" typeface="Microsoft New Tai Lue"/>
+        <a:font script="Tfng" typeface="Ebrima"/>
+      </a:majorFont>
+      <a:minorFont>
+        <a:latin typeface="等线" panose="02110004020202020204"/>
+        <a:ea typeface=""/>
+        <a:cs typeface=""/>
+        <a:font script="Jpan" typeface="游ゴシック"/>
+        <a:font script="Hang" typeface="맑은 고딕"/>
+        <a:font script="Hans" typeface="等线"/>
+        <a:font script="Hant" typeface="新細明體"/>
+        <a:font script="Arab" typeface="Arial"/>
+        <a:font script="Hebr" typeface="Arial"/>
+        <a:font script="Thai" typeface="Cordia New"/>
+        <a:font script="Ethi" typeface="Nyala"/>
+        <a:font script="Beng" typeface="Vrinda"/>
+        <a:font script="Gujr" typeface="Shruti"/>
+        <a:font script="Khmr" typeface="DaunPenh"/>
+        <a:font script="Knda" typeface="Tunga"/>
+        <a:font script="Guru" typeface="Raavi"/>
+        <a:font script="Cans" typeface="Euphemia"/>
+        <a:font script="Cher" typeface="Plantagenet Cherokee"/>
+        <a:font script="Yiii" typeface="Microsoft Yi Baiti"/>
+        <a:font script="Tibt" typeface="Microsoft Himalaya"/>
+        <a:font script="Thaa" typeface="MV Boli"/>
+        <a:font script="Deva" typeface="Mangal"/>
+        <a:font script="Telu" typeface="Gautami"/>
+        <a:font script="Taml" typeface="Latha"/>
+        <a:font script="Syrc" typeface="Estrangelo Edessa"/>
+        <a:font script="Orya" typeface="Kalinga"/>
+        <a:font script="Mlym" typeface="Kartika"/>
+        <a:font script="Laoo" typeface="DokChampa"/>
+        <a:font script="Sinh" typeface="Iskoola Pota"/>
+        <a:font script="Mong" typeface="Mongolian Baiti"/>
+        <a:font script="Viet" typeface="Arial"/>
+        <a:font script="Uigh" typeface="Microsoft Uighur"/>
+        <a:font script="Geor" typeface="Sylfaen"/>
+        <a:font script="Armn" typeface="Arial"/>
+        <a:font script="Bugi" typeface="Leelawadee UI"/>
+        <a:font script="Bopo" typeface="Microsoft JhengHei"/>
+        <a:font script="Java" typeface="Javanese Text"/>
+        <a:font script="Lisu" typeface="Segoe UI"/>
+        <a:font script="Mymr" typeface="Myanmar Text"/>
+        <a:font script="Nkoo" typeface="Ebrima"/>
+        <a:font script="Olck" typeface="Nirmala UI"/>
+        <a:font script="Osma" typeface="Ebrima"/>
+        <a:font script="Phag" typeface="Phagspa"/>
+        <a:font script="Syrn" typeface="Estrangelo Edessa"/>
+        <a:font script="Syrj" typeface="Estrangelo Edessa"/>
+        <a:font script="Syre" typeface="Estrangelo Edessa"/>
+        <a:font script="Sora" typeface="Nirmala UI"/>
+        <a:font script="Tale" typeface="Microsoft Tai Le"/>
+        <a:font script="Talu" typeface="Microsoft New Tai Lue"/>
+        <a:font script="Tfng" typeface="Ebrima"/>
+      </a:minorFont>
+    </a:fontScheme>
+    <a:fmtScheme name="Office">
+      <a:fillStyleLst>
+        <a:solidFill>
+          <a:schemeClr val="phClr"/>
+        </a:solidFill>
+        <a:gradFill rotWithShape="1">
+          <a:gsLst>
+            <a:gs pos="0">
+              <a:schemeClr val="phClr">
+                <a:lumMod val="110000"/>
+                <a:satMod val="105000"/>
+                <a:tint val="67000"/>
+              </a:schemeClr>
+            </a:gs>
+            <a:gs pos="50000">
+              <a:schemeClr val="phClr">
+                <a:lumMod val="105000"/>
+                <a:satMod val="103000"/>
+                <a:tint val="73000"/>
+              </a:schemeClr>
+            </a:gs>
+            <a:gs pos="100000">
+              <a:schemeClr val="phClr">
+                <a:lumMod val="105000"/>
+                <a:satMod val="109000"/>
+                <a:tint val="81000"/>
+              </a:schemeClr>
+            </a:gs>
+          </a:gsLst>
+          <a:lin ang="5400000" scaled="0"/>
+        </a:gradFill>
+        <a:gradFill rotWithShape="1">
+          <a:gsLst>
+            <a:gs pos="0">
+              <a:schemeClr val="phClr">
+                <a:satMod val="103000"/>
+                <a:lumMod val="102000"/>
+                <a:tint val="94000"/>
+              </a:schemeClr>
+            </a:gs>
+            <a:gs pos="50000">
+              <a:schemeClr val="phClr">
+                <a:satMod val="110000"/>
+                <a:lumMod val="100000"/>
+                <a:shade val="100000"/>
+              </a:schemeClr>
+            </a:gs>
+            <a:gs pos="100000">
+              <a:schemeClr val="phClr">
+                <a:lumMod val="99000"/>
+                <a:satMod val="120000"/>
+                <a:shade val="78000"/>
+              </a:schemeClr>
+            </a:gs>
+          </a:gsLst>
+          <a:lin ang="5400000" scaled="0"/>
+        </a:gradFill>
+      </a:fillStyleLst>
+      <a:lnStyleLst>
+        <a:ln w="12700" cap="flat" cmpd="sng" algn="ctr">
+          <a:solidFill>
+            <a:schemeClr val="phClr"/>
+          </a:solidFill>
+          <a:prstDash val="solid"/>
+          <a:miter lim="800000"/>
+        </a:ln>
+        <a:ln w="19050" cap="flat" cmpd="sng" algn="ctr">
+          <a:solidFill>
+            <a:schemeClr val="phClr"/>
+          </a:solidFill>
+          <a:prstDash val="solid"/>
+          <a:miter lim="800000"/>
+        </a:ln>
+        <a:ln w="25400" cap="flat" cmpd="sng" algn="ctr">
+          <a:solidFill>
+            <a:schemeClr val="phClr"/>
+          </a:solidFill>
+          <a:prstDash val="solid"/>
+          <a:miter lim="800000"/>
+        </a:ln>
+      </a:lnStyleLst>
+      <a:effectStyleLst>
+        <a:effectStyle>
+          <a:effectLst/>
+        </a:effectStyle>
+        <a:effectStyle>
+          <a:effectLst/>
+        </a:effectStyle>
+        <a:effectStyle>
+          <a:effectLst>
+            <a:outerShdw blurRad="57150" dist="19050" dir="5400000" algn="ctr" rotWithShape="0">
+              <a:srgbClr val="000000">
+                <a:alpha val="63000"/>
+              </a:srgbClr>
+            </a:outerShdw>
+          </a:effectLst>
+        </a:effectStyle>
+      </a:effectStyleLst>
+      <a:bgFillStyleLst>
+        <a:solidFill>
+          <a:schemeClr val="phClr"/>
+        </a:solidFill>
+        <a:solidFill>
+          <a:schemeClr val="phClr">
+            <a:tint val="95000"/>
+            <a:satMod val="170000"/>
+          </a:schemeClr>
+        </a:solidFill>
+        <a:gradFill rotWithShape="1">
+          <a:gsLst>
+            <a:gs pos="0">
+              <a:schemeClr val="phClr">
+                <a:tint val="93000"/>
+                <a:satMod val="150000"/>
+                <a:shade val="98000"/>
+                <a:lumMod val="102000"/>
+              </a:schemeClr>
+            </a:gs>
+            <a:gs pos="50000">
+              <a:schemeClr val="phClr">
+                <a:tint val="98000"/>
+                <a:satMod val="130000"/>
+                <a:shade val="90000"/>
+                <a:lumMod val="103000"/>
+              </a:schemeClr>
+            </a:gs>
+            <a:gs pos="100000">
+              <a:schemeClr val="phClr">
+                <a:shade val="63000"/>
+                <a:satMod val="120000"/>
+              </a:schemeClr>
+            </a:gs>
+          </a:gsLst>
+          <a:lin ang="5400000" scaled="0"/>
+        </a:gradFill>
+      </a:bgFillStyleLst>
+    </a:fmtScheme>
+  </a:themeElements>
+  <a:objectDefaults>
+    <a:lnDef>
+      <a:spPr/>
+      <a:bodyPr/>
+      <a:lstStyle/>
+      <a:style>
+        <a:lnRef idx="2">
+          <a:schemeClr val="accent1"/>
+        </a:lnRef>
+        <a:fillRef idx="0">
+          <a:schemeClr val="accent1"/>
+        </a:fillRef>
+        <a:effectRef idx="1">
+          <a:schemeClr val="accent1"/>
+        </a:effectRef>
+        <a:fontRef idx="minor">
+          <a:schemeClr val="tx1"/>
+        </a:fontRef>
+      </a:style>
+    </a:lnDef>
+  </a:objectDefaults>
+  <a:extraClrSchemeLst/>
+  <a:extLst>
+    <a:ext uri="{05A4C25C-085E-4340-85A3-A5531E510DB2}">
+      <thm15:themeFamily xmlns:thm15="http://schemas.microsoft.com/office/thememl/2012/main" name="Office Theme" id="{2E142A2C-CD16-42D6-873A-C26D2A0506FA}" vid="{1BDDFF52-6CD6-40A5-AB3C-68EB2F1E4D0A}"/>
+    </a:ext>
+  </a:extLst>
+</a:theme>
 </file>
--- a/presentations/bayesian.pptx
+++ b/presentations/bayesian.pptx
@@ -2339,7 +2339,7 @@
           <a:p>
             <a:fld id="{A1B4F3E3-EDD5-4665-858B-5A366D1C0E91}" type="datetimeFigureOut">
               <a:rPr lang="zh-CN" altLang="en-US" smtClean="0"/>
-              <a:t>2025/10/6</a:t>
+              <a:t>2025/10/7</a:t>
             </a:fld>
             <a:endParaRPr lang="zh-CN" altLang="en-US"/>
           </a:p>
@@ -3032,7 +3032,7 @@
           <a:p>
             <a:fld id="{E382E74F-4A28-4498-B099-6C8A785339C9}" type="datetimeFigureOut">
               <a:rPr lang="zh-CN" altLang="en-US" smtClean="0"/>
-              <a:t>2025/10/6</a:t>
+              <a:t>2025/10/7</a:t>
             </a:fld>
             <a:endParaRPr lang="zh-CN" altLang="en-US"/>
           </a:p>
@@ -3232,7 +3232,7 @@
           <a:p>
             <a:fld id="{E382E74F-4A28-4498-B099-6C8A785339C9}" type="datetimeFigureOut">
               <a:rPr lang="zh-CN" altLang="en-US" smtClean="0"/>
-              <a:t>2025/10/6</a:t>
+              <a:t>2025/10/7</a:t>
             </a:fld>
             <a:endParaRPr lang="zh-CN" altLang="en-US"/>
           </a:p>
@@ -3442,7 +3442,7 @@
           <a:p>
             <a:fld id="{E382E74F-4A28-4498-B099-6C8A785339C9}" type="datetimeFigureOut">
               <a:rPr lang="zh-CN" altLang="en-US" smtClean="0"/>
-              <a:t>2025/10/6</a:t>
+              <a:t>2025/10/7</a:t>
             </a:fld>
             <a:endParaRPr lang="zh-CN" altLang="en-US"/>
           </a:p>
@@ -3642,7 +3642,7 @@
           <a:p>
             <a:fld id="{E382E74F-4A28-4498-B099-6C8A785339C9}" type="datetimeFigureOut">
               <a:rPr lang="zh-CN" altLang="en-US" smtClean="0"/>
-              <a:t>2025/10/6</a:t>
+              <a:t>2025/10/7</a:t>
             </a:fld>
             <a:endParaRPr lang="zh-CN" altLang="en-US"/>
           </a:p>
@@ -3918,7 +3918,7 @@
           <a:p>
             <a:fld id="{E382E74F-4A28-4498-B099-6C8A785339C9}" type="datetimeFigureOut">
               <a:rPr lang="zh-CN" altLang="en-US" smtClean="0"/>
-              <a:t>2025/10/6</a:t>
+              <a:t>2025/10/7</a:t>
             </a:fld>
             <a:endParaRPr lang="zh-CN" altLang="en-US"/>
           </a:p>
@@ -4186,7 +4186,7 @@
           <a:p>
             <a:fld id="{E382E74F-4A28-4498-B099-6C8A785339C9}" type="datetimeFigureOut">
               <a:rPr lang="zh-CN" altLang="en-US" smtClean="0"/>
-              <a:t>2025/10/6</a:t>
+              <a:t>2025/10/7</a:t>
             </a:fld>
             <a:endParaRPr lang="zh-CN" altLang="en-US"/>
           </a:p>
@@ -4601,7 +4601,7 @@
           <a:p>
             <a:fld id="{E382E74F-4A28-4498-B099-6C8A785339C9}" type="datetimeFigureOut">
               <a:rPr lang="zh-CN" altLang="en-US" smtClean="0"/>
-              <a:t>2025/10/6</a:t>
+              <a:t>2025/10/7</a:t>
             </a:fld>
             <a:endParaRPr lang="zh-CN" altLang="en-US"/>
           </a:p>
@@ -4743,7 +4743,7 @@
           <a:p>
             <a:fld id="{E382E74F-4A28-4498-B099-6C8A785339C9}" type="datetimeFigureOut">
               <a:rPr lang="zh-CN" altLang="en-US" smtClean="0"/>
-              <a:t>2025/10/6</a:t>
+              <a:t>2025/10/7</a:t>
             </a:fld>
             <a:endParaRPr lang="zh-CN" altLang="en-US"/>
           </a:p>
@@ -4856,7 +4856,7 @@
           <a:p>
             <a:fld id="{E382E74F-4A28-4498-B099-6C8A785339C9}" type="datetimeFigureOut">
               <a:rPr lang="zh-CN" altLang="en-US" smtClean="0"/>
-              <a:t>2025/10/6</a:t>
+              <a:t>2025/10/7</a:t>
             </a:fld>
             <a:endParaRPr lang="zh-CN" altLang="en-US"/>
           </a:p>
@@ -5169,7 +5169,7 @@
           <a:p>
             <a:fld id="{E382E74F-4A28-4498-B099-6C8A785339C9}" type="datetimeFigureOut">
               <a:rPr lang="zh-CN" altLang="en-US" smtClean="0"/>
-              <a:t>2025/10/6</a:t>
+              <a:t>2025/10/7</a:t>
             </a:fld>
             <a:endParaRPr lang="zh-CN" altLang="en-US"/>
           </a:p>
@@ -5458,7 +5458,7 @@
           <a:p>
             <a:fld id="{E382E74F-4A28-4498-B099-6C8A785339C9}" type="datetimeFigureOut">
               <a:rPr lang="zh-CN" altLang="en-US" smtClean="0"/>
-              <a:t>2025/10/6</a:t>
+              <a:t>2025/10/7</a:t>
             </a:fld>
             <a:endParaRPr lang="zh-CN" altLang="en-US"/>
           </a:p>
@@ -5701,7 +5701,7 @@
           <a:p>
             <a:fld id="{E382E74F-4A28-4498-B099-6C8A785339C9}" type="datetimeFigureOut">
               <a:rPr lang="zh-CN" altLang="en-US" smtClean="0"/>
-              <a:t>2025/10/6</a:t>
+              <a:t>2025/10/7</a:t>
             </a:fld>
             <a:endParaRPr lang="zh-CN" altLang="en-US"/>
           </a:p>
@@ -6636,7 +6636,7 @@
             </a:pPr>
             <a:r>
               <a:rPr lang="en-US" altLang="zh-CN" sz="2800" dirty="0"/>
-              <a:t>Best way to handle different levels of uncertainty or missing data across studies?</a:t>
+              <a:t>Best way to handle different levels of uncertainty or missing data across species?</a:t>
             </a:r>
           </a:p>
         </p:txBody>
@@ -6979,7 +6979,7 @@
         </p:nvSpPr>
         <p:spPr>
           <a:xfrm>
-            <a:off x="2056171" y="918334"/>
+            <a:off x="2056171" y="733668"/>
             <a:ext cx="2641600" cy="369332"/>
           </a:xfrm>
           <a:prstGeom prst="rect">
@@ -7015,7 +7015,7 @@
         </p:nvSpPr>
         <p:spPr>
           <a:xfrm>
-            <a:off x="8502908" y="918334"/>
+            <a:off x="8502908" y="733668"/>
             <a:ext cx="2641600" cy="369332"/>
           </a:xfrm>
           <a:prstGeom prst="rect">
@@ -8817,7 +8817,7 @@
         </p:nvSpPr>
         <p:spPr>
           <a:xfrm>
-            <a:off x="1214252" y="1710046"/>
+            <a:off x="2805308" y="248185"/>
             <a:ext cx="8615548" cy="1200329"/>
           </a:xfrm>
           <a:prstGeom prst="rect">
@@ -8864,10 +8864,10 @@
       </p:sp>
       <p:sp>
         <p:nvSpPr>
-          <p:cNvPr id="18" name="TextBox 17">
-            <a:extLst>
-              <a:ext uri="{FF2B5EF4-FFF2-40B4-BE49-F238E27FC236}">
-                <a16:creationId xmlns:a16="http://schemas.microsoft.com/office/drawing/2014/main" id="{BCD36027-35AA-C273-D456-19D66AE909BD}"/>
+          <p:cNvPr id="3" name="TextBox 2">
+            <a:extLst>
+              <a:ext uri="{FF2B5EF4-FFF2-40B4-BE49-F238E27FC236}">
+                <a16:creationId xmlns:a16="http://schemas.microsoft.com/office/drawing/2014/main" id="{C52021A3-D278-CD73-936F-A3ADA3B09DB0}"/>
               </a:ext>
             </a:extLst>
           </p:cNvPr>
@@ -8876,8 +8876,8 @@
         </p:nvSpPr>
         <p:spPr>
           <a:xfrm>
-            <a:off x="783772" y="4780162"/>
-            <a:ext cx="10820400" cy="1200329"/>
+            <a:off x="1056073" y="248185"/>
+            <a:ext cx="3016332" cy="830997"/>
           </a:xfrm>
           <a:prstGeom prst="rect">
             <a:avLst/>
@@ -8890,50 +8890,73 @@
           </a:bodyPr>
           <a:lstStyle/>
           <a:p>
-            <a:pPr algn="ctr"/>
-            <a:r>
-              <a:rPr lang="en-US" altLang="zh-CN" sz="2400" dirty="0"/>
-              <a:t>Which reproductive-related traits are related to masting? </a:t>
-            </a:r>
-          </a:p>
-          <a:p>
-            <a:pPr algn="ctr"/>
-            <a:r>
-              <a:rPr lang="en-US" altLang="zh-CN" sz="2400" dirty="0"/>
-              <a:t>Do these traits that relate to different masting hypotheses vary by environment?</a:t>
-            </a:r>
-          </a:p>
-          <a:p>
-            <a:pPr algn="ctr"/>
-            <a:r>
-              <a:rPr lang="en-US" altLang="zh-CN" sz="2400" dirty="0"/>
-              <a:t>(e.g., which traits are more important in different environment)</a:t>
-            </a:r>
-            <a:endParaRPr lang="zh-CN" altLang="en-US" sz="2400" dirty="0"/>
+            <a:r>
+              <a:rPr lang="en-US" altLang="zh-CN" sz="4800" b="1" dirty="0"/>
+              <a:t>BUT</a:t>
+            </a:r>
+            <a:endParaRPr lang="zh-CN" altLang="en-US" sz="4800" b="1" dirty="0"/>
           </a:p>
         </p:txBody>
       </p:sp>
-      <p:sp>
-        <p:nvSpPr>
-          <p:cNvPr id="3" name="TextBox 2">
-            <a:extLst>
-              <a:ext uri="{FF2B5EF4-FFF2-40B4-BE49-F238E27FC236}">
-                <a16:creationId xmlns:a16="http://schemas.microsoft.com/office/drawing/2014/main" id="{C52021A3-D278-CD73-936F-A3ADA3B09DB0}"/>
-              </a:ext>
-            </a:extLst>
-          </p:cNvPr>
-          <p:cNvSpPr txBox="1"/>
+      <p:pic>
+        <p:nvPicPr>
+          <p:cNvPr id="6" name="Picture 5" descr="A circular shape with different colored lines&#10;&#10;AI-generated content may be incorrect.">
+            <a:extLst>
+              <a:ext uri="{FF2B5EF4-FFF2-40B4-BE49-F238E27FC236}">
+                <a16:creationId xmlns:a16="http://schemas.microsoft.com/office/drawing/2014/main" id="{83C71936-383A-0DF6-47AE-07EF4CCE3691}"/>
+              </a:ext>
+            </a:extLst>
+          </p:cNvPr>
+          <p:cNvPicPr>
+            <a:picLocks noChangeAspect="1"/>
+          </p:cNvPicPr>
           <p:nvPr/>
-        </p:nvSpPr>
-        <p:spPr>
-          <a:xfrm>
-            <a:off x="973777" y="617517"/>
-            <a:ext cx="3016332" cy="830997"/>
+        </p:nvPicPr>
+        <p:blipFill>
+          <a:blip r:embed="rId2">
+            <a:extLst>
+              <a:ext uri="{28A0092B-C50C-407E-A947-70E740481C1C}">
+                <a14:useLocalDpi xmlns:a14="http://schemas.microsoft.com/office/drawing/2010/main" val="0"/>
+              </a:ext>
+            </a:extLst>
+          </a:blip>
+          <a:stretch>
+            <a:fillRect/>
+          </a:stretch>
+        </p:blipFill>
+        <p:spPr>
+          <a:xfrm>
+            <a:off x="1632138" y="1448514"/>
+            <a:ext cx="8696432" cy="5313680"/>
           </a:xfrm>
           <a:prstGeom prst="rect">
             <a:avLst/>
           </a:prstGeom>
-          <a:noFill/>
+        </p:spPr>
+      </p:pic>
+      <p:sp>
+        <p:nvSpPr>
+          <p:cNvPr id="7" name="TextBox 6">
+            <a:extLst>
+              <a:ext uri="{FF2B5EF4-FFF2-40B4-BE49-F238E27FC236}">
+                <a16:creationId xmlns:a16="http://schemas.microsoft.com/office/drawing/2014/main" id="{3E31D493-45CE-125C-1BE2-EFBE3C499DF3}"/>
+              </a:ext>
+            </a:extLst>
+          </p:cNvPr>
+          <p:cNvSpPr txBox="1"/>
+          <p:nvPr/>
+        </p:nvSpPr>
+        <p:spPr>
+          <a:xfrm>
+            <a:off x="600456" y="3273424"/>
+            <a:ext cx="10820400" cy="1200329"/>
+          </a:xfrm>
+          <a:prstGeom prst="rect">
+            <a:avLst/>
+          </a:prstGeom>
+          <a:solidFill>
+            <a:schemeClr val="bg1"/>
+          </a:solidFill>
         </p:spPr>
         <p:txBody>
           <a:bodyPr wrap="square" rtlCol="0">
@@ -8941,20 +8964,35 @@
           </a:bodyPr>
           <a:lstStyle/>
           <a:p>
-            <a:r>
-              <a:rPr lang="en-US" altLang="zh-CN" sz="4800" b="1" dirty="0"/>
-              <a:t>BUT</a:t>
-            </a:r>
-            <a:endParaRPr lang="zh-CN" altLang="en-US" sz="4800" b="1" dirty="0"/>
+            <a:pPr algn="ctr"/>
+            <a:r>
+              <a:rPr lang="en-US" altLang="zh-CN" sz="2400" dirty="0"/>
+              <a:t>Which reproductive-related traits are related to masting? </a:t>
+            </a:r>
+          </a:p>
+          <a:p>
+            <a:pPr algn="ctr"/>
+            <a:r>
+              <a:rPr lang="en-US" altLang="zh-CN" sz="2400" dirty="0"/>
+              <a:t>Do these traits that relate to different masting hypotheses vary by environment?</a:t>
+            </a:r>
+          </a:p>
+          <a:p>
+            <a:pPr algn="ctr"/>
+            <a:r>
+              <a:rPr lang="en-US" altLang="zh-CN" sz="2400" dirty="0"/>
+              <a:t>(e.g., which traits are more important in different environment)</a:t>
+            </a:r>
+            <a:endParaRPr lang="zh-CN" altLang="en-US" sz="2400" dirty="0"/>
           </a:p>
         </p:txBody>
       </p:sp>
       <p:sp>
         <p:nvSpPr>
-          <p:cNvPr id="4" name="TextBox 3">
-            <a:extLst>
-              <a:ext uri="{FF2B5EF4-FFF2-40B4-BE49-F238E27FC236}">
-                <a16:creationId xmlns:a16="http://schemas.microsoft.com/office/drawing/2014/main" id="{499ACE6C-3CA0-4FD0-A1B1-545BF38EBAB5}"/>
+          <p:cNvPr id="8" name="TextBox 7">
+            <a:extLst>
+              <a:ext uri="{FF2B5EF4-FFF2-40B4-BE49-F238E27FC236}">
+                <a16:creationId xmlns:a16="http://schemas.microsoft.com/office/drawing/2014/main" id="{B237F0C7-2ED5-C8E5-BA95-38ADCF19E79B}"/>
               </a:ext>
             </a:extLst>
           </p:cNvPr>
@@ -8963,13 +9001,15 @@
         </p:nvSpPr>
         <p:spPr>
           <a:xfrm>
-            <a:off x="973777" y="3786249"/>
+            <a:off x="4472188" y="2442427"/>
             <a:ext cx="3016332" cy="830997"/>
           </a:xfrm>
           <a:prstGeom prst="rect">
             <a:avLst/>
           </a:prstGeom>
-          <a:noFill/>
+          <a:solidFill>
+            <a:schemeClr val="bg1"/>
+          </a:solidFill>
         </p:spPr>
         <p:txBody>
           <a:bodyPr wrap="square" rtlCol="0">
@@ -8995,6 +9035,112 @@
   <p:clrMapOvr>
     <a:masterClrMapping/>
   </p:clrMapOvr>
+  <p:timing>
+    <p:tnLst>
+      <p:par>
+        <p:cTn id="1" dur="indefinite" restart="never" nodeType="tmRoot">
+          <p:childTnLst>
+            <p:seq concurrent="1" nextAc="seek">
+              <p:cTn id="2" dur="indefinite" nodeType="mainSeq">
+                <p:childTnLst>
+                  <p:par>
+                    <p:cTn id="3" fill="hold">
+                      <p:stCondLst>
+                        <p:cond delay="indefinite"/>
+                      </p:stCondLst>
+                      <p:childTnLst>
+                        <p:par>
+                          <p:cTn id="4" fill="hold">
+                            <p:stCondLst>
+                              <p:cond delay="0"/>
+                            </p:stCondLst>
+                            <p:childTnLst>
+                              <p:par>
+                                <p:cTn id="5" presetID="1" presetClass="entr" presetSubtype="0" fill="hold" grpId="0" nodeType="clickEffect">
+                                  <p:stCondLst>
+                                    <p:cond delay="0"/>
+                                  </p:stCondLst>
+                                  <p:childTnLst>
+                                    <p:set>
+                                      <p:cBhvr>
+                                        <p:cTn id="6" dur="1" fill="hold">
+                                          <p:stCondLst>
+                                            <p:cond delay="0"/>
+                                          </p:stCondLst>
+                                        </p:cTn>
+                                        <p:tgtEl>
+                                          <p:spTgt spid="7"/>
+                                        </p:tgtEl>
+                                        <p:attrNameLst>
+                                          <p:attrName>style.visibility</p:attrName>
+                                        </p:attrNameLst>
+                                      </p:cBhvr>
+                                      <p:to>
+                                        <p:strVal val="visible"/>
+                                      </p:to>
+                                    </p:set>
+                                  </p:childTnLst>
+                                </p:cTn>
+                              </p:par>
+                              <p:par>
+                                <p:cTn id="7" presetID="1" presetClass="entr" presetSubtype="0" fill="hold" grpId="0" nodeType="withEffect">
+                                  <p:stCondLst>
+                                    <p:cond delay="0"/>
+                                  </p:stCondLst>
+                                  <p:childTnLst>
+                                    <p:set>
+                                      <p:cBhvr>
+                                        <p:cTn id="8" dur="1" fill="hold">
+                                          <p:stCondLst>
+                                            <p:cond delay="0"/>
+                                          </p:stCondLst>
+                                        </p:cTn>
+                                        <p:tgtEl>
+                                          <p:spTgt spid="8"/>
+                                        </p:tgtEl>
+                                        <p:attrNameLst>
+                                          <p:attrName>style.visibility</p:attrName>
+                                        </p:attrNameLst>
+                                      </p:cBhvr>
+                                      <p:to>
+                                        <p:strVal val="visible"/>
+                                      </p:to>
+                                    </p:set>
+                                  </p:childTnLst>
+                                </p:cTn>
+                              </p:par>
+                            </p:childTnLst>
+                          </p:cTn>
+                        </p:par>
+                      </p:childTnLst>
+                    </p:cTn>
+                  </p:par>
+                </p:childTnLst>
+              </p:cTn>
+              <p:prevCondLst>
+                <p:cond evt="onPrev" delay="0">
+                  <p:tgtEl>
+                    <p:sldTgt/>
+                  </p:tgtEl>
+                </p:cond>
+              </p:prevCondLst>
+              <p:nextCondLst>
+                <p:cond evt="onNext" delay="0">
+                  <p:tgtEl>
+                    <p:sldTgt/>
+                  </p:tgtEl>
+                </p:cond>
+              </p:nextCondLst>
+            </p:seq>
+          </p:childTnLst>
+        </p:cTn>
+      </p:par>
+    </p:tnLst>
+    <p:bldLst>
+      <p:bldP spid="7" grpId="0" animBg="1"/>
+      <p:bldP spid="8" grpId="0" animBg="1"/>
+    </p:bldLst>
+  </p:timing>
 </p:sld>
 </file>
 
@@ -10498,8 +10644,8 @@
         </p:nvSpPr>
         <p:spPr>
           <a:xfrm>
-            <a:off x="89058" y="3827522"/>
-            <a:ext cx="1436015" cy="598369"/>
+            <a:off x="98594" y="4157825"/>
+            <a:ext cx="2937147" cy="646331"/>
           </a:xfrm>
           <a:prstGeom prst="rect">
             <a:avLst/>
@@ -10512,11 +10658,19 @@
           </a:bodyPr>
           <a:lstStyle/>
           <a:p>
-            <a:pPr fontAlgn="base">
-              <a:lnSpc>
-                <a:spcPts val="4875"/>
-              </a:lnSpc>
-            </a:pPr>
+            <a:pPr fontAlgn="base"/>
+            <a:r>
+              <a:rPr lang="en-US" altLang="zh-CN" sz="1200" dirty="0">
+                <a:solidFill>
+                  <a:srgbClr val="212529"/>
+                </a:solidFill>
+                <a:latin typeface="Playfair Display" panose="020F0502020204030204" pitchFamily="2" charset="0"/>
+              </a:rPr>
+              <a:t>(single sex flower or both sexes flowers)</a:t>
+            </a:r>
+          </a:p>
+          <a:p>
+            <a:pPr fontAlgn="base"/>
             <a:r>
               <a:rPr lang="en-US" altLang="zh-CN" sz="1200" dirty="0">
                 <a:solidFill>
@@ -10527,6 +10681,15 @@
               <a:t>(categorical)</a:t>
             </a:r>
           </a:p>
+          <a:p>
+            <a:pPr fontAlgn="base"/>
+            <a:endParaRPr lang="en-US" altLang="zh-CN" sz="1200" dirty="0">
+              <a:solidFill>
+                <a:srgbClr val="212529"/>
+              </a:solidFill>
+              <a:latin typeface="Playfair Display" panose="020F0502020204030204" pitchFamily="2" charset="0"/>
+            </a:endParaRPr>
+          </a:p>
         </p:txBody>
       </p:sp>
       <p:sp>
@@ -10588,8 +10751,8 @@
         </p:nvSpPr>
         <p:spPr>
           <a:xfrm>
-            <a:off x="82019" y="5092766"/>
-            <a:ext cx="3010757" cy="905376"/>
+            <a:off x="107940" y="5376218"/>
+            <a:ext cx="3010757" cy="461665"/>
           </a:xfrm>
           <a:prstGeom prst="rect">
             <a:avLst/>
@@ -10602,11 +10765,7 @@
           </a:bodyPr>
           <a:lstStyle/>
           <a:p>
-            <a:pPr fontAlgn="base">
-              <a:lnSpc>
-                <a:spcPts val="4875"/>
-              </a:lnSpc>
-            </a:pPr>
+            <a:pPr fontAlgn="base"/>
             <a:r>
               <a:rPr lang="en-US" altLang="zh-CN" sz="1200" dirty="0">
                 <a:solidFill>
@@ -10645,8 +10804,8 @@
         </p:nvSpPr>
         <p:spPr>
           <a:xfrm>
-            <a:off x="3619698" y="4038786"/>
-            <a:ext cx="1436015" cy="598369"/>
+            <a:off x="3629234" y="4339326"/>
+            <a:ext cx="2191562" cy="461665"/>
           </a:xfrm>
           <a:prstGeom prst="rect">
             <a:avLst/>
@@ -10659,11 +10818,19 @@
           </a:bodyPr>
           <a:lstStyle/>
           <a:p>
-            <a:pPr fontAlgn="base">
-              <a:lnSpc>
-                <a:spcPts val="4875"/>
-              </a:lnSpc>
-            </a:pPr>
+            <a:pPr fontAlgn="base"/>
+            <a:r>
+              <a:rPr lang="en-US" altLang="zh-CN" sz="1200" dirty="0">
+                <a:solidFill>
+                  <a:srgbClr val="212529"/>
+                </a:solidFill>
+                <a:latin typeface="Playfair Display" panose="020F0502020204030204" pitchFamily="2" charset="0"/>
+              </a:rPr>
+              <a:t>(how long do leaves persist)</a:t>
+            </a:r>
+          </a:p>
+          <a:p>
+            <a:pPr fontAlgn="base"/>
             <a:r>
               <a:rPr lang="en-US" altLang="zh-CN" sz="1200" dirty="0">
                 <a:solidFill>
@@ -10825,8 +10992,8 @@
         </p:nvSpPr>
         <p:spPr>
           <a:xfrm>
-            <a:off x="6578498" y="4426757"/>
-            <a:ext cx="1436015" cy="598369"/>
+            <a:off x="6561542" y="4703060"/>
+            <a:ext cx="2059502" cy="461665"/>
           </a:xfrm>
           <a:prstGeom prst="rect">
             <a:avLst/>
@@ -10839,11 +11006,19 @@
           </a:bodyPr>
           <a:lstStyle/>
           <a:p>
-            <a:pPr fontAlgn="base">
-              <a:lnSpc>
-                <a:spcPts val="4875"/>
-              </a:lnSpc>
-            </a:pPr>
+            <a:pPr fontAlgn="base"/>
+            <a:r>
+              <a:rPr lang="en-US" altLang="zh-CN" sz="1200" dirty="0">
+                <a:solidFill>
+                  <a:srgbClr val="212529"/>
+                </a:solidFill>
+                <a:latin typeface="Playfair Display" panose="020F0502020204030204" pitchFamily="2" charset="0"/>
+              </a:rPr>
+              <a:t>(main seed disperser)</a:t>
+            </a:r>
+          </a:p>
+          <a:p>
+            <a:pPr fontAlgn="base"/>
             <a:r>
               <a:rPr lang="en-US" altLang="zh-CN" sz="1200" dirty="0">
                 <a:solidFill>
@@ -10870,8 +11045,8 @@
         </p:nvSpPr>
         <p:spPr>
           <a:xfrm>
-            <a:off x="6576341" y="5055337"/>
-            <a:ext cx="1436015" cy="598369"/>
+            <a:off x="6561542" y="5320903"/>
+            <a:ext cx="2526508" cy="461665"/>
           </a:xfrm>
           <a:prstGeom prst="rect">
             <a:avLst/>
@@ -10884,11 +11059,19 @@
           </a:bodyPr>
           <a:lstStyle/>
           <a:p>
-            <a:pPr fontAlgn="base">
-              <a:lnSpc>
-                <a:spcPts val="4875"/>
-              </a:lnSpc>
-            </a:pPr>
+            <a:pPr fontAlgn="base"/>
+            <a:r>
+              <a:rPr lang="en-US" altLang="zh-CN" sz="1200" dirty="0">
+                <a:solidFill>
+                  <a:srgbClr val="212529"/>
+                </a:solidFill>
+                <a:latin typeface="Playfair Display" panose="020F0502020204030204" pitchFamily="2" charset="0"/>
+              </a:rPr>
+              <a:t>(germinate right after)</a:t>
+            </a:r>
+          </a:p>
+          <a:p>
+            <a:pPr fontAlgn="base"/>
             <a:r>
               <a:rPr lang="en-US" altLang="zh-CN" sz="1200" dirty="0">
                 <a:solidFill>
@@ -11243,6 +11426,162 @@
   <p:clrMapOvr>
     <a:masterClrMapping/>
   </p:clrMapOvr>
+  <p:timing>
+    <p:tnLst>
+      <p:par>
+        <p:cTn id="1" dur="indefinite" restart="never" nodeType="tmRoot">
+          <p:childTnLst>
+            <p:seq concurrent="1" nextAc="seek">
+              <p:cTn id="2" dur="indefinite" nodeType="mainSeq">
+                <p:childTnLst>
+                  <p:par>
+                    <p:cTn id="3" fill="hold">
+                      <p:stCondLst>
+                        <p:cond delay="indefinite"/>
+                      </p:stCondLst>
+                      <p:childTnLst>
+                        <p:par>
+                          <p:cTn id="4" fill="hold">
+                            <p:stCondLst>
+                              <p:cond delay="0"/>
+                            </p:stCondLst>
+                            <p:childTnLst>
+                              <p:par>
+                                <p:cTn id="5" presetID="1" presetClass="entr" presetSubtype="0" fill="hold" nodeType="clickEffect">
+                                  <p:stCondLst>
+                                    <p:cond delay="0"/>
+                                  </p:stCondLst>
+                                  <p:childTnLst>
+                                    <p:set>
+                                      <p:cBhvr>
+                                        <p:cTn id="6" dur="1" fill="hold">
+                                          <p:stCondLst>
+                                            <p:cond delay="0"/>
+                                          </p:stCondLst>
+                                        </p:cTn>
+                                        <p:tgtEl>
+                                          <p:spTgt spid="3"/>
+                                        </p:tgtEl>
+                                        <p:attrNameLst>
+                                          <p:attrName>style.visibility</p:attrName>
+                                        </p:attrNameLst>
+                                      </p:cBhvr>
+                                      <p:to>
+                                        <p:strVal val="visible"/>
+                                      </p:to>
+                                    </p:set>
+                                  </p:childTnLst>
+                                </p:cTn>
+                              </p:par>
+                              <p:par>
+                                <p:cTn id="7" presetID="1" presetClass="entr" presetSubtype="0" fill="hold" nodeType="withEffect">
+                                  <p:stCondLst>
+                                    <p:cond delay="0"/>
+                                  </p:stCondLst>
+                                  <p:childTnLst>
+                                    <p:set>
+                                      <p:cBhvr>
+                                        <p:cTn id="8" dur="1" fill="hold">
+                                          <p:stCondLst>
+                                            <p:cond delay="0"/>
+                                          </p:stCondLst>
+                                        </p:cTn>
+                                        <p:tgtEl>
+                                          <p:spTgt spid="5"/>
+                                        </p:tgtEl>
+                                        <p:attrNameLst>
+                                          <p:attrName>style.visibility</p:attrName>
+                                        </p:attrNameLst>
+                                      </p:cBhvr>
+                                      <p:to>
+                                        <p:strVal val="visible"/>
+                                      </p:to>
+                                    </p:set>
+                                  </p:childTnLst>
+                                </p:cTn>
+                              </p:par>
+                              <p:par>
+                                <p:cTn id="9" presetID="1" presetClass="entr" presetSubtype="0" fill="hold" nodeType="withEffect">
+                                  <p:stCondLst>
+                                    <p:cond delay="0"/>
+                                  </p:stCondLst>
+                                  <p:childTnLst>
+                                    <p:set>
+                                      <p:cBhvr>
+                                        <p:cTn id="10" dur="1" fill="hold">
+                                          <p:stCondLst>
+                                            <p:cond delay="0"/>
+                                          </p:stCondLst>
+                                        </p:cTn>
+                                        <p:tgtEl>
+                                          <p:spTgt spid="7"/>
+                                        </p:tgtEl>
+                                        <p:attrNameLst>
+                                          <p:attrName>style.visibility</p:attrName>
+                                        </p:attrNameLst>
+                                      </p:cBhvr>
+                                      <p:to>
+                                        <p:strVal val="visible"/>
+                                      </p:to>
+                                    </p:set>
+                                  </p:childTnLst>
+                                </p:cTn>
+                              </p:par>
+                              <p:par>
+                                <p:cTn id="11" presetID="1" presetClass="entr" presetSubtype="0" fill="hold" nodeType="withEffect">
+                                  <p:stCondLst>
+                                    <p:cond delay="0"/>
+                                  </p:stCondLst>
+                                  <p:childTnLst>
+                                    <p:set>
+                                      <p:cBhvr>
+                                        <p:cTn id="12" dur="1" fill="hold">
+                                          <p:stCondLst>
+                                            <p:cond delay="0"/>
+                                          </p:stCondLst>
+                                        </p:cTn>
+                                        <p:tgtEl>
+                                          <p:spTgt spid="9"/>
+                                        </p:tgtEl>
+                                        <p:attrNameLst>
+                                          <p:attrName>style.visibility</p:attrName>
+                                        </p:attrNameLst>
+                                      </p:cBhvr>
+                                      <p:to>
+                                        <p:strVal val="visible"/>
+                                      </p:to>
+                                    </p:set>
+                                  </p:childTnLst>
+                                </p:cTn>
+                              </p:par>
+                            </p:childTnLst>
+                          </p:cTn>
+                        </p:par>
+                      </p:childTnLst>
+                    </p:cTn>
+                  </p:par>
+                </p:childTnLst>
+              </p:cTn>
+              <p:prevCondLst>
+                <p:cond evt="onPrev" delay="0">
+                  <p:tgtEl>
+                    <p:sldTgt/>
+                  </p:tgtEl>
+                </p:cond>
+              </p:prevCondLst>
+              <p:nextCondLst>
+                <p:cond evt="onNext" delay="0">
+                  <p:tgtEl>
+                    <p:sldTgt/>
+                  </p:tgtEl>
+                </p:cond>
+              </p:nextCondLst>
+            </p:seq>
+          </p:childTnLst>
+        </p:cTn>
+      </p:par>
+    </p:tnLst>
+  </p:timing>
 </p:sld>
 </file>
 
